--- a/csc545Powerpoint.pptx
+++ b/csc545Powerpoint.pptx
@@ -11,8 +11,9 @@
     <p:sldId id="259" r:id="rId5"/>
     <p:sldId id="260" r:id="rId6"/>
     <p:sldId id="263" r:id="rId7"/>
-    <p:sldId id="261" r:id="rId8"/>
-    <p:sldId id="262" r:id="rId9"/>
+    <p:sldId id="264" r:id="rId8"/>
+    <p:sldId id="261" r:id="rId9"/>
+    <p:sldId id="262" r:id="rId10"/>
   </p:sldIdLst>
   <p:sldSz cx="12192000" cy="6858000"/>
   <p:notesSz cx="6858000" cy="9144000"/>
@@ -111,6 +112,11 @@
       </a:defRPr>
     </a:lvl9pPr>
   </p:defaultTextStyle>
+  <p:extLst>
+    <p:ext uri="{EFAFB233-063F-42B5-8137-9DF3F51BA10A}">
+      <p15:sldGuideLst xmlns:p15="http://schemas.microsoft.com/office/powerpoint/2012/main"/>
+    </p:ext>
+  </p:extLst>
 </p:presentation>
 </file>
 
@@ -3998,7 +4004,7 @@
           <a:p>
             <a:r>
               <a:rPr lang="en-US" dirty="0"/>
-              <a:t>Key technical techniques</a:t>
+              <a:t>Key Technical Techniques</a:t>
             </a:r>
           </a:p>
         </p:txBody>
@@ -4019,15 +4025,79 @@
             <p:ph idx="1"/>
           </p:nvPr>
         </p:nvSpPr>
-        <p:spPr/>
-        <p:txBody>
-          <a:bodyPr/>
-          <a:lstStyle/>
-          <a:p>
+        <p:spPr>
+          <a:xfrm>
+            <a:off x="838200" y="1825625"/>
+            <a:ext cx="5749031" cy="4351338"/>
+          </a:xfrm>
+        </p:spPr>
+        <p:txBody>
+          <a:bodyPr/>
+          <a:lstStyle/>
+          <a:p>
+            <a:r>
+              <a:rPr lang="en-US" dirty="0"/>
+              <a:t>Model-View-Controller architecture:</a:t>
+            </a:r>
+          </a:p>
+          <a:p>
+            <a:pPr marL="0" indent="0">
+              <a:buNone/>
+            </a:pPr>
+            <a:r>
+              <a:rPr lang="en-US" dirty="0"/>
+              <a:t>Used model-view-controller to increase scalability of </a:t>
+            </a:r>
+            <a:r>
+              <a:rPr lang="en-US"/>
+              <a:t>the program.</a:t>
+            </a:r>
             <a:endParaRPr lang="en-US" dirty="0"/>
           </a:p>
-        </p:txBody>
-      </p:sp>
+          <a:p>
+            <a:pPr marL="0" indent="0">
+              <a:buNone/>
+            </a:pPr>
+            <a:endParaRPr lang="en-US" dirty="0"/>
+          </a:p>
+        </p:txBody>
+      </p:sp>
+      <p:pic>
+        <p:nvPicPr>
+          <p:cNvPr id="5" name="Picture 4" descr="Graphical user interface, application, timeline&#10;&#10;Description automatically generated">
+            <a:extLst>
+              <a:ext uri="{FF2B5EF4-FFF2-40B4-BE49-F238E27FC236}">
+                <a16:creationId xmlns:a16="http://schemas.microsoft.com/office/drawing/2014/main" id="{7BD83CDE-436D-4F33-A57E-47854AAAD858}"/>
+              </a:ext>
+            </a:extLst>
+          </p:cNvPr>
+          <p:cNvPicPr>
+            <a:picLocks noChangeAspect="1"/>
+          </p:cNvPicPr>
+          <p:nvPr/>
+        </p:nvPicPr>
+        <p:blipFill>
+          <a:blip r:embed="rId2">
+            <a:extLst>
+              <a:ext uri="{28A0092B-C50C-407E-A947-70E740481C1C}">
+                <a14:useLocalDpi xmlns:a14="http://schemas.microsoft.com/office/drawing/2010/main" val="0"/>
+              </a:ext>
+            </a:extLst>
+          </a:blip>
+          <a:stretch>
+            <a:fillRect/>
+          </a:stretch>
+        </p:blipFill>
+        <p:spPr>
+          <a:xfrm>
+            <a:off x="6587231" y="365125"/>
+            <a:ext cx="5419725" cy="5734050"/>
+          </a:xfrm>
+          <a:prstGeom prst="rect">
+            <a:avLst/>
+          </a:prstGeom>
+        </p:spPr>
+      </p:pic>
     </p:spTree>
     <p:extLst>
       <p:ext uri="{BB962C8B-B14F-4D97-AF65-F5344CB8AC3E}">
@@ -4063,6 +4133,110 @@
           <p:cNvPr id="2" name="Title 1">
             <a:extLst>
               <a:ext uri="{FF2B5EF4-FFF2-40B4-BE49-F238E27FC236}">
+                <a16:creationId xmlns:a16="http://schemas.microsoft.com/office/drawing/2014/main" id="{076AEC39-8C40-419B-8FDC-2F7B7DE2351B}"/>
+              </a:ext>
+            </a:extLst>
+          </p:cNvPr>
+          <p:cNvSpPr>
+            <a:spLocks noGrp="1"/>
+          </p:cNvSpPr>
+          <p:nvPr>
+            <p:ph type="title"/>
+          </p:nvPr>
+        </p:nvSpPr>
+        <p:spPr/>
+        <p:txBody>
+          <a:bodyPr/>
+          <a:lstStyle/>
+          <a:p>
+            <a:r>
+              <a:rPr lang="en-US" dirty="0"/>
+              <a:t>Key Technical Techniques</a:t>
+            </a:r>
+          </a:p>
+        </p:txBody>
+      </p:sp>
+      <p:sp>
+        <p:nvSpPr>
+          <p:cNvPr id="3" name="Content Placeholder 2">
+            <a:extLst>
+              <a:ext uri="{FF2B5EF4-FFF2-40B4-BE49-F238E27FC236}">
+                <a16:creationId xmlns:a16="http://schemas.microsoft.com/office/drawing/2014/main" id="{8F34D4D2-5204-4E13-895F-7BBBC7C41DCD}"/>
+              </a:ext>
+            </a:extLst>
+          </p:cNvPr>
+          <p:cNvSpPr>
+            <a:spLocks noGrp="1"/>
+          </p:cNvSpPr>
+          <p:nvPr>
+            <p:ph idx="1"/>
+          </p:nvPr>
+        </p:nvSpPr>
+        <p:spPr/>
+        <p:txBody>
+          <a:bodyPr/>
+          <a:lstStyle/>
+          <a:p>
+            <a:r>
+              <a:rPr lang="en-US" dirty="0"/>
+              <a:t>Data source-delegate design pattern:</a:t>
+            </a:r>
+          </a:p>
+          <a:p>
+            <a:pPr marL="0" indent="0">
+              <a:buNone/>
+            </a:pPr>
+            <a:r>
+              <a:rPr lang="en-US" dirty="0"/>
+              <a:t>Used delegate and data source to communicate between the views and the view controllers.</a:t>
+            </a:r>
+          </a:p>
+          <a:p>
+            <a:endParaRPr lang="en-US" dirty="0"/>
+          </a:p>
+          <a:p>
+            <a:pPr marL="0" indent="0">
+              <a:buNone/>
+            </a:pPr>
+            <a:endParaRPr lang="en-US" dirty="0"/>
+          </a:p>
+        </p:txBody>
+      </p:sp>
+    </p:spTree>
+    <p:extLst>
+      <p:ext uri="{BB962C8B-B14F-4D97-AF65-F5344CB8AC3E}">
+        <p14:creationId xmlns:p14="http://schemas.microsoft.com/office/powerpoint/2010/main" val="2101991765"/>
+      </p:ext>
+    </p:extLst>
+  </p:cSld>
+  <p:clrMapOvr>
+    <a:masterClrMapping/>
+  </p:clrMapOvr>
+</p:sld>
+</file>
+
+<file path=ppt/slides/slide8.xml><?xml version="1.0" encoding="utf-8"?>
+<p:sld xmlns:a="http://schemas.openxmlformats.org/drawingml/2006/main" xmlns:r="http://schemas.openxmlformats.org/officeDocument/2006/relationships" xmlns:p="http://schemas.openxmlformats.org/presentationml/2006/main">
+  <p:cSld>
+    <p:spTree>
+      <p:nvGrpSpPr>
+        <p:cNvPr id="1" name=""/>
+        <p:cNvGrpSpPr/>
+        <p:nvPr/>
+      </p:nvGrpSpPr>
+      <p:grpSpPr>
+        <a:xfrm>
+          <a:off x="0" y="0"/>
+          <a:ext cx="0" cy="0"/>
+          <a:chOff x="0" y="0"/>
+          <a:chExt cx="0" cy="0"/>
+        </a:xfrm>
+      </p:grpSpPr>
+      <p:sp>
+        <p:nvSpPr>
+          <p:cNvPr id="2" name="Title 1">
+            <a:extLst>
+              <a:ext uri="{FF2B5EF4-FFF2-40B4-BE49-F238E27FC236}">
                 <a16:creationId xmlns:a16="http://schemas.microsoft.com/office/drawing/2014/main" id="{905A8ABC-312D-4B28-A875-82C8204C18F2}"/>
               </a:ext>
             </a:extLst>
@@ -4124,7 +4298,7 @@
 </p:sld>
 </file>
 
-<file path=ppt/slides/slide8.xml><?xml version="1.0" encoding="utf-8"?>
+<file path=ppt/slides/slide9.xml><?xml version="1.0" encoding="utf-8"?>
 <p:sld xmlns:a="http://schemas.openxmlformats.org/drawingml/2006/main" xmlns:r="http://schemas.openxmlformats.org/officeDocument/2006/relationships" xmlns:p="http://schemas.openxmlformats.org/presentationml/2006/main">
   <p:cSld>
     <p:spTree>

--- a/csc545Powerpoint.pptx
+++ b/csc545Powerpoint.pptx
@@ -2,7 +2,7 @@
 <file path=ppt/presentation.xml><?xml version="1.0" encoding="utf-8"?>
 <p:presentation xmlns:a="http://schemas.openxmlformats.org/drawingml/2006/main" xmlns:r="http://schemas.openxmlformats.org/officeDocument/2006/relationships" xmlns:p="http://schemas.openxmlformats.org/presentationml/2006/main" saveSubsetFonts="1">
   <p:sldMasterIdLst>
-    <p:sldMasterId id="2147483648" r:id="rId1"/>
+    <p:sldMasterId id="2147483660" r:id="rId1"/>
   </p:sldMasterIdLst>
   <p:sldIdLst>
     <p:sldId id="256" r:id="rId2"/>
@@ -12,8 +12,8 @@
     <p:sldId id="260" r:id="rId6"/>
     <p:sldId id="263" r:id="rId7"/>
     <p:sldId id="264" r:id="rId8"/>
-    <p:sldId id="261" r:id="rId9"/>
-    <p:sldId id="262" r:id="rId10"/>
+    <p:sldId id="265" r:id="rId9"/>
+    <p:sldId id="266" r:id="rId10"/>
   </p:sldIdLst>
   <p:sldSz cx="12192000" cy="6858000"/>
   <p:notesSz cx="6858000" cy="9144000"/>
@@ -21,7 +21,7 @@
     <a:defPPr>
       <a:defRPr lang="en-US"/>
     </a:defPPr>
-    <a:lvl1pPr marL="0" algn="l" defTabSz="914400" rtl="0" eaLnBrk="1" latinLnBrk="0" hangingPunct="1">
+    <a:lvl1pPr marL="0" algn="l" defTabSz="457200" rtl="0" eaLnBrk="1" latinLnBrk="0" hangingPunct="1">
       <a:defRPr sz="1800" kern="1200">
         <a:solidFill>
           <a:schemeClr val="tx1"/>
@@ -31,7 +31,7 @@
         <a:cs typeface="+mn-cs"/>
       </a:defRPr>
     </a:lvl1pPr>
-    <a:lvl2pPr marL="457200" algn="l" defTabSz="914400" rtl="0" eaLnBrk="1" latinLnBrk="0" hangingPunct="1">
+    <a:lvl2pPr marL="457200" algn="l" defTabSz="457200" rtl="0" eaLnBrk="1" latinLnBrk="0" hangingPunct="1">
       <a:defRPr sz="1800" kern="1200">
         <a:solidFill>
           <a:schemeClr val="tx1"/>
@@ -41,7 +41,7 @@
         <a:cs typeface="+mn-cs"/>
       </a:defRPr>
     </a:lvl2pPr>
-    <a:lvl3pPr marL="914400" algn="l" defTabSz="914400" rtl="0" eaLnBrk="1" latinLnBrk="0" hangingPunct="1">
+    <a:lvl3pPr marL="914400" algn="l" defTabSz="457200" rtl="0" eaLnBrk="1" latinLnBrk="0" hangingPunct="1">
       <a:defRPr sz="1800" kern="1200">
         <a:solidFill>
           <a:schemeClr val="tx1"/>
@@ -51,7 +51,7 @@
         <a:cs typeface="+mn-cs"/>
       </a:defRPr>
     </a:lvl3pPr>
-    <a:lvl4pPr marL="1371600" algn="l" defTabSz="914400" rtl="0" eaLnBrk="1" latinLnBrk="0" hangingPunct="1">
+    <a:lvl4pPr marL="1371600" algn="l" defTabSz="457200" rtl="0" eaLnBrk="1" latinLnBrk="0" hangingPunct="1">
       <a:defRPr sz="1800" kern="1200">
         <a:solidFill>
           <a:schemeClr val="tx1"/>
@@ -61,7 +61,7 @@
         <a:cs typeface="+mn-cs"/>
       </a:defRPr>
     </a:lvl4pPr>
-    <a:lvl5pPr marL="1828800" algn="l" defTabSz="914400" rtl="0" eaLnBrk="1" latinLnBrk="0" hangingPunct="1">
+    <a:lvl5pPr marL="1828800" algn="l" defTabSz="457200" rtl="0" eaLnBrk="1" latinLnBrk="0" hangingPunct="1">
       <a:defRPr sz="1800" kern="1200">
         <a:solidFill>
           <a:schemeClr val="tx1"/>
@@ -71,7 +71,7 @@
         <a:cs typeface="+mn-cs"/>
       </a:defRPr>
     </a:lvl5pPr>
-    <a:lvl6pPr marL="2286000" algn="l" defTabSz="914400" rtl="0" eaLnBrk="1" latinLnBrk="0" hangingPunct="1">
+    <a:lvl6pPr marL="2286000" algn="l" defTabSz="457200" rtl="0" eaLnBrk="1" latinLnBrk="0" hangingPunct="1">
       <a:defRPr sz="1800" kern="1200">
         <a:solidFill>
           <a:schemeClr val="tx1"/>
@@ -81,7 +81,7 @@
         <a:cs typeface="+mn-cs"/>
       </a:defRPr>
     </a:lvl6pPr>
-    <a:lvl7pPr marL="2743200" algn="l" defTabSz="914400" rtl="0" eaLnBrk="1" latinLnBrk="0" hangingPunct="1">
+    <a:lvl7pPr marL="2743200" algn="l" defTabSz="457200" rtl="0" eaLnBrk="1" latinLnBrk="0" hangingPunct="1">
       <a:defRPr sz="1800" kern="1200">
         <a:solidFill>
           <a:schemeClr val="tx1"/>
@@ -91,7 +91,7 @@
         <a:cs typeface="+mn-cs"/>
       </a:defRPr>
     </a:lvl7pPr>
-    <a:lvl8pPr marL="3200400" algn="l" defTabSz="914400" rtl="0" eaLnBrk="1" latinLnBrk="0" hangingPunct="1">
+    <a:lvl8pPr marL="3200400" algn="l" defTabSz="457200" rtl="0" eaLnBrk="1" latinLnBrk="0" hangingPunct="1">
       <a:defRPr sz="1800" kern="1200">
         <a:solidFill>
           <a:schemeClr val="tx1"/>
@@ -101,7 +101,7 @@
         <a:cs typeface="+mn-cs"/>
       </a:defRPr>
     </a:lvl8pPr>
-    <a:lvl9pPr marL="3657600" algn="l" defTabSz="914400" rtl="0" eaLnBrk="1" latinLnBrk="0" hangingPunct="1">
+    <a:lvl9pPr marL="3657600" algn="l" defTabSz="457200" rtl="0" eaLnBrk="1" latinLnBrk="0" hangingPunct="1">
       <a:defRPr sz="1800" kern="1200">
         <a:solidFill>
           <a:schemeClr val="tx1"/>
@@ -121,7 +121,7 @@
 </file>
 
 <file path=ppt/slideLayouts/slideLayout1.xml><?xml version="1.0" encoding="utf-8"?>
-<p:sldLayout xmlns:a="http://schemas.openxmlformats.org/drawingml/2006/main" xmlns:r="http://schemas.openxmlformats.org/officeDocument/2006/relationships" xmlns:p="http://schemas.openxmlformats.org/presentationml/2006/main" type="title" preserve="1">
+<p:sldLayout xmlns:a="http://schemas.openxmlformats.org/drawingml/2006/main" xmlns:r="http://schemas.openxmlformats.org/officeDocument/2006/relationships" xmlns:p="http://schemas.openxmlformats.org/presentationml/2006/main" showMasterSp="0" type="title" preserve="1">
   <p:cSld name="Title Slide">
     <p:spTree>
       <p:nvGrpSpPr>
@@ -137,15 +137,539 @@
           <a:chExt cx="0" cy="0"/>
         </a:xfrm>
       </p:grpSpPr>
-      <p:sp>
-        <p:nvSpPr>
-          <p:cNvPr id="2" name="Title 1">
-            <a:extLst>
-              <a:ext uri="{FF2B5EF4-FFF2-40B4-BE49-F238E27FC236}">
-                <a16:creationId xmlns:a16="http://schemas.microsoft.com/office/drawing/2014/main" id="{CCE26070-C8CE-4BD8-9C01-51427A4B346A}"/>
-              </a:ext>
-            </a:extLst>
-          </p:cNvPr>
+      <p:grpSp>
+        <p:nvGrpSpPr>
+          <p:cNvPr id="7" name="Group 6"/>
+          <p:cNvGrpSpPr/>
+          <p:nvPr/>
+        </p:nvGrpSpPr>
+        <p:grpSpPr>
+          <a:xfrm>
+            <a:off x="0" y="-8467"/>
+            <a:ext cx="12192000" cy="6866467"/>
+            <a:chOff x="0" y="-8467"/>
+            <a:chExt cx="12192000" cy="6866467"/>
+          </a:xfrm>
+        </p:grpSpPr>
+        <p:cxnSp>
+          <p:nvCxnSpPr>
+            <p:cNvPr id="32" name="Straight Connector 31"/>
+            <p:cNvCxnSpPr/>
+            <p:nvPr/>
+          </p:nvCxnSpPr>
+          <p:spPr>
+            <a:xfrm>
+              <a:off x="9371012" y="0"/>
+              <a:ext cx="1219200" cy="6858000"/>
+            </a:xfrm>
+            <a:prstGeom prst="line">
+              <a:avLst/>
+            </a:prstGeom>
+            <a:ln w="9525">
+              <a:solidFill>
+                <a:schemeClr val="bg1">
+                  <a:lumMod val="75000"/>
+                </a:schemeClr>
+              </a:solidFill>
+            </a:ln>
+          </p:spPr>
+          <p:style>
+            <a:lnRef idx="2">
+              <a:schemeClr val="accent1"/>
+            </a:lnRef>
+            <a:fillRef idx="0">
+              <a:schemeClr val="accent1"/>
+            </a:fillRef>
+            <a:effectRef idx="1">
+              <a:schemeClr val="accent1"/>
+            </a:effectRef>
+            <a:fontRef idx="minor">
+              <a:schemeClr val="tx1"/>
+            </a:fontRef>
+          </p:style>
+        </p:cxnSp>
+        <p:cxnSp>
+          <p:nvCxnSpPr>
+            <p:cNvPr id="21" name="Straight Connector 20"/>
+            <p:cNvCxnSpPr/>
+            <p:nvPr/>
+          </p:nvCxnSpPr>
+          <p:spPr>
+            <a:xfrm flipH="1">
+              <a:off x="7425267" y="3681413"/>
+              <a:ext cx="4763558" cy="3176587"/>
+            </a:xfrm>
+            <a:prstGeom prst="line">
+              <a:avLst/>
+            </a:prstGeom>
+            <a:ln w="9525">
+              <a:solidFill>
+                <a:schemeClr val="bg1">
+                  <a:lumMod val="85000"/>
+                </a:schemeClr>
+              </a:solidFill>
+            </a:ln>
+          </p:spPr>
+          <p:style>
+            <a:lnRef idx="2">
+              <a:schemeClr val="accent1"/>
+            </a:lnRef>
+            <a:fillRef idx="0">
+              <a:schemeClr val="accent1"/>
+            </a:fillRef>
+            <a:effectRef idx="1">
+              <a:schemeClr val="accent1"/>
+            </a:effectRef>
+            <a:fontRef idx="minor">
+              <a:schemeClr val="tx1"/>
+            </a:fontRef>
+          </p:style>
+        </p:cxnSp>
+        <p:sp>
+          <p:nvSpPr>
+            <p:cNvPr id="24" name="Rectangle 23"/>
+            <p:cNvSpPr/>
+            <p:nvPr/>
+          </p:nvSpPr>
+          <p:spPr>
+            <a:xfrm>
+              <a:off x="9181476" y="-8467"/>
+              <a:ext cx="3007349" cy="6866467"/>
+            </a:xfrm>
+            <a:custGeom>
+              <a:avLst/>
+              <a:gdLst/>
+              <a:ahLst/>
+              <a:cxnLst/>
+              <a:rect l="l" t="t" r="r" b="b"/>
+              <a:pathLst>
+                <a:path w="3007349" h="6866467">
+                  <a:moveTo>
+                    <a:pt x="2045532" y="0"/>
+                  </a:moveTo>
+                  <a:lnTo>
+                    <a:pt x="3007349" y="0"/>
+                  </a:lnTo>
+                  <a:lnTo>
+                    <a:pt x="3007349" y="6866467"/>
+                  </a:lnTo>
+                  <a:lnTo>
+                    <a:pt x="0" y="6866467"/>
+                  </a:lnTo>
+                  <a:lnTo>
+                    <a:pt x="2045532" y="0"/>
+                  </a:lnTo>
+                  <a:close/>
+                </a:path>
+              </a:pathLst>
+            </a:custGeom>
+            <a:solidFill>
+              <a:schemeClr val="accent1">
+                <a:alpha val="30000"/>
+              </a:schemeClr>
+            </a:solidFill>
+            <a:ln>
+              <a:noFill/>
+            </a:ln>
+            <a:effectLst/>
+          </p:spPr>
+          <p:style>
+            <a:lnRef idx="1">
+              <a:schemeClr val="accent1"/>
+            </a:lnRef>
+            <a:fillRef idx="3">
+              <a:schemeClr val="accent1"/>
+            </a:fillRef>
+            <a:effectRef idx="2">
+              <a:schemeClr val="accent1"/>
+            </a:effectRef>
+            <a:fontRef idx="minor">
+              <a:schemeClr val="lt1"/>
+            </a:fontRef>
+          </p:style>
+        </p:sp>
+        <p:sp>
+          <p:nvSpPr>
+            <p:cNvPr id="26" name="Rectangle 25"/>
+            <p:cNvSpPr/>
+            <p:nvPr/>
+          </p:nvSpPr>
+          <p:spPr>
+            <a:xfrm>
+              <a:off x="9603442" y="-8467"/>
+              <a:ext cx="2588558" cy="6866467"/>
+            </a:xfrm>
+            <a:custGeom>
+              <a:avLst/>
+              <a:gdLst/>
+              <a:ahLst/>
+              <a:cxnLst/>
+              <a:rect l="l" t="t" r="r" b="b"/>
+              <a:pathLst>
+                <a:path w="2573311" h="6866467">
+                  <a:moveTo>
+                    <a:pt x="0" y="0"/>
+                  </a:moveTo>
+                  <a:lnTo>
+                    <a:pt x="2573311" y="0"/>
+                  </a:lnTo>
+                  <a:lnTo>
+                    <a:pt x="2573311" y="6866467"/>
+                  </a:lnTo>
+                  <a:lnTo>
+                    <a:pt x="1202336" y="6866467"/>
+                  </a:lnTo>
+                  <a:lnTo>
+                    <a:pt x="0" y="0"/>
+                  </a:lnTo>
+                  <a:close/>
+                </a:path>
+              </a:pathLst>
+            </a:custGeom>
+            <a:solidFill>
+              <a:schemeClr val="accent1">
+                <a:alpha val="20000"/>
+              </a:schemeClr>
+            </a:solidFill>
+            <a:ln>
+              <a:noFill/>
+            </a:ln>
+            <a:effectLst/>
+          </p:spPr>
+          <p:style>
+            <a:lnRef idx="1">
+              <a:schemeClr val="accent1"/>
+            </a:lnRef>
+            <a:fillRef idx="3">
+              <a:schemeClr val="accent1"/>
+            </a:fillRef>
+            <a:effectRef idx="2">
+              <a:schemeClr val="accent1"/>
+            </a:effectRef>
+            <a:fontRef idx="minor">
+              <a:schemeClr val="lt1"/>
+            </a:fontRef>
+          </p:style>
+        </p:sp>
+        <p:sp>
+          <p:nvSpPr>
+            <p:cNvPr id="27" name="Isosceles Triangle 26"/>
+            <p:cNvSpPr/>
+            <p:nvPr/>
+          </p:nvSpPr>
+          <p:spPr>
+            <a:xfrm>
+              <a:off x="8932333" y="3048000"/>
+              <a:ext cx="3259667" cy="3810000"/>
+            </a:xfrm>
+            <a:prstGeom prst="triangle">
+              <a:avLst>
+                <a:gd name="adj" fmla="val 100000"/>
+              </a:avLst>
+            </a:prstGeom>
+            <a:solidFill>
+              <a:schemeClr val="accent2">
+                <a:alpha val="72000"/>
+              </a:schemeClr>
+            </a:solidFill>
+            <a:ln>
+              <a:noFill/>
+            </a:ln>
+            <a:effectLst/>
+          </p:spPr>
+          <p:style>
+            <a:lnRef idx="1">
+              <a:schemeClr val="accent1"/>
+            </a:lnRef>
+            <a:fillRef idx="3">
+              <a:schemeClr val="accent1"/>
+            </a:fillRef>
+            <a:effectRef idx="2">
+              <a:schemeClr val="accent1"/>
+            </a:effectRef>
+            <a:fontRef idx="minor">
+              <a:schemeClr val="lt1"/>
+            </a:fontRef>
+          </p:style>
+        </p:sp>
+        <p:sp>
+          <p:nvSpPr>
+            <p:cNvPr id="28" name="Rectangle 27"/>
+            <p:cNvSpPr/>
+            <p:nvPr/>
+          </p:nvSpPr>
+          <p:spPr>
+            <a:xfrm>
+              <a:off x="9334500" y="-8467"/>
+              <a:ext cx="2854326" cy="6866467"/>
+            </a:xfrm>
+            <a:custGeom>
+              <a:avLst/>
+              <a:gdLst/>
+              <a:ahLst/>
+              <a:cxnLst/>
+              <a:rect l="l" t="t" r="r" b="b"/>
+              <a:pathLst>
+                <a:path w="2858013" h="6866467">
+                  <a:moveTo>
+                    <a:pt x="0" y="0"/>
+                  </a:moveTo>
+                  <a:lnTo>
+                    <a:pt x="2858013" y="0"/>
+                  </a:lnTo>
+                  <a:lnTo>
+                    <a:pt x="2858013" y="6866467"/>
+                  </a:lnTo>
+                  <a:lnTo>
+                    <a:pt x="2473942" y="6866467"/>
+                  </a:lnTo>
+                  <a:lnTo>
+                    <a:pt x="0" y="0"/>
+                  </a:lnTo>
+                  <a:close/>
+                </a:path>
+              </a:pathLst>
+            </a:custGeom>
+            <a:solidFill>
+              <a:schemeClr val="accent2">
+                <a:lumMod val="75000"/>
+                <a:alpha val="70000"/>
+              </a:schemeClr>
+            </a:solidFill>
+            <a:ln>
+              <a:noFill/>
+            </a:ln>
+            <a:effectLst/>
+          </p:spPr>
+          <p:style>
+            <a:lnRef idx="1">
+              <a:schemeClr val="accent1"/>
+            </a:lnRef>
+            <a:fillRef idx="3">
+              <a:schemeClr val="accent1"/>
+            </a:fillRef>
+            <a:effectRef idx="2">
+              <a:schemeClr val="accent1"/>
+            </a:effectRef>
+            <a:fontRef idx="minor">
+              <a:schemeClr val="lt1"/>
+            </a:fontRef>
+          </p:style>
+        </p:sp>
+        <p:sp>
+          <p:nvSpPr>
+            <p:cNvPr id="29" name="Rectangle 28"/>
+            <p:cNvSpPr/>
+            <p:nvPr/>
+          </p:nvSpPr>
+          <p:spPr>
+            <a:xfrm>
+              <a:off x="10898730" y="-8467"/>
+              <a:ext cx="1290094" cy="6866467"/>
+            </a:xfrm>
+            <a:custGeom>
+              <a:avLst/>
+              <a:gdLst/>
+              <a:ahLst/>
+              <a:cxnLst/>
+              <a:rect l="l" t="t" r="r" b="b"/>
+              <a:pathLst>
+                <a:path w="1290094" h="6858000">
+                  <a:moveTo>
+                    <a:pt x="1019735" y="0"/>
+                  </a:moveTo>
+                  <a:lnTo>
+                    <a:pt x="1290094" y="0"/>
+                  </a:lnTo>
+                  <a:lnTo>
+                    <a:pt x="1290094" y="6858000"/>
+                  </a:lnTo>
+                  <a:lnTo>
+                    <a:pt x="0" y="6858000"/>
+                  </a:lnTo>
+                  <a:lnTo>
+                    <a:pt x="1019735" y="0"/>
+                  </a:lnTo>
+                  <a:close/>
+                </a:path>
+              </a:pathLst>
+            </a:custGeom>
+            <a:solidFill>
+              <a:schemeClr val="accent1">
+                <a:lumMod val="60000"/>
+                <a:lumOff val="40000"/>
+                <a:alpha val="70000"/>
+              </a:schemeClr>
+            </a:solidFill>
+            <a:ln>
+              <a:noFill/>
+            </a:ln>
+            <a:effectLst/>
+          </p:spPr>
+          <p:style>
+            <a:lnRef idx="1">
+              <a:schemeClr val="accent1"/>
+            </a:lnRef>
+            <a:fillRef idx="3">
+              <a:schemeClr val="accent1"/>
+            </a:fillRef>
+            <a:effectRef idx="2">
+              <a:schemeClr val="accent1"/>
+            </a:effectRef>
+            <a:fontRef idx="minor">
+              <a:schemeClr val="lt1"/>
+            </a:fontRef>
+          </p:style>
+        </p:sp>
+        <p:sp>
+          <p:nvSpPr>
+            <p:cNvPr id="30" name="Rectangle 29"/>
+            <p:cNvSpPr/>
+            <p:nvPr/>
+          </p:nvSpPr>
+          <p:spPr>
+            <a:xfrm>
+              <a:off x="10938999" y="-8467"/>
+              <a:ext cx="1249825" cy="6866467"/>
+            </a:xfrm>
+            <a:custGeom>
+              <a:avLst/>
+              <a:gdLst/>
+              <a:ahLst/>
+              <a:cxnLst/>
+              <a:rect l="l" t="t" r="r" b="b"/>
+              <a:pathLst>
+                <a:path w="1249825" h="6858000">
+                  <a:moveTo>
+                    <a:pt x="0" y="0"/>
+                  </a:moveTo>
+                  <a:lnTo>
+                    <a:pt x="1249825" y="0"/>
+                  </a:lnTo>
+                  <a:lnTo>
+                    <a:pt x="1249825" y="6858000"/>
+                  </a:lnTo>
+                  <a:lnTo>
+                    <a:pt x="1109382" y="6858000"/>
+                  </a:lnTo>
+                  <a:lnTo>
+                    <a:pt x="0" y="0"/>
+                  </a:lnTo>
+                  <a:close/>
+                </a:path>
+              </a:pathLst>
+            </a:custGeom>
+            <a:solidFill>
+              <a:schemeClr val="accent1">
+                <a:alpha val="65000"/>
+              </a:schemeClr>
+            </a:solidFill>
+            <a:ln>
+              <a:noFill/>
+            </a:ln>
+            <a:effectLst/>
+          </p:spPr>
+          <p:style>
+            <a:lnRef idx="1">
+              <a:schemeClr val="accent1"/>
+            </a:lnRef>
+            <a:fillRef idx="3">
+              <a:schemeClr val="accent1"/>
+            </a:fillRef>
+            <a:effectRef idx="2">
+              <a:schemeClr val="accent1"/>
+            </a:effectRef>
+            <a:fontRef idx="minor">
+              <a:schemeClr val="lt1"/>
+            </a:fontRef>
+          </p:style>
+        </p:sp>
+        <p:sp>
+          <p:nvSpPr>
+            <p:cNvPr id="31" name="Isosceles Triangle 30"/>
+            <p:cNvSpPr/>
+            <p:nvPr/>
+          </p:nvSpPr>
+          <p:spPr>
+            <a:xfrm>
+              <a:off x="10371666" y="3589867"/>
+              <a:ext cx="1817159" cy="3268133"/>
+            </a:xfrm>
+            <a:prstGeom prst="triangle">
+              <a:avLst>
+                <a:gd name="adj" fmla="val 100000"/>
+              </a:avLst>
+            </a:prstGeom>
+            <a:solidFill>
+              <a:schemeClr val="accent1">
+                <a:alpha val="80000"/>
+              </a:schemeClr>
+            </a:solidFill>
+            <a:ln>
+              <a:noFill/>
+            </a:ln>
+            <a:effectLst/>
+          </p:spPr>
+          <p:style>
+            <a:lnRef idx="1">
+              <a:schemeClr val="accent1"/>
+            </a:lnRef>
+            <a:fillRef idx="3">
+              <a:schemeClr val="accent1"/>
+            </a:fillRef>
+            <a:effectRef idx="2">
+              <a:schemeClr val="accent1"/>
+            </a:effectRef>
+            <a:fontRef idx="minor">
+              <a:schemeClr val="lt1"/>
+            </a:fontRef>
+          </p:style>
+        </p:sp>
+        <p:sp>
+          <p:nvSpPr>
+            <p:cNvPr id="19" name="Isosceles Triangle 18"/>
+            <p:cNvSpPr/>
+            <p:nvPr/>
+          </p:nvSpPr>
+          <p:spPr>
+            <a:xfrm rot="10800000">
+              <a:off x="0" y="0"/>
+              <a:ext cx="842596" cy="5666154"/>
+            </a:xfrm>
+            <a:prstGeom prst="triangle">
+              <a:avLst>
+                <a:gd name="adj" fmla="val 100000"/>
+              </a:avLst>
+            </a:prstGeom>
+            <a:solidFill>
+              <a:schemeClr val="accent1">
+                <a:alpha val="85000"/>
+              </a:schemeClr>
+            </a:solidFill>
+            <a:ln>
+              <a:noFill/>
+            </a:ln>
+            <a:effectLst/>
+          </p:spPr>
+          <p:style>
+            <a:lnRef idx="1">
+              <a:schemeClr val="accent1"/>
+            </a:lnRef>
+            <a:fillRef idx="3">
+              <a:schemeClr val="accent1"/>
+            </a:fillRef>
+            <a:effectRef idx="2">
+              <a:schemeClr val="accent1"/>
+            </a:effectRef>
+            <a:fontRef idx="minor">
+              <a:schemeClr val="lt1"/>
+            </a:fontRef>
+          </p:style>
+        </p:sp>
+      </p:grpSp>
+      <p:sp>
+        <p:nvSpPr>
+          <p:cNvPr id="2" name="Title 1"/>
           <p:cNvSpPr>
             <a:spLocks noGrp="1"/>
           </p:cNvSpPr>
@@ -155,15 +679,21 @@
         </p:nvSpPr>
         <p:spPr>
           <a:xfrm>
-            <a:off x="1524000" y="1122363"/>
-            <a:ext cx="9144000" cy="2387600"/>
+            <a:off x="1507067" y="2404534"/>
+            <a:ext cx="7766936" cy="1646302"/>
           </a:xfrm>
         </p:spPr>
         <p:txBody>
-          <a:bodyPr anchor="b"/>
+          <a:bodyPr anchor="b">
+            <a:noAutofit/>
+          </a:bodyPr>
           <a:lstStyle>
-            <a:lvl1pPr algn="ctr">
-              <a:defRPr sz="6000"/>
+            <a:lvl1pPr algn="r">
+              <a:defRPr sz="5400">
+                <a:solidFill>
+                  <a:schemeClr val="accent1"/>
+                </a:solidFill>
+              </a:defRPr>
             </a:lvl1pPr>
           </a:lstStyle>
           <a:p>
@@ -171,18 +701,13 @@
               <a:rPr lang="en-US"/>
               <a:t>Click to edit Master title style</a:t>
             </a:r>
-          </a:p>
-        </p:txBody>
-      </p:sp>
-      <p:sp>
-        <p:nvSpPr>
-          <p:cNvPr id="3" name="Subtitle 2">
-            <a:extLst>
-              <a:ext uri="{FF2B5EF4-FFF2-40B4-BE49-F238E27FC236}">
-                <a16:creationId xmlns:a16="http://schemas.microsoft.com/office/drawing/2014/main" id="{46631FA4-760C-4DDC-9BC5-AC7E76EB6521}"/>
-              </a:ext>
-            </a:extLst>
-          </p:cNvPr>
+            <a:endParaRPr lang="en-US" dirty="0"/>
+          </a:p>
+        </p:txBody>
+      </p:sp>
+      <p:sp>
+        <p:nvSpPr>
+          <p:cNvPr id="3" name="Subtitle 2"/>
           <p:cNvSpPr>
             <a:spLocks noGrp="1"/>
           </p:cNvSpPr>
@@ -192,48 +717,103 @@
         </p:nvSpPr>
         <p:spPr>
           <a:xfrm>
-            <a:off x="1524000" y="3602038"/>
-            <a:ext cx="9144000" cy="1655762"/>
+            <a:off x="1507067" y="4050833"/>
+            <a:ext cx="7766936" cy="1096899"/>
           </a:xfrm>
         </p:spPr>
         <p:txBody>
-          <a:bodyPr/>
+          <a:bodyPr anchor="t"/>
           <a:lstStyle>
-            <a:lvl1pPr marL="0" indent="0" algn="ctr">
-              <a:buNone/>
-              <a:defRPr sz="2400"/>
+            <a:lvl1pPr marL="0" indent="0" algn="r">
+              <a:buNone/>
+              <a:defRPr>
+                <a:solidFill>
+                  <a:schemeClr val="tx1">
+                    <a:lumMod val="50000"/>
+                    <a:lumOff val="50000"/>
+                  </a:schemeClr>
+                </a:solidFill>
+              </a:defRPr>
             </a:lvl1pPr>
             <a:lvl2pPr marL="457200" indent="0" algn="ctr">
               <a:buNone/>
-              <a:defRPr sz="2000"/>
+              <a:defRPr>
+                <a:solidFill>
+                  <a:schemeClr val="tx1">
+                    <a:tint val="75000"/>
+                  </a:schemeClr>
+                </a:solidFill>
+              </a:defRPr>
             </a:lvl2pPr>
             <a:lvl3pPr marL="914400" indent="0" algn="ctr">
               <a:buNone/>
-              <a:defRPr sz="1800"/>
+              <a:defRPr>
+                <a:solidFill>
+                  <a:schemeClr val="tx1">
+                    <a:tint val="75000"/>
+                  </a:schemeClr>
+                </a:solidFill>
+              </a:defRPr>
             </a:lvl3pPr>
             <a:lvl4pPr marL="1371600" indent="0" algn="ctr">
               <a:buNone/>
-              <a:defRPr sz="1600"/>
+              <a:defRPr>
+                <a:solidFill>
+                  <a:schemeClr val="tx1">
+                    <a:tint val="75000"/>
+                  </a:schemeClr>
+                </a:solidFill>
+              </a:defRPr>
             </a:lvl4pPr>
             <a:lvl5pPr marL="1828800" indent="0" algn="ctr">
               <a:buNone/>
-              <a:defRPr sz="1600"/>
+              <a:defRPr>
+                <a:solidFill>
+                  <a:schemeClr val="tx1">
+                    <a:tint val="75000"/>
+                  </a:schemeClr>
+                </a:solidFill>
+              </a:defRPr>
             </a:lvl5pPr>
             <a:lvl6pPr marL="2286000" indent="0" algn="ctr">
               <a:buNone/>
-              <a:defRPr sz="1600"/>
+              <a:defRPr>
+                <a:solidFill>
+                  <a:schemeClr val="tx1">
+                    <a:tint val="75000"/>
+                  </a:schemeClr>
+                </a:solidFill>
+              </a:defRPr>
             </a:lvl6pPr>
             <a:lvl7pPr marL="2743200" indent="0" algn="ctr">
               <a:buNone/>
-              <a:defRPr sz="1600"/>
+              <a:defRPr>
+                <a:solidFill>
+                  <a:schemeClr val="tx1">
+                    <a:tint val="75000"/>
+                  </a:schemeClr>
+                </a:solidFill>
+              </a:defRPr>
             </a:lvl7pPr>
             <a:lvl8pPr marL="3200400" indent="0" algn="ctr">
               <a:buNone/>
-              <a:defRPr sz="1600"/>
+              <a:defRPr>
+                <a:solidFill>
+                  <a:schemeClr val="tx1">
+                    <a:tint val="75000"/>
+                  </a:schemeClr>
+                </a:solidFill>
+              </a:defRPr>
             </a:lvl8pPr>
             <a:lvl9pPr marL="3657600" indent="0" algn="ctr">
               <a:buNone/>
-              <a:defRPr sz="1600"/>
+              <a:defRPr>
+                <a:solidFill>
+                  <a:schemeClr val="tx1">
+                    <a:tint val="75000"/>
+                  </a:schemeClr>
+                </a:solidFill>
+              </a:defRPr>
             </a:lvl9pPr>
           </a:lstStyle>
           <a:p>
@@ -241,18 +821,13 @@
               <a:rPr lang="en-US"/>
               <a:t>Click to edit Master subtitle style</a:t>
             </a:r>
-          </a:p>
-        </p:txBody>
-      </p:sp>
-      <p:sp>
-        <p:nvSpPr>
-          <p:cNvPr id="4" name="Date Placeholder 3">
-            <a:extLst>
-              <a:ext uri="{FF2B5EF4-FFF2-40B4-BE49-F238E27FC236}">
-                <a16:creationId xmlns:a16="http://schemas.microsoft.com/office/drawing/2014/main" id="{58CA0E66-9ED8-4A70-8513-327821F85E53}"/>
-              </a:ext>
-            </a:extLst>
-          </p:cNvPr>
+            <a:endParaRPr lang="en-US" dirty="0"/>
+          </a:p>
+        </p:txBody>
+      </p:sp>
+      <p:sp>
+        <p:nvSpPr>
+          <p:cNvPr id="4" name="Date Placeholder 3"/>
           <p:cNvSpPr>
             <a:spLocks noGrp="1"/>
           </p:cNvSpPr>
@@ -267,7 +842,7 @@
           <a:p>
             <a:fld id="{AC714F42-76C4-4006-BEB4-649C7A95483C}" type="datetimeFigureOut">
               <a:rPr lang="en-US" smtClean="0"/>
-              <a:t>4/28/2021</a:t>
+              <a:t>4/29/2021</a:t>
             </a:fld>
             <a:endParaRPr lang="en-US"/>
           </a:p>
@@ -275,13 +850,7 @@
       </p:sp>
       <p:sp>
         <p:nvSpPr>
-          <p:cNvPr id="5" name="Footer Placeholder 4">
-            <a:extLst>
-              <a:ext uri="{FF2B5EF4-FFF2-40B4-BE49-F238E27FC236}">
-                <a16:creationId xmlns:a16="http://schemas.microsoft.com/office/drawing/2014/main" id="{D61534E5-FC5E-41F1-AAF1-41849F529BA6}"/>
-              </a:ext>
-            </a:extLst>
-          </p:cNvPr>
+          <p:cNvPr id="5" name="Footer Placeholder 4"/>
           <p:cNvSpPr>
             <a:spLocks noGrp="1"/>
           </p:cNvSpPr>
@@ -300,13 +869,7 @@
       </p:sp>
       <p:sp>
         <p:nvSpPr>
-          <p:cNvPr id="6" name="Slide Number Placeholder 5">
-            <a:extLst>
-              <a:ext uri="{FF2B5EF4-FFF2-40B4-BE49-F238E27FC236}">
-                <a16:creationId xmlns:a16="http://schemas.microsoft.com/office/drawing/2014/main" id="{882D1C0A-995A-4D33-B637-2950F078350A}"/>
-              </a:ext>
-            </a:extLst>
-          </p:cNvPr>
+          <p:cNvPr id="6" name="Slide Number Placeholder 5"/>
           <p:cNvSpPr>
             <a:spLocks noGrp="1"/>
           </p:cNvSpPr>
@@ -330,7 +893,7 @@
     </p:spTree>
     <p:extLst>
       <p:ext uri="{BB962C8B-B14F-4D97-AF65-F5344CB8AC3E}">
-        <p14:creationId xmlns:p14="http://schemas.microsoft.com/office/powerpoint/2010/main" val="3423646389"/>
+        <p14:creationId xmlns:p14="http://schemas.microsoft.com/office/powerpoint/2010/main" val="3176364238"/>
       </p:ext>
     </p:extLst>
   </p:cSld>
@@ -341,6 +904,1619 @@
 </file>
 
 <file path=ppt/slideLayouts/slideLayout10.xml><?xml version="1.0" encoding="utf-8"?>
+<p:sldLayout xmlns:a="http://schemas.openxmlformats.org/drawingml/2006/main" xmlns:r="http://schemas.openxmlformats.org/officeDocument/2006/relationships" xmlns:p="http://schemas.openxmlformats.org/presentationml/2006/main" preserve="1">
+  <p:cSld name="Title and Caption">
+    <p:spTree>
+      <p:nvGrpSpPr>
+        <p:cNvPr id="1" name=""/>
+        <p:cNvGrpSpPr/>
+        <p:nvPr/>
+      </p:nvGrpSpPr>
+      <p:grpSpPr>
+        <a:xfrm>
+          <a:off x="0" y="0"/>
+          <a:ext cx="0" cy="0"/>
+          <a:chOff x="0" y="0"/>
+          <a:chExt cx="0" cy="0"/>
+        </a:xfrm>
+      </p:grpSpPr>
+      <p:sp>
+        <p:nvSpPr>
+          <p:cNvPr id="2" name="Title 1"/>
+          <p:cNvSpPr>
+            <a:spLocks noGrp="1"/>
+          </p:cNvSpPr>
+          <p:nvPr>
+            <p:ph type="title"/>
+          </p:nvPr>
+        </p:nvSpPr>
+        <p:spPr>
+          <a:xfrm>
+            <a:off x="677335" y="609600"/>
+            <a:ext cx="8596668" cy="3403600"/>
+          </a:xfrm>
+        </p:spPr>
+        <p:txBody>
+          <a:bodyPr anchor="ctr">
+            <a:normAutofit/>
+          </a:bodyPr>
+          <a:lstStyle>
+            <a:lvl1pPr algn="l">
+              <a:defRPr sz="4400" b="0" cap="none"/>
+            </a:lvl1pPr>
+          </a:lstStyle>
+          <a:p>
+            <a:r>
+              <a:rPr lang="en-US"/>
+              <a:t>Click to edit Master title style</a:t>
+            </a:r>
+            <a:endParaRPr lang="en-US" dirty="0"/>
+          </a:p>
+        </p:txBody>
+      </p:sp>
+      <p:sp>
+        <p:nvSpPr>
+          <p:cNvPr id="3" name="Text Placeholder 2"/>
+          <p:cNvSpPr>
+            <a:spLocks noGrp="1"/>
+          </p:cNvSpPr>
+          <p:nvPr>
+            <p:ph type="body" idx="1"/>
+          </p:nvPr>
+        </p:nvSpPr>
+        <p:spPr>
+          <a:xfrm>
+            <a:off x="677335" y="4470400"/>
+            <a:ext cx="8596668" cy="1570962"/>
+          </a:xfrm>
+        </p:spPr>
+        <p:txBody>
+          <a:bodyPr anchor="ctr">
+            <a:normAutofit/>
+          </a:bodyPr>
+          <a:lstStyle>
+            <a:lvl1pPr marL="0" indent="0" algn="l">
+              <a:buNone/>
+              <a:defRPr sz="1800">
+                <a:solidFill>
+                  <a:schemeClr val="tx1">
+                    <a:lumMod val="75000"/>
+                    <a:lumOff val="25000"/>
+                  </a:schemeClr>
+                </a:solidFill>
+              </a:defRPr>
+            </a:lvl1pPr>
+            <a:lvl2pPr marL="457200" indent="0">
+              <a:buNone/>
+              <a:defRPr sz="1800">
+                <a:solidFill>
+                  <a:schemeClr val="tx1">
+                    <a:tint val="75000"/>
+                  </a:schemeClr>
+                </a:solidFill>
+              </a:defRPr>
+            </a:lvl2pPr>
+            <a:lvl3pPr marL="914400" indent="0">
+              <a:buNone/>
+              <a:defRPr sz="1600">
+                <a:solidFill>
+                  <a:schemeClr val="tx1">
+                    <a:tint val="75000"/>
+                  </a:schemeClr>
+                </a:solidFill>
+              </a:defRPr>
+            </a:lvl3pPr>
+            <a:lvl4pPr marL="1371600" indent="0">
+              <a:buNone/>
+              <a:defRPr sz="1400">
+                <a:solidFill>
+                  <a:schemeClr val="tx1">
+                    <a:tint val="75000"/>
+                  </a:schemeClr>
+                </a:solidFill>
+              </a:defRPr>
+            </a:lvl4pPr>
+            <a:lvl5pPr marL="1828800" indent="0">
+              <a:buNone/>
+              <a:defRPr sz="1400">
+                <a:solidFill>
+                  <a:schemeClr val="tx1">
+                    <a:tint val="75000"/>
+                  </a:schemeClr>
+                </a:solidFill>
+              </a:defRPr>
+            </a:lvl5pPr>
+            <a:lvl6pPr marL="2286000" indent="0">
+              <a:buNone/>
+              <a:defRPr sz="1400">
+                <a:solidFill>
+                  <a:schemeClr val="tx1">
+                    <a:tint val="75000"/>
+                  </a:schemeClr>
+                </a:solidFill>
+              </a:defRPr>
+            </a:lvl6pPr>
+            <a:lvl7pPr marL="2743200" indent="0">
+              <a:buNone/>
+              <a:defRPr sz="1400">
+                <a:solidFill>
+                  <a:schemeClr val="tx1">
+                    <a:tint val="75000"/>
+                  </a:schemeClr>
+                </a:solidFill>
+              </a:defRPr>
+            </a:lvl7pPr>
+            <a:lvl8pPr marL="3200400" indent="0">
+              <a:buNone/>
+              <a:defRPr sz="1400">
+                <a:solidFill>
+                  <a:schemeClr val="tx1">
+                    <a:tint val="75000"/>
+                  </a:schemeClr>
+                </a:solidFill>
+              </a:defRPr>
+            </a:lvl8pPr>
+            <a:lvl9pPr marL="3657600" indent="0">
+              <a:buNone/>
+              <a:defRPr sz="1400">
+                <a:solidFill>
+                  <a:schemeClr val="tx1">
+                    <a:tint val="75000"/>
+                  </a:schemeClr>
+                </a:solidFill>
+              </a:defRPr>
+            </a:lvl9pPr>
+          </a:lstStyle>
+          <a:p>
+            <a:pPr lvl="0"/>
+            <a:r>
+              <a:rPr lang="en-US"/>
+              <a:t>Click to edit Master text styles</a:t>
+            </a:r>
+          </a:p>
+        </p:txBody>
+      </p:sp>
+      <p:sp>
+        <p:nvSpPr>
+          <p:cNvPr id="4" name="Date Placeholder 3"/>
+          <p:cNvSpPr>
+            <a:spLocks noGrp="1"/>
+          </p:cNvSpPr>
+          <p:nvPr>
+            <p:ph type="dt" sz="half" idx="10"/>
+          </p:nvPr>
+        </p:nvSpPr>
+        <p:spPr/>
+        <p:txBody>
+          <a:bodyPr/>
+          <a:lstStyle/>
+          <a:p>
+            <a:fld id="{AC714F42-76C4-4006-BEB4-649C7A95483C}" type="datetimeFigureOut">
+              <a:rPr lang="en-US" smtClean="0"/>
+              <a:t>4/29/2021</a:t>
+            </a:fld>
+            <a:endParaRPr lang="en-US"/>
+          </a:p>
+        </p:txBody>
+      </p:sp>
+      <p:sp>
+        <p:nvSpPr>
+          <p:cNvPr id="5" name="Footer Placeholder 4"/>
+          <p:cNvSpPr>
+            <a:spLocks noGrp="1"/>
+          </p:cNvSpPr>
+          <p:nvPr>
+            <p:ph type="ftr" sz="quarter" idx="11"/>
+          </p:nvPr>
+        </p:nvSpPr>
+        <p:spPr/>
+        <p:txBody>
+          <a:bodyPr/>
+          <a:lstStyle/>
+          <a:p>
+            <a:endParaRPr lang="en-US"/>
+          </a:p>
+        </p:txBody>
+      </p:sp>
+      <p:sp>
+        <p:nvSpPr>
+          <p:cNvPr id="6" name="Slide Number Placeholder 5"/>
+          <p:cNvSpPr>
+            <a:spLocks noGrp="1"/>
+          </p:cNvSpPr>
+          <p:nvPr>
+            <p:ph type="sldNum" sz="quarter" idx="12"/>
+          </p:nvPr>
+        </p:nvSpPr>
+        <p:spPr/>
+        <p:txBody>
+          <a:bodyPr/>
+          <a:lstStyle/>
+          <a:p>
+            <a:fld id="{D2C3613F-1AB7-44DC-93B1-FA2C9A8FF4BB}" type="slidenum">
+              <a:rPr lang="en-US" smtClean="0"/>
+              <a:t>‹#›</a:t>
+            </a:fld>
+            <a:endParaRPr lang="en-US"/>
+          </a:p>
+        </p:txBody>
+      </p:sp>
+    </p:spTree>
+    <p:extLst>
+      <p:ext uri="{BB962C8B-B14F-4D97-AF65-F5344CB8AC3E}">
+        <p14:creationId xmlns:p14="http://schemas.microsoft.com/office/powerpoint/2010/main" val="2862818730"/>
+      </p:ext>
+    </p:extLst>
+  </p:cSld>
+  <p:clrMapOvr>
+    <a:masterClrMapping/>
+  </p:clrMapOvr>
+</p:sldLayout>
+</file>
+
+<file path=ppt/slideLayouts/slideLayout11.xml><?xml version="1.0" encoding="utf-8"?>
+<p:sldLayout xmlns:a="http://schemas.openxmlformats.org/drawingml/2006/main" xmlns:r="http://schemas.openxmlformats.org/officeDocument/2006/relationships" xmlns:p="http://schemas.openxmlformats.org/presentationml/2006/main" preserve="1">
+  <p:cSld name="Quote with Caption">
+    <p:spTree>
+      <p:nvGrpSpPr>
+        <p:cNvPr id="1" name=""/>
+        <p:cNvGrpSpPr/>
+        <p:nvPr/>
+      </p:nvGrpSpPr>
+      <p:grpSpPr>
+        <a:xfrm>
+          <a:off x="0" y="0"/>
+          <a:ext cx="0" cy="0"/>
+          <a:chOff x="0" y="0"/>
+          <a:chExt cx="0" cy="0"/>
+        </a:xfrm>
+      </p:grpSpPr>
+      <p:sp>
+        <p:nvSpPr>
+          <p:cNvPr id="2" name="Title 1"/>
+          <p:cNvSpPr>
+            <a:spLocks noGrp="1"/>
+          </p:cNvSpPr>
+          <p:nvPr>
+            <p:ph type="title"/>
+          </p:nvPr>
+        </p:nvSpPr>
+        <p:spPr>
+          <a:xfrm>
+            <a:off x="931334" y="609600"/>
+            <a:ext cx="8094134" cy="3022600"/>
+          </a:xfrm>
+        </p:spPr>
+        <p:txBody>
+          <a:bodyPr anchor="ctr">
+            <a:normAutofit/>
+          </a:bodyPr>
+          <a:lstStyle>
+            <a:lvl1pPr algn="l">
+              <a:defRPr sz="4400" b="0" cap="none"/>
+            </a:lvl1pPr>
+          </a:lstStyle>
+          <a:p>
+            <a:r>
+              <a:rPr lang="en-US"/>
+              <a:t>Click to edit Master title style</a:t>
+            </a:r>
+            <a:endParaRPr lang="en-US" dirty="0"/>
+          </a:p>
+        </p:txBody>
+      </p:sp>
+      <p:sp>
+        <p:nvSpPr>
+          <p:cNvPr id="23" name="Text Placeholder 9"/>
+          <p:cNvSpPr>
+            <a:spLocks noGrp="1"/>
+          </p:cNvSpPr>
+          <p:nvPr>
+            <p:ph type="body" sz="quarter" idx="13"/>
+          </p:nvPr>
+        </p:nvSpPr>
+        <p:spPr>
+          <a:xfrm>
+            <a:off x="1366139" y="3632200"/>
+            <a:ext cx="7224524" cy="381000"/>
+          </a:xfrm>
+        </p:spPr>
+        <p:txBody>
+          <a:bodyPr anchor="ctr">
+            <a:noAutofit/>
+          </a:bodyPr>
+          <a:lstStyle>
+            <a:lvl1pPr marL="0" indent="0">
+              <a:buFontTx/>
+              <a:buNone/>
+              <a:defRPr sz="1600">
+                <a:solidFill>
+                  <a:schemeClr val="tx1">
+                    <a:lumMod val="50000"/>
+                    <a:lumOff val="50000"/>
+                  </a:schemeClr>
+                </a:solidFill>
+              </a:defRPr>
+            </a:lvl1pPr>
+            <a:lvl2pPr marL="457200" indent="0">
+              <a:buFontTx/>
+              <a:buNone/>
+              <a:defRPr/>
+            </a:lvl2pPr>
+            <a:lvl3pPr marL="914400" indent="0">
+              <a:buFontTx/>
+              <a:buNone/>
+              <a:defRPr/>
+            </a:lvl3pPr>
+            <a:lvl4pPr marL="1371600" indent="0">
+              <a:buFontTx/>
+              <a:buNone/>
+              <a:defRPr/>
+            </a:lvl4pPr>
+            <a:lvl5pPr marL="1828800" indent="0">
+              <a:buFontTx/>
+              <a:buNone/>
+              <a:defRPr/>
+            </a:lvl5pPr>
+          </a:lstStyle>
+          <a:p>
+            <a:pPr lvl="0"/>
+            <a:r>
+              <a:rPr lang="en-US"/>
+              <a:t>Click to edit Master text styles</a:t>
+            </a:r>
+          </a:p>
+        </p:txBody>
+      </p:sp>
+      <p:sp>
+        <p:nvSpPr>
+          <p:cNvPr id="3" name="Text Placeholder 2"/>
+          <p:cNvSpPr>
+            <a:spLocks noGrp="1"/>
+          </p:cNvSpPr>
+          <p:nvPr>
+            <p:ph type="body" idx="1"/>
+          </p:nvPr>
+        </p:nvSpPr>
+        <p:spPr>
+          <a:xfrm>
+            <a:off x="677335" y="4470400"/>
+            <a:ext cx="8596668" cy="1570962"/>
+          </a:xfrm>
+        </p:spPr>
+        <p:txBody>
+          <a:bodyPr anchor="ctr">
+            <a:normAutofit/>
+          </a:bodyPr>
+          <a:lstStyle>
+            <a:lvl1pPr marL="0" indent="0" algn="l">
+              <a:buNone/>
+              <a:defRPr sz="1800">
+                <a:solidFill>
+                  <a:schemeClr val="tx1">
+                    <a:lumMod val="75000"/>
+                    <a:lumOff val="25000"/>
+                  </a:schemeClr>
+                </a:solidFill>
+              </a:defRPr>
+            </a:lvl1pPr>
+            <a:lvl2pPr marL="457200" indent="0">
+              <a:buNone/>
+              <a:defRPr sz="1800">
+                <a:solidFill>
+                  <a:schemeClr val="tx1">
+                    <a:tint val="75000"/>
+                  </a:schemeClr>
+                </a:solidFill>
+              </a:defRPr>
+            </a:lvl2pPr>
+            <a:lvl3pPr marL="914400" indent="0">
+              <a:buNone/>
+              <a:defRPr sz="1600">
+                <a:solidFill>
+                  <a:schemeClr val="tx1">
+                    <a:tint val="75000"/>
+                  </a:schemeClr>
+                </a:solidFill>
+              </a:defRPr>
+            </a:lvl3pPr>
+            <a:lvl4pPr marL="1371600" indent="0">
+              <a:buNone/>
+              <a:defRPr sz="1400">
+                <a:solidFill>
+                  <a:schemeClr val="tx1">
+                    <a:tint val="75000"/>
+                  </a:schemeClr>
+                </a:solidFill>
+              </a:defRPr>
+            </a:lvl4pPr>
+            <a:lvl5pPr marL="1828800" indent="0">
+              <a:buNone/>
+              <a:defRPr sz="1400">
+                <a:solidFill>
+                  <a:schemeClr val="tx1">
+                    <a:tint val="75000"/>
+                  </a:schemeClr>
+                </a:solidFill>
+              </a:defRPr>
+            </a:lvl5pPr>
+            <a:lvl6pPr marL="2286000" indent="0">
+              <a:buNone/>
+              <a:defRPr sz="1400">
+                <a:solidFill>
+                  <a:schemeClr val="tx1">
+                    <a:tint val="75000"/>
+                  </a:schemeClr>
+                </a:solidFill>
+              </a:defRPr>
+            </a:lvl6pPr>
+            <a:lvl7pPr marL="2743200" indent="0">
+              <a:buNone/>
+              <a:defRPr sz="1400">
+                <a:solidFill>
+                  <a:schemeClr val="tx1">
+                    <a:tint val="75000"/>
+                  </a:schemeClr>
+                </a:solidFill>
+              </a:defRPr>
+            </a:lvl7pPr>
+            <a:lvl8pPr marL="3200400" indent="0">
+              <a:buNone/>
+              <a:defRPr sz="1400">
+                <a:solidFill>
+                  <a:schemeClr val="tx1">
+                    <a:tint val="75000"/>
+                  </a:schemeClr>
+                </a:solidFill>
+              </a:defRPr>
+            </a:lvl8pPr>
+            <a:lvl9pPr marL="3657600" indent="0">
+              <a:buNone/>
+              <a:defRPr sz="1400">
+                <a:solidFill>
+                  <a:schemeClr val="tx1">
+                    <a:tint val="75000"/>
+                  </a:schemeClr>
+                </a:solidFill>
+              </a:defRPr>
+            </a:lvl9pPr>
+          </a:lstStyle>
+          <a:p>
+            <a:pPr lvl="0"/>
+            <a:r>
+              <a:rPr lang="en-US"/>
+              <a:t>Click to edit Master text styles</a:t>
+            </a:r>
+          </a:p>
+        </p:txBody>
+      </p:sp>
+      <p:sp>
+        <p:nvSpPr>
+          <p:cNvPr id="4" name="Date Placeholder 3"/>
+          <p:cNvSpPr>
+            <a:spLocks noGrp="1"/>
+          </p:cNvSpPr>
+          <p:nvPr>
+            <p:ph type="dt" sz="half" idx="10"/>
+          </p:nvPr>
+        </p:nvSpPr>
+        <p:spPr/>
+        <p:txBody>
+          <a:bodyPr/>
+          <a:lstStyle/>
+          <a:p>
+            <a:fld id="{AC714F42-76C4-4006-BEB4-649C7A95483C}" type="datetimeFigureOut">
+              <a:rPr lang="en-US" smtClean="0"/>
+              <a:t>4/29/2021</a:t>
+            </a:fld>
+            <a:endParaRPr lang="en-US"/>
+          </a:p>
+        </p:txBody>
+      </p:sp>
+      <p:sp>
+        <p:nvSpPr>
+          <p:cNvPr id="5" name="Footer Placeholder 4"/>
+          <p:cNvSpPr>
+            <a:spLocks noGrp="1"/>
+          </p:cNvSpPr>
+          <p:nvPr>
+            <p:ph type="ftr" sz="quarter" idx="11"/>
+          </p:nvPr>
+        </p:nvSpPr>
+        <p:spPr/>
+        <p:txBody>
+          <a:bodyPr/>
+          <a:lstStyle/>
+          <a:p>
+            <a:endParaRPr lang="en-US"/>
+          </a:p>
+        </p:txBody>
+      </p:sp>
+      <p:sp>
+        <p:nvSpPr>
+          <p:cNvPr id="6" name="Slide Number Placeholder 5"/>
+          <p:cNvSpPr>
+            <a:spLocks noGrp="1"/>
+          </p:cNvSpPr>
+          <p:nvPr>
+            <p:ph type="sldNum" sz="quarter" idx="12"/>
+          </p:nvPr>
+        </p:nvSpPr>
+        <p:spPr/>
+        <p:txBody>
+          <a:bodyPr/>
+          <a:lstStyle/>
+          <a:p>
+            <a:fld id="{D2C3613F-1AB7-44DC-93B1-FA2C9A8FF4BB}" type="slidenum">
+              <a:rPr lang="en-US" smtClean="0"/>
+              <a:t>‹#›</a:t>
+            </a:fld>
+            <a:endParaRPr lang="en-US"/>
+          </a:p>
+        </p:txBody>
+      </p:sp>
+      <p:sp>
+        <p:nvSpPr>
+          <p:cNvPr id="20" name="TextBox 19"/>
+          <p:cNvSpPr txBox="1"/>
+          <p:nvPr/>
+        </p:nvSpPr>
+        <p:spPr>
+          <a:xfrm>
+            <a:off x="541870" y="790378"/>
+            <a:ext cx="609600" cy="584776"/>
+          </a:xfrm>
+          <a:prstGeom prst="rect">
+            <a:avLst/>
+          </a:prstGeom>
+        </p:spPr>
+        <p:txBody>
+          <a:bodyPr vert="horz" lIns="91440" tIns="45720" rIns="91440" bIns="45720" rtlCol="0" anchor="ctr">
+            <a:noAutofit/>
+          </a:bodyPr>
+          <a:lstStyle/>
+          <a:p>
+            <a:pPr lvl="0"/>
+            <a:r>
+              <a:rPr lang="en-US" sz="8000" baseline="0" dirty="0">
+                <a:ln w="3175" cmpd="sng">
+                  <a:noFill/>
+                </a:ln>
+                <a:solidFill>
+                  <a:schemeClr val="accent1">
+                    <a:lumMod val="60000"/>
+                    <a:lumOff val="40000"/>
+                  </a:schemeClr>
+                </a:solidFill>
+                <a:effectLst/>
+                <a:latin typeface="Arial"/>
+              </a:rPr>
+              <a:t>“</a:t>
+            </a:r>
+          </a:p>
+        </p:txBody>
+      </p:sp>
+      <p:sp>
+        <p:nvSpPr>
+          <p:cNvPr id="22" name="TextBox 21"/>
+          <p:cNvSpPr txBox="1"/>
+          <p:nvPr/>
+        </p:nvSpPr>
+        <p:spPr>
+          <a:xfrm>
+            <a:off x="8893011" y="2886556"/>
+            <a:ext cx="609600" cy="584776"/>
+          </a:xfrm>
+          <a:prstGeom prst="rect">
+            <a:avLst/>
+          </a:prstGeom>
+        </p:spPr>
+        <p:txBody>
+          <a:bodyPr vert="horz" lIns="91440" tIns="45720" rIns="91440" bIns="45720" rtlCol="0" anchor="ctr">
+            <a:noAutofit/>
+          </a:bodyPr>
+          <a:lstStyle/>
+          <a:p>
+            <a:pPr lvl="0"/>
+            <a:r>
+              <a:rPr lang="en-US" sz="8000" baseline="0" dirty="0">
+                <a:ln w="3175" cmpd="sng">
+                  <a:noFill/>
+                </a:ln>
+                <a:solidFill>
+                  <a:schemeClr val="accent1">
+                    <a:lumMod val="60000"/>
+                    <a:lumOff val="40000"/>
+                  </a:schemeClr>
+                </a:solidFill>
+                <a:latin typeface="Arial"/>
+              </a:rPr>
+              <a:t>”</a:t>
+            </a:r>
+            <a:endParaRPr lang="en-US" dirty="0">
+              <a:solidFill>
+                <a:schemeClr val="accent1">
+                  <a:lumMod val="60000"/>
+                  <a:lumOff val="40000"/>
+                </a:schemeClr>
+              </a:solidFill>
+              <a:latin typeface="Arial"/>
+            </a:endParaRPr>
+          </a:p>
+        </p:txBody>
+      </p:sp>
+    </p:spTree>
+    <p:extLst>
+      <p:ext uri="{BB962C8B-B14F-4D97-AF65-F5344CB8AC3E}">
+        <p14:creationId xmlns:p14="http://schemas.microsoft.com/office/powerpoint/2010/main" val="3581765305"/>
+      </p:ext>
+    </p:extLst>
+  </p:cSld>
+  <p:clrMapOvr>
+    <a:masterClrMapping/>
+  </p:clrMapOvr>
+</p:sldLayout>
+</file>
+
+<file path=ppt/slideLayouts/slideLayout12.xml><?xml version="1.0" encoding="utf-8"?>
+<p:sldLayout xmlns:a="http://schemas.openxmlformats.org/drawingml/2006/main" xmlns:r="http://schemas.openxmlformats.org/officeDocument/2006/relationships" xmlns:p="http://schemas.openxmlformats.org/presentationml/2006/main" preserve="1">
+  <p:cSld name="Name Card">
+    <p:spTree>
+      <p:nvGrpSpPr>
+        <p:cNvPr id="1" name=""/>
+        <p:cNvGrpSpPr/>
+        <p:nvPr/>
+      </p:nvGrpSpPr>
+      <p:grpSpPr>
+        <a:xfrm>
+          <a:off x="0" y="0"/>
+          <a:ext cx="0" cy="0"/>
+          <a:chOff x="0" y="0"/>
+          <a:chExt cx="0" cy="0"/>
+        </a:xfrm>
+      </p:grpSpPr>
+      <p:sp>
+        <p:nvSpPr>
+          <p:cNvPr id="2" name="Title 1"/>
+          <p:cNvSpPr>
+            <a:spLocks noGrp="1"/>
+          </p:cNvSpPr>
+          <p:nvPr>
+            <p:ph type="title"/>
+          </p:nvPr>
+        </p:nvSpPr>
+        <p:spPr>
+          <a:xfrm>
+            <a:off x="677335" y="1931988"/>
+            <a:ext cx="8596668" cy="2595460"/>
+          </a:xfrm>
+        </p:spPr>
+        <p:txBody>
+          <a:bodyPr anchor="b">
+            <a:normAutofit/>
+          </a:bodyPr>
+          <a:lstStyle>
+            <a:lvl1pPr algn="l">
+              <a:defRPr sz="4400" b="0" cap="none"/>
+            </a:lvl1pPr>
+          </a:lstStyle>
+          <a:p>
+            <a:r>
+              <a:rPr lang="en-US"/>
+              <a:t>Click to edit Master title style</a:t>
+            </a:r>
+            <a:endParaRPr lang="en-US" dirty="0"/>
+          </a:p>
+        </p:txBody>
+      </p:sp>
+      <p:sp>
+        <p:nvSpPr>
+          <p:cNvPr id="3" name="Text Placeholder 2"/>
+          <p:cNvSpPr>
+            <a:spLocks noGrp="1"/>
+          </p:cNvSpPr>
+          <p:nvPr>
+            <p:ph type="body" idx="1"/>
+          </p:nvPr>
+        </p:nvSpPr>
+        <p:spPr>
+          <a:xfrm>
+            <a:off x="677335" y="4527448"/>
+            <a:ext cx="8596668" cy="1513914"/>
+          </a:xfrm>
+        </p:spPr>
+        <p:txBody>
+          <a:bodyPr anchor="t">
+            <a:normAutofit/>
+          </a:bodyPr>
+          <a:lstStyle>
+            <a:lvl1pPr marL="0" indent="0" algn="l">
+              <a:buNone/>
+              <a:defRPr sz="1800">
+                <a:solidFill>
+                  <a:schemeClr val="tx1">
+                    <a:lumMod val="75000"/>
+                    <a:lumOff val="25000"/>
+                  </a:schemeClr>
+                </a:solidFill>
+              </a:defRPr>
+            </a:lvl1pPr>
+            <a:lvl2pPr marL="457200" indent="0">
+              <a:buNone/>
+              <a:defRPr sz="1800">
+                <a:solidFill>
+                  <a:schemeClr val="tx1">
+                    <a:tint val="75000"/>
+                  </a:schemeClr>
+                </a:solidFill>
+              </a:defRPr>
+            </a:lvl2pPr>
+            <a:lvl3pPr marL="914400" indent="0">
+              <a:buNone/>
+              <a:defRPr sz="1600">
+                <a:solidFill>
+                  <a:schemeClr val="tx1">
+                    <a:tint val="75000"/>
+                  </a:schemeClr>
+                </a:solidFill>
+              </a:defRPr>
+            </a:lvl3pPr>
+            <a:lvl4pPr marL="1371600" indent="0">
+              <a:buNone/>
+              <a:defRPr sz="1400">
+                <a:solidFill>
+                  <a:schemeClr val="tx1">
+                    <a:tint val="75000"/>
+                  </a:schemeClr>
+                </a:solidFill>
+              </a:defRPr>
+            </a:lvl4pPr>
+            <a:lvl5pPr marL="1828800" indent="0">
+              <a:buNone/>
+              <a:defRPr sz="1400">
+                <a:solidFill>
+                  <a:schemeClr val="tx1">
+                    <a:tint val="75000"/>
+                  </a:schemeClr>
+                </a:solidFill>
+              </a:defRPr>
+            </a:lvl5pPr>
+            <a:lvl6pPr marL="2286000" indent="0">
+              <a:buNone/>
+              <a:defRPr sz="1400">
+                <a:solidFill>
+                  <a:schemeClr val="tx1">
+                    <a:tint val="75000"/>
+                  </a:schemeClr>
+                </a:solidFill>
+              </a:defRPr>
+            </a:lvl6pPr>
+            <a:lvl7pPr marL="2743200" indent="0">
+              <a:buNone/>
+              <a:defRPr sz="1400">
+                <a:solidFill>
+                  <a:schemeClr val="tx1">
+                    <a:tint val="75000"/>
+                  </a:schemeClr>
+                </a:solidFill>
+              </a:defRPr>
+            </a:lvl7pPr>
+            <a:lvl8pPr marL="3200400" indent="0">
+              <a:buNone/>
+              <a:defRPr sz="1400">
+                <a:solidFill>
+                  <a:schemeClr val="tx1">
+                    <a:tint val="75000"/>
+                  </a:schemeClr>
+                </a:solidFill>
+              </a:defRPr>
+            </a:lvl8pPr>
+            <a:lvl9pPr marL="3657600" indent="0">
+              <a:buNone/>
+              <a:defRPr sz="1400">
+                <a:solidFill>
+                  <a:schemeClr val="tx1">
+                    <a:tint val="75000"/>
+                  </a:schemeClr>
+                </a:solidFill>
+              </a:defRPr>
+            </a:lvl9pPr>
+          </a:lstStyle>
+          <a:p>
+            <a:pPr lvl="0"/>
+            <a:r>
+              <a:rPr lang="en-US"/>
+              <a:t>Click to edit Master text styles</a:t>
+            </a:r>
+          </a:p>
+        </p:txBody>
+      </p:sp>
+      <p:sp>
+        <p:nvSpPr>
+          <p:cNvPr id="4" name="Date Placeholder 3"/>
+          <p:cNvSpPr>
+            <a:spLocks noGrp="1"/>
+          </p:cNvSpPr>
+          <p:nvPr>
+            <p:ph type="dt" sz="half" idx="10"/>
+          </p:nvPr>
+        </p:nvSpPr>
+        <p:spPr/>
+        <p:txBody>
+          <a:bodyPr/>
+          <a:lstStyle/>
+          <a:p>
+            <a:fld id="{AC714F42-76C4-4006-BEB4-649C7A95483C}" type="datetimeFigureOut">
+              <a:rPr lang="en-US" smtClean="0"/>
+              <a:t>4/29/2021</a:t>
+            </a:fld>
+            <a:endParaRPr lang="en-US"/>
+          </a:p>
+        </p:txBody>
+      </p:sp>
+      <p:sp>
+        <p:nvSpPr>
+          <p:cNvPr id="5" name="Footer Placeholder 4"/>
+          <p:cNvSpPr>
+            <a:spLocks noGrp="1"/>
+          </p:cNvSpPr>
+          <p:nvPr>
+            <p:ph type="ftr" sz="quarter" idx="11"/>
+          </p:nvPr>
+        </p:nvSpPr>
+        <p:spPr/>
+        <p:txBody>
+          <a:bodyPr/>
+          <a:lstStyle/>
+          <a:p>
+            <a:endParaRPr lang="en-US"/>
+          </a:p>
+        </p:txBody>
+      </p:sp>
+      <p:sp>
+        <p:nvSpPr>
+          <p:cNvPr id="6" name="Slide Number Placeholder 5"/>
+          <p:cNvSpPr>
+            <a:spLocks noGrp="1"/>
+          </p:cNvSpPr>
+          <p:nvPr>
+            <p:ph type="sldNum" sz="quarter" idx="12"/>
+          </p:nvPr>
+        </p:nvSpPr>
+        <p:spPr/>
+        <p:txBody>
+          <a:bodyPr/>
+          <a:lstStyle/>
+          <a:p>
+            <a:fld id="{D2C3613F-1AB7-44DC-93B1-FA2C9A8FF4BB}" type="slidenum">
+              <a:rPr lang="en-US" smtClean="0"/>
+              <a:t>‹#›</a:t>
+            </a:fld>
+            <a:endParaRPr lang="en-US"/>
+          </a:p>
+        </p:txBody>
+      </p:sp>
+    </p:spTree>
+    <p:extLst>
+      <p:ext uri="{BB962C8B-B14F-4D97-AF65-F5344CB8AC3E}">
+        <p14:creationId xmlns:p14="http://schemas.microsoft.com/office/powerpoint/2010/main" val="2960610129"/>
+      </p:ext>
+    </p:extLst>
+  </p:cSld>
+  <p:clrMapOvr>
+    <a:masterClrMapping/>
+  </p:clrMapOvr>
+</p:sldLayout>
+</file>
+
+<file path=ppt/slideLayouts/slideLayout13.xml><?xml version="1.0" encoding="utf-8"?>
+<p:sldLayout xmlns:a="http://schemas.openxmlformats.org/drawingml/2006/main" xmlns:r="http://schemas.openxmlformats.org/officeDocument/2006/relationships" xmlns:p="http://schemas.openxmlformats.org/presentationml/2006/main" preserve="1">
+  <p:cSld name="Quote Name Card">
+    <p:spTree>
+      <p:nvGrpSpPr>
+        <p:cNvPr id="1" name=""/>
+        <p:cNvGrpSpPr/>
+        <p:nvPr/>
+      </p:nvGrpSpPr>
+      <p:grpSpPr>
+        <a:xfrm>
+          <a:off x="0" y="0"/>
+          <a:ext cx="0" cy="0"/>
+          <a:chOff x="0" y="0"/>
+          <a:chExt cx="0" cy="0"/>
+        </a:xfrm>
+      </p:grpSpPr>
+      <p:sp>
+        <p:nvSpPr>
+          <p:cNvPr id="2" name="Title 1"/>
+          <p:cNvSpPr>
+            <a:spLocks noGrp="1"/>
+          </p:cNvSpPr>
+          <p:nvPr>
+            <p:ph type="title"/>
+          </p:nvPr>
+        </p:nvSpPr>
+        <p:spPr>
+          <a:xfrm>
+            <a:off x="931334" y="609600"/>
+            <a:ext cx="8094134" cy="3022600"/>
+          </a:xfrm>
+        </p:spPr>
+        <p:txBody>
+          <a:bodyPr anchor="ctr">
+            <a:normAutofit/>
+          </a:bodyPr>
+          <a:lstStyle>
+            <a:lvl1pPr algn="l">
+              <a:defRPr sz="4400" b="0" cap="none"/>
+            </a:lvl1pPr>
+          </a:lstStyle>
+          <a:p>
+            <a:r>
+              <a:rPr lang="en-US"/>
+              <a:t>Click to edit Master title style</a:t>
+            </a:r>
+            <a:endParaRPr lang="en-US" dirty="0"/>
+          </a:p>
+        </p:txBody>
+      </p:sp>
+      <p:sp>
+        <p:nvSpPr>
+          <p:cNvPr id="23" name="Text Placeholder 9"/>
+          <p:cNvSpPr>
+            <a:spLocks noGrp="1"/>
+          </p:cNvSpPr>
+          <p:nvPr>
+            <p:ph type="body" sz="quarter" idx="13"/>
+          </p:nvPr>
+        </p:nvSpPr>
+        <p:spPr>
+          <a:xfrm>
+            <a:off x="677332" y="4013200"/>
+            <a:ext cx="8596669" cy="514248"/>
+          </a:xfrm>
+        </p:spPr>
+        <p:txBody>
+          <a:bodyPr anchor="b">
+            <a:noAutofit/>
+          </a:bodyPr>
+          <a:lstStyle>
+            <a:lvl1pPr marL="0" indent="0">
+              <a:buFontTx/>
+              <a:buNone/>
+              <a:defRPr sz="2400">
+                <a:solidFill>
+                  <a:schemeClr val="tx1">
+                    <a:lumMod val="75000"/>
+                    <a:lumOff val="25000"/>
+                  </a:schemeClr>
+                </a:solidFill>
+              </a:defRPr>
+            </a:lvl1pPr>
+            <a:lvl2pPr marL="457200" indent="0">
+              <a:buFontTx/>
+              <a:buNone/>
+              <a:defRPr/>
+            </a:lvl2pPr>
+            <a:lvl3pPr marL="914400" indent="0">
+              <a:buFontTx/>
+              <a:buNone/>
+              <a:defRPr/>
+            </a:lvl3pPr>
+            <a:lvl4pPr marL="1371600" indent="0">
+              <a:buFontTx/>
+              <a:buNone/>
+              <a:defRPr/>
+            </a:lvl4pPr>
+            <a:lvl5pPr marL="1828800" indent="0">
+              <a:buFontTx/>
+              <a:buNone/>
+              <a:defRPr/>
+            </a:lvl5pPr>
+          </a:lstStyle>
+          <a:p>
+            <a:pPr lvl="0"/>
+            <a:r>
+              <a:rPr lang="en-US"/>
+              <a:t>Click to edit Master text styles</a:t>
+            </a:r>
+          </a:p>
+        </p:txBody>
+      </p:sp>
+      <p:sp>
+        <p:nvSpPr>
+          <p:cNvPr id="3" name="Text Placeholder 2"/>
+          <p:cNvSpPr>
+            <a:spLocks noGrp="1"/>
+          </p:cNvSpPr>
+          <p:nvPr>
+            <p:ph type="body" idx="1"/>
+          </p:nvPr>
+        </p:nvSpPr>
+        <p:spPr>
+          <a:xfrm>
+            <a:off x="677335" y="4527448"/>
+            <a:ext cx="8596668" cy="1513914"/>
+          </a:xfrm>
+        </p:spPr>
+        <p:txBody>
+          <a:bodyPr anchor="t">
+            <a:normAutofit/>
+          </a:bodyPr>
+          <a:lstStyle>
+            <a:lvl1pPr marL="0" indent="0" algn="l">
+              <a:buNone/>
+              <a:defRPr sz="1800">
+                <a:solidFill>
+                  <a:schemeClr val="tx1">
+                    <a:lumMod val="50000"/>
+                    <a:lumOff val="50000"/>
+                  </a:schemeClr>
+                </a:solidFill>
+              </a:defRPr>
+            </a:lvl1pPr>
+            <a:lvl2pPr marL="457200" indent="0">
+              <a:buNone/>
+              <a:defRPr sz="1800">
+                <a:solidFill>
+                  <a:schemeClr val="tx1">
+                    <a:tint val="75000"/>
+                  </a:schemeClr>
+                </a:solidFill>
+              </a:defRPr>
+            </a:lvl2pPr>
+            <a:lvl3pPr marL="914400" indent="0">
+              <a:buNone/>
+              <a:defRPr sz="1600">
+                <a:solidFill>
+                  <a:schemeClr val="tx1">
+                    <a:tint val="75000"/>
+                  </a:schemeClr>
+                </a:solidFill>
+              </a:defRPr>
+            </a:lvl3pPr>
+            <a:lvl4pPr marL="1371600" indent="0">
+              <a:buNone/>
+              <a:defRPr sz="1400">
+                <a:solidFill>
+                  <a:schemeClr val="tx1">
+                    <a:tint val="75000"/>
+                  </a:schemeClr>
+                </a:solidFill>
+              </a:defRPr>
+            </a:lvl4pPr>
+            <a:lvl5pPr marL="1828800" indent="0">
+              <a:buNone/>
+              <a:defRPr sz="1400">
+                <a:solidFill>
+                  <a:schemeClr val="tx1">
+                    <a:tint val="75000"/>
+                  </a:schemeClr>
+                </a:solidFill>
+              </a:defRPr>
+            </a:lvl5pPr>
+            <a:lvl6pPr marL="2286000" indent="0">
+              <a:buNone/>
+              <a:defRPr sz="1400">
+                <a:solidFill>
+                  <a:schemeClr val="tx1">
+                    <a:tint val="75000"/>
+                  </a:schemeClr>
+                </a:solidFill>
+              </a:defRPr>
+            </a:lvl6pPr>
+            <a:lvl7pPr marL="2743200" indent="0">
+              <a:buNone/>
+              <a:defRPr sz="1400">
+                <a:solidFill>
+                  <a:schemeClr val="tx1">
+                    <a:tint val="75000"/>
+                  </a:schemeClr>
+                </a:solidFill>
+              </a:defRPr>
+            </a:lvl7pPr>
+            <a:lvl8pPr marL="3200400" indent="0">
+              <a:buNone/>
+              <a:defRPr sz="1400">
+                <a:solidFill>
+                  <a:schemeClr val="tx1">
+                    <a:tint val="75000"/>
+                  </a:schemeClr>
+                </a:solidFill>
+              </a:defRPr>
+            </a:lvl8pPr>
+            <a:lvl9pPr marL="3657600" indent="0">
+              <a:buNone/>
+              <a:defRPr sz="1400">
+                <a:solidFill>
+                  <a:schemeClr val="tx1">
+                    <a:tint val="75000"/>
+                  </a:schemeClr>
+                </a:solidFill>
+              </a:defRPr>
+            </a:lvl9pPr>
+          </a:lstStyle>
+          <a:p>
+            <a:pPr lvl="0"/>
+            <a:r>
+              <a:rPr lang="en-US"/>
+              <a:t>Click to edit Master text styles</a:t>
+            </a:r>
+          </a:p>
+        </p:txBody>
+      </p:sp>
+      <p:sp>
+        <p:nvSpPr>
+          <p:cNvPr id="4" name="Date Placeholder 3"/>
+          <p:cNvSpPr>
+            <a:spLocks noGrp="1"/>
+          </p:cNvSpPr>
+          <p:nvPr>
+            <p:ph type="dt" sz="half" idx="10"/>
+          </p:nvPr>
+        </p:nvSpPr>
+        <p:spPr/>
+        <p:txBody>
+          <a:bodyPr/>
+          <a:lstStyle/>
+          <a:p>
+            <a:fld id="{AC714F42-76C4-4006-BEB4-649C7A95483C}" type="datetimeFigureOut">
+              <a:rPr lang="en-US" smtClean="0"/>
+              <a:t>4/29/2021</a:t>
+            </a:fld>
+            <a:endParaRPr lang="en-US"/>
+          </a:p>
+        </p:txBody>
+      </p:sp>
+      <p:sp>
+        <p:nvSpPr>
+          <p:cNvPr id="5" name="Footer Placeholder 4"/>
+          <p:cNvSpPr>
+            <a:spLocks noGrp="1"/>
+          </p:cNvSpPr>
+          <p:nvPr>
+            <p:ph type="ftr" sz="quarter" idx="11"/>
+          </p:nvPr>
+        </p:nvSpPr>
+        <p:spPr/>
+        <p:txBody>
+          <a:bodyPr/>
+          <a:lstStyle/>
+          <a:p>
+            <a:endParaRPr lang="en-US"/>
+          </a:p>
+        </p:txBody>
+      </p:sp>
+      <p:sp>
+        <p:nvSpPr>
+          <p:cNvPr id="6" name="Slide Number Placeholder 5"/>
+          <p:cNvSpPr>
+            <a:spLocks noGrp="1"/>
+          </p:cNvSpPr>
+          <p:nvPr>
+            <p:ph type="sldNum" sz="quarter" idx="12"/>
+          </p:nvPr>
+        </p:nvSpPr>
+        <p:spPr/>
+        <p:txBody>
+          <a:bodyPr/>
+          <a:lstStyle/>
+          <a:p>
+            <a:fld id="{D2C3613F-1AB7-44DC-93B1-FA2C9A8FF4BB}" type="slidenum">
+              <a:rPr lang="en-US" smtClean="0"/>
+              <a:t>‹#›</a:t>
+            </a:fld>
+            <a:endParaRPr lang="en-US"/>
+          </a:p>
+        </p:txBody>
+      </p:sp>
+      <p:sp>
+        <p:nvSpPr>
+          <p:cNvPr id="24" name="TextBox 23"/>
+          <p:cNvSpPr txBox="1"/>
+          <p:nvPr/>
+        </p:nvSpPr>
+        <p:spPr>
+          <a:xfrm>
+            <a:off x="541870" y="790378"/>
+            <a:ext cx="609600" cy="584776"/>
+          </a:xfrm>
+          <a:prstGeom prst="rect">
+            <a:avLst/>
+          </a:prstGeom>
+        </p:spPr>
+        <p:txBody>
+          <a:bodyPr vert="horz" lIns="91440" tIns="45720" rIns="91440" bIns="45720" rtlCol="0" anchor="ctr">
+            <a:noAutofit/>
+          </a:bodyPr>
+          <a:lstStyle/>
+          <a:p>
+            <a:pPr lvl="0"/>
+            <a:r>
+              <a:rPr lang="en-US" sz="8000" baseline="0" dirty="0">
+                <a:ln w="3175" cmpd="sng">
+                  <a:noFill/>
+                </a:ln>
+                <a:solidFill>
+                  <a:schemeClr val="accent1">
+                    <a:lumMod val="60000"/>
+                    <a:lumOff val="40000"/>
+                  </a:schemeClr>
+                </a:solidFill>
+                <a:effectLst/>
+                <a:latin typeface="Arial"/>
+              </a:rPr>
+              <a:t>“</a:t>
+            </a:r>
+          </a:p>
+        </p:txBody>
+      </p:sp>
+      <p:sp>
+        <p:nvSpPr>
+          <p:cNvPr id="25" name="TextBox 24"/>
+          <p:cNvSpPr txBox="1"/>
+          <p:nvPr/>
+        </p:nvSpPr>
+        <p:spPr>
+          <a:xfrm>
+            <a:off x="8893011" y="2886556"/>
+            <a:ext cx="609600" cy="584776"/>
+          </a:xfrm>
+          <a:prstGeom prst="rect">
+            <a:avLst/>
+          </a:prstGeom>
+        </p:spPr>
+        <p:txBody>
+          <a:bodyPr vert="horz" lIns="91440" tIns="45720" rIns="91440" bIns="45720" rtlCol="0" anchor="ctr">
+            <a:noAutofit/>
+          </a:bodyPr>
+          <a:lstStyle/>
+          <a:p>
+            <a:pPr lvl="0"/>
+            <a:r>
+              <a:rPr lang="en-US" sz="8000" baseline="0" dirty="0">
+                <a:ln w="3175" cmpd="sng">
+                  <a:noFill/>
+                </a:ln>
+                <a:solidFill>
+                  <a:schemeClr val="accent1">
+                    <a:lumMod val="60000"/>
+                    <a:lumOff val="40000"/>
+                  </a:schemeClr>
+                </a:solidFill>
+                <a:effectLst/>
+                <a:latin typeface="Arial"/>
+              </a:rPr>
+              <a:t>”</a:t>
+            </a:r>
+          </a:p>
+        </p:txBody>
+      </p:sp>
+    </p:spTree>
+    <p:extLst>
+      <p:ext uri="{BB962C8B-B14F-4D97-AF65-F5344CB8AC3E}">
+        <p14:creationId xmlns:p14="http://schemas.microsoft.com/office/powerpoint/2010/main" val="2463303615"/>
+      </p:ext>
+    </p:extLst>
+  </p:cSld>
+  <p:clrMapOvr>
+    <a:masterClrMapping/>
+  </p:clrMapOvr>
+</p:sldLayout>
+</file>
+
+<file path=ppt/slideLayouts/slideLayout14.xml><?xml version="1.0" encoding="utf-8"?>
+<p:sldLayout xmlns:a="http://schemas.openxmlformats.org/drawingml/2006/main" xmlns:r="http://schemas.openxmlformats.org/officeDocument/2006/relationships" xmlns:p="http://schemas.openxmlformats.org/presentationml/2006/main" preserve="1">
+  <p:cSld name="True or False">
+    <p:spTree>
+      <p:nvGrpSpPr>
+        <p:cNvPr id="1" name=""/>
+        <p:cNvGrpSpPr/>
+        <p:nvPr/>
+      </p:nvGrpSpPr>
+      <p:grpSpPr>
+        <a:xfrm>
+          <a:off x="0" y="0"/>
+          <a:ext cx="0" cy="0"/>
+          <a:chOff x="0" y="0"/>
+          <a:chExt cx="0" cy="0"/>
+        </a:xfrm>
+      </p:grpSpPr>
+      <p:sp>
+        <p:nvSpPr>
+          <p:cNvPr id="2" name="Title 1"/>
+          <p:cNvSpPr>
+            <a:spLocks noGrp="1"/>
+          </p:cNvSpPr>
+          <p:nvPr>
+            <p:ph type="title"/>
+          </p:nvPr>
+        </p:nvSpPr>
+        <p:spPr>
+          <a:xfrm>
+            <a:off x="685799" y="609600"/>
+            <a:ext cx="8588203" cy="3022600"/>
+          </a:xfrm>
+        </p:spPr>
+        <p:txBody>
+          <a:bodyPr anchor="ctr">
+            <a:normAutofit/>
+          </a:bodyPr>
+          <a:lstStyle>
+            <a:lvl1pPr algn="l">
+              <a:defRPr sz="4400" b="0" cap="none"/>
+            </a:lvl1pPr>
+          </a:lstStyle>
+          <a:p>
+            <a:r>
+              <a:rPr lang="en-US"/>
+              <a:t>Click to edit Master title style</a:t>
+            </a:r>
+            <a:endParaRPr lang="en-US" dirty="0"/>
+          </a:p>
+        </p:txBody>
+      </p:sp>
+      <p:sp>
+        <p:nvSpPr>
+          <p:cNvPr id="23" name="Text Placeholder 9"/>
+          <p:cNvSpPr>
+            <a:spLocks noGrp="1"/>
+          </p:cNvSpPr>
+          <p:nvPr>
+            <p:ph type="body" sz="quarter" idx="13"/>
+          </p:nvPr>
+        </p:nvSpPr>
+        <p:spPr>
+          <a:xfrm>
+            <a:off x="677332" y="4013200"/>
+            <a:ext cx="8596669" cy="514248"/>
+          </a:xfrm>
+        </p:spPr>
+        <p:txBody>
+          <a:bodyPr anchor="b">
+            <a:noAutofit/>
+          </a:bodyPr>
+          <a:lstStyle>
+            <a:lvl1pPr marL="0" indent="0">
+              <a:buFontTx/>
+              <a:buNone/>
+              <a:defRPr sz="2400">
+                <a:solidFill>
+                  <a:schemeClr val="accent1"/>
+                </a:solidFill>
+              </a:defRPr>
+            </a:lvl1pPr>
+            <a:lvl2pPr marL="457200" indent="0">
+              <a:buFontTx/>
+              <a:buNone/>
+              <a:defRPr/>
+            </a:lvl2pPr>
+            <a:lvl3pPr marL="914400" indent="0">
+              <a:buFontTx/>
+              <a:buNone/>
+              <a:defRPr/>
+            </a:lvl3pPr>
+            <a:lvl4pPr marL="1371600" indent="0">
+              <a:buFontTx/>
+              <a:buNone/>
+              <a:defRPr/>
+            </a:lvl4pPr>
+            <a:lvl5pPr marL="1828800" indent="0">
+              <a:buFontTx/>
+              <a:buNone/>
+              <a:defRPr/>
+            </a:lvl5pPr>
+          </a:lstStyle>
+          <a:p>
+            <a:pPr lvl="0"/>
+            <a:r>
+              <a:rPr lang="en-US"/>
+              <a:t>Click to edit Master text styles</a:t>
+            </a:r>
+          </a:p>
+        </p:txBody>
+      </p:sp>
+      <p:sp>
+        <p:nvSpPr>
+          <p:cNvPr id="3" name="Text Placeholder 2"/>
+          <p:cNvSpPr>
+            <a:spLocks noGrp="1"/>
+          </p:cNvSpPr>
+          <p:nvPr>
+            <p:ph type="body" idx="1"/>
+          </p:nvPr>
+        </p:nvSpPr>
+        <p:spPr>
+          <a:xfrm>
+            <a:off x="677335" y="4527448"/>
+            <a:ext cx="8596668" cy="1513914"/>
+          </a:xfrm>
+        </p:spPr>
+        <p:txBody>
+          <a:bodyPr anchor="t">
+            <a:normAutofit/>
+          </a:bodyPr>
+          <a:lstStyle>
+            <a:lvl1pPr marL="0" indent="0" algn="l">
+              <a:buNone/>
+              <a:defRPr sz="1800">
+                <a:solidFill>
+                  <a:schemeClr val="tx1">
+                    <a:lumMod val="50000"/>
+                    <a:lumOff val="50000"/>
+                  </a:schemeClr>
+                </a:solidFill>
+              </a:defRPr>
+            </a:lvl1pPr>
+            <a:lvl2pPr marL="457200" indent="0">
+              <a:buNone/>
+              <a:defRPr sz="1800">
+                <a:solidFill>
+                  <a:schemeClr val="tx1">
+                    <a:tint val="75000"/>
+                  </a:schemeClr>
+                </a:solidFill>
+              </a:defRPr>
+            </a:lvl2pPr>
+            <a:lvl3pPr marL="914400" indent="0">
+              <a:buNone/>
+              <a:defRPr sz="1600">
+                <a:solidFill>
+                  <a:schemeClr val="tx1">
+                    <a:tint val="75000"/>
+                  </a:schemeClr>
+                </a:solidFill>
+              </a:defRPr>
+            </a:lvl3pPr>
+            <a:lvl4pPr marL="1371600" indent="0">
+              <a:buNone/>
+              <a:defRPr sz="1400">
+                <a:solidFill>
+                  <a:schemeClr val="tx1">
+                    <a:tint val="75000"/>
+                  </a:schemeClr>
+                </a:solidFill>
+              </a:defRPr>
+            </a:lvl4pPr>
+            <a:lvl5pPr marL="1828800" indent="0">
+              <a:buNone/>
+              <a:defRPr sz="1400">
+                <a:solidFill>
+                  <a:schemeClr val="tx1">
+                    <a:tint val="75000"/>
+                  </a:schemeClr>
+                </a:solidFill>
+              </a:defRPr>
+            </a:lvl5pPr>
+            <a:lvl6pPr marL="2286000" indent="0">
+              <a:buNone/>
+              <a:defRPr sz="1400">
+                <a:solidFill>
+                  <a:schemeClr val="tx1">
+                    <a:tint val="75000"/>
+                  </a:schemeClr>
+                </a:solidFill>
+              </a:defRPr>
+            </a:lvl6pPr>
+            <a:lvl7pPr marL="2743200" indent="0">
+              <a:buNone/>
+              <a:defRPr sz="1400">
+                <a:solidFill>
+                  <a:schemeClr val="tx1">
+                    <a:tint val="75000"/>
+                  </a:schemeClr>
+                </a:solidFill>
+              </a:defRPr>
+            </a:lvl7pPr>
+            <a:lvl8pPr marL="3200400" indent="0">
+              <a:buNone/>
+              <a:defRPr sz="1400">
+                <a:solidFill>
+                  <a:schemeClr val="tx1">
+                    <a:tint val="75000"/>
+                  </a:schemeClr>
+                </a:solidFill>
+              </a:defRPr>
+            </a:lvl8pPr>
+            <a:lvl9pPr marL="3657600" indent="0">
+              <a:buNone/>
+              <a:defRPr sz="1400">
+                <a:solidFill>
+                  <a:schemeClr val="tx1">
+                    <a:tint val="75000"/>
+                  </a:schemeClr>
+                </a:solidFill>
+              </a:defRPr>
+            </a:lvl9pPr>
+          </a:lstStyle>
+          <a:p>
+            <a:pPr lvl="0"/>
+            <a:r>
+              <a:rPr lang="en-US"/>
+              <a:t>Click to edit Master text styles</a:t>
+            </a:r>
+          </a:p>
+        </p:txBody>
+      </p:sp>
+      <p:sp>
+        <p:nvSpPr>
+          <p:cNvPr id="4" name="Date Placeholder 3"/>
+          <p:cNvSpPr>
+            <a:spLocks noGrp="1"/>
+          </p:cNvSpPr>
+          <p:nvPr>
+            <p:ph type="dt" sz="half" idx="10"/>
+          </p:nvPr>
+        </p:nvSpPr>
+        <p:spPr/>
+        <p:txBody>
+          <a:bodyPr/>
+          <a:lstStyle/>
+          <a:p>
+            <a:fld id="{AC714F42-76C4-4006-BEB4-649C7A95483C}" type="datetimeFigureOut">
+              <a:rPr lang="en-US" smtClean="0"/>
+              <a:t>4/29/2021</a:t>
+            </a:fld>
+            <a:endParaRPr lang="en-US"/>
+          </a:p>
+        </p:txBody>
+      </p:sp>
+      <p:sp>
+        <p:nvSpPr>
+          <p:cNvPr id="5" name="Footer Placeholder 4"/>
+          <p:cNvSpPr>
+            <a:spLocks noGrp="1"/>
+          </p:cNvSpPr>
+          <p:nvPr>
+            <p:ph type="ftr" sz="quarter" idx="11"/>
+          </p:nvPr>
+        </p:nvSpPr>
+        <p:spPr/>
+        <p:txBody>
+          <a:bodyPr/>
+          <a:lstStyle/>
+          <a:p>
+            <a:endParaRPr lang="en-US"/>
+          </a:p>
+        </p:txBody>
+      </p:sp>
+      <p:sp>
+        <p:nvSpPr>
+          <p:cNvPr id="6" name="Slide Number Placeholder 5"/>
+          <p:cNvSpPr>
+            <a:spLocks noGrp="1"/>
+          </p:cNvSpPr>
+          <p:nvPr>
+            <p:ph type="sldNum" sz="quarter" idx="12"/>
+          </p:nvPr>
+        </p:nvSpPr>
+        <p:spPr/>
+        <p:txBody>
+          <a:bodyPr/>
+          <a:lstStyle/>
+          <a:p>
+            <a:fld id="{D2C3613F-1AB7-44DC-93B1-FA2C9A8FF4BB}" type="slidenum">
+              <a:rPr lang="en-US" smtClean="0"/>
+              <a:t>‹#›</a:t>
+            </a:fld>
+            <a:endParaRPr lang="en-US"/>
+          </a:p>
+        </p:txBody>
+      </p:sp>
+    </p:spTree>
+    <p:extLst>
+      <p:ext uri="{BB962C8B-B14F-4D97-AF65-F5344CB8AC3E}">
+        <p14:creationId xmlns:p14="http://schemas.microsoft.com/office/powerpoint/2010/main" val="3052198538"/>
+      </p:ext>
+    </p:extLst>
+  </p:cSld>
+  <p:clrMapOvr>
+    <a:masterClrMapping/>
+  </p:clrMapOvr>
+</p:sldLayout>
+</file>
+
+<file path=ppt/slideLayouts/slideLayout15.xml><?xml version="1.0" encoding="utf-8"?>
 <p:sldLayout xmlns:a="http://schemas.openxmlformats.org/drawingml/2006/main" xmlns:r="http://schemas.openxmlformats.org/officeDocument/2006/relationships" xmlns:p="http://schemas.openxmlformats.org/presentationml/2006/main" type="vertTx" preserve="1">
   <p:cSld name="Title and Vertical Text">
     <p:spTree>
@@ -359,13 +2535,7 @@
       </p:grpSpPr>
       <p:sp>
         <p:nvSpPr>
-          <p:cNvPr id="2" name="Title 1">
-            <a:extLst>
-              <a:ext uri="{FF2B5EF4-FFF2-40B4-BE49-F238E27FC236}">
-                <a16:creationId xmlns:a16="http://schemas.microsoft.com/office/drawing/2014/main" id="{2D2B5C87-7655-47B6-85ED-584A6AD8622B}"/>
-              </a:ext>
-            </a:extLst>
-          </p:cNvPr>
+          <p:cNvPr id="2" name="Title 1"/>
           <p:cNvSpPr>
             <a:spLocks noGrp="1"/>
           </p:cNvSpPr>
@@ -382,18 +2552,13 @@
               <a:rPr lang="en-US"/>
               <a:t>Click to edit Master title style</a:t>
             </a:r>
-          </a:p>
-        </p:txBody>
-      </p:sp>
-      <p:sp>
-        <p:nvSpPr>
-          <p:cNvPr id="3" name="Vertical Text Placeholder 2">
-            <a:extLst>
-              <a:ext uri="{FF2B5EF4-FFF2-40B4-BE49-F238E27FC236}">
-                <a16:creationId xmlns:a16="http://schemas.microsoft.com/office/drawing/2014/main" id="{836DB105-1150-4AE1-9B2D-8B70EAA93B3E}"/>
-              </a:ext>
-            </a:extLst>
-          </p:cNvPr>
+            <a:endParaRPr lang="en-US" dirty="0"/>
+          </a:p>
+        </p:txBody>
+      </p:sp>
+      <p:sp>
+        <p:nvSpPr>
+          <p:cNvPr id="3" name="Vertical Text Placeholder 2"/>
           <p:cNvSpPr>
             <a:spLocks noGrp="1"/>
           </p:cNvSpPr>
@@ -439,18 +2604,13 @@
               <a:rPr lang="en-US"/>
               <a:t>Fifth level</a:t>
             </a:r>
-          </a:p>
-        </p:txBody>
-      </p:sp>
-      <p:sp>
-        <p:nvSpPr>
-          <p:cNvPr id="4" name="Date Placeholder 3">
-            <a:extLst>
-              <a:ext uri="{FF2B5EF4-FFF2-40B4-BE49-F238E27FC236}">
-                <a16:creationId xmlns:a16="http://schemas.microsoft.com/office/drawing/2014/main" id="{10C3837B-60F4-4256-9E1D-AF1684F15802}"/>
-              </a:ext>
-            </a:extLst>
-          </p:cNvPr>
+            <a:endParaRPr lang="en-US" dirty="0"/>
+          </a:p>
+        </p:txBody>
+      </p:sp>
+      <p:sp>
+        <p:nvSpPr>
+          <p:cNvPr id="4" name="Date Placeholder 3"/>
           <p:cNvSpPr>
             <a:spLocks noGrp="1"/>
           </p:cNvSpPr>
@@ -465,7 +2625,7 @@
           <a:p>
             <a:fld id="{AC714F42-76C4-4006-BEB4-649C7A95483C}" type="datetimeFigureOut">
               <a:rPr lang="en-US" smtClean="0"/>
-              <a:t>4/28/2021</a:t>
+              <a:t>4/29/2021</a:t>
             </a:fld>
             <a:endParaRPr lang="en-US"/>
           </a:p>
@@ -473,13 +2633,7 @@
       </p:sp>
       <p:sp>
         <p:nvSpPr>
-          <p:cNvPr id="5" name="Footer Placeholder 4">
-            <a:extLst>
-              <a:ext uri="{FF2B5EF4-FFF2-40B4-BE49-F238E27FC236}">
-                <a16:creationId xmlns:a16="http://schemas.microsoft.com/office/drawing/2014/main" id="{16ACA03B-E5CC-4AF2-B775-18ED19A4F1A4}"/>
-              </a:ext>
-            </a:extLst>
-          </p:cNvPr>
+          <p:cNvPr id="5" name="Footer Placeholder 4"/>
           <p:cNvSpPr>
             <a:spLocks noGrp="1"/>
           </p:cNvSpPr>
@@ -498,13 +2652,7 @@
       </p:sp>
       <p:sp>
         <p:nvSpPr>
-          <p:cNvPr id="6" name="Slide Number Placeholder 5">
-            <a:extLst>
-              <a:ext uri="{FF2B5EF4-FFF2-40B4-BE49-F238E27FC236}">
-                <a16:creationId xmlns:a16="http://schemas.microsoft.com/office/drawing/2014/main" id="{A9E4F355-CB4D-433A-95A4-354D1517E6C5}"/>
-              </a:ext>
-            </a:extLst>
-          </p:cNvPr>
+          <p:cNvPr id="6" name="Slide Number Placeholder 5"/>
           <p:cNvSpPr>
             <a:spLocks noGrp="1"/>
           </p:cNvSpPr>
@@ -528,7 +2676,7 @@
     </p:spTree>
     <p:extLst>
       <p:ext uri="{BB962C8B-B14F-4D97-AF65-F5344CB8AC3E}">
-        <p14:creationId xmlns:p14="http://schemas.microsoft.com/office/powerpoint/2010/main" val="3127739823"/>
+        <p14:creationId xmlns:p14="http://schemas.microsoft.com/office/powerpoint/2010/main" val="966150832"/>
       </p:ext>
     </p:extLst>
   </p:cSld>
@@ -538,7 +2686,7 @@
 </p:sldLayout>
 </file>
 
-<file path=ppt/slideLayouts/slideLayout11.xml><?xml version="1.0" encoding="utf-8"?>
+<file path=ppt/slideLayouts/slideLayout16.xml><?xml version="1.0" encoding="utf-8"?>
 <p:sldLayout xmlns:a="http://schemas.openxmlformats.org/drawingml/2006/main" xmlns:r="http://schemas.openxmlformats.org/officeDocument/2006/relationships" xmlns:p="http://schemas.openxmlformats.org/presentationml/2006/main" type="vertTitleAndTx" preserve="1">
   <p:cSld name="Vertical Title and Text">
     <p:spTree>
@@ -557,13 +2705,7 @@
       </p:grpSpPr>
       <p:sp>
         <p:nvSpPr>
-          <p:cNvPr id="2" name="Vertical Title 1">
-            <a:extLst>
-              <a:ext uri="{FF2B5EF4-FFF2-40B4-BE49-F238E27FC236}">
-                <a16:creationId xmlns:a16="http://schemas.microsoft.com/office/drawing/2014/main" id="{982A3533-AFE8-410C-9E8D-7999BEE090E1}"/>
-              </a:ext>
-            </a:extLst>
-          </p:cNvPr>
+          <p:cNvPr id="2" name="Vertical Title 1"/>
           <p:cNvSpPr>
             <a:spLocks noGrp="1"/>
           </p:cNvSpPr>
@@ -573,30 +2715,25 @@
         </p:nvSpPr>
         <p:spPr>
           <a:xfrm>
-            <a:off x="8724900" y="365125"/>
-            <a:ext cx="2628900" cy="5811838"/>
+            <a:off x="7967673" y="609599"/>
+            <a:ext cx="1304743" cy="5251451"/>
           </a:xfrm>
         </p:spPr>
         <p:txBody>
-          <a:bodyPr vert="eaVert"/>
+          <a:bodyPr vert="eaVert" anchor="ctr"/>
           <a:lstStyle/>
           <a:p>
             <a:r>
               <a:rPr lang="en-US"/>
               <a:t>Click to edit Master title style</a:t>
             </a:r>
-          </a:p>
-        </p:txBody>
-      </p:sp>
-      <p:sp>
-        <p:nvSpPr>
-          <p:cNvPr id="3" name="Vertical Text Placeholder 2">
-            <a:extLst>
-              <a:ext uri="{FF2B5EF4-FFF2-40B4-BE49-F238E27FC236}">
-                <a16:creationId xmlns:a16="http://schemas.microsoft.com/office/drawing/2014/main" id="{76E23D2A-6B1F-4EAB-B7E8-15BF089A2994}"/>
-              </a:ext>
-            </a:extLst>
-          </p:cNvPr>
+            <a:endParaRPr lang="en-US" dirty="0"/>
+          </a:p>
+        </p:txBody>
+      </p:sp>
+      <p:sp>
+        <p:nvSpPr>
+          <p:cNvPr id="3" name="Vertical Text Placeholder 2"/>
           <p:cNvSpPr>
             <a:spLocks noGrp="1"/>
           </p:cNvSpPr>
@@ -606,8 +2743,8 @@
         </p:nvSpPr>
         <p:spPr>
           <a:xfrm>
-            <a:off x="838200" y="365125"/>
-            <a:ext cx="7734300" cy="5811838"/>
+            <a:off x="677335" y="609600"/>
+            <a:ext cx="7060150" cy="5251450"/>
           </a:xfrm>
         </p:spPr>
         <p:txBody>
@@ -647,18 +2784,13 @@
               <a:rPr lang="en-US"/>
               <a:t>Fifth level</a:t>
             </a:r>
-          </a:p>
-        </p:txBody>
-      </p:sp>
-      <p:sp>
-        <p:nvSpPr>
-          <p:cNvPr id="4" name="Date Placeholder 3">
-            <a:extLst>
-              <a:ext uri="{FF2B5EF4-FFF2-40B4-BE49-F238E27FC236}">
-                <a16:creationId xmlns:a16="http://schemas.microsoft.com/office/drawing/2014/main" id="{40EEC6E9-BC5C-4548-8F59-3B4742513C74}"/>
-              </a:ext>
-            </a:extLst>
-          </p:cNvPr>
+            <a:endParaRPr lang="en-US" dirty="0"/>
+          </a:p>
+        </p:txBody>
+      </p:sp>
+      <p:sp>
+        <p:nvSpPr>
+          <p:cNvPr id="4" name="Date Placeholder 3"/>
           <p:cNvSpPr>
             <a:spLocks noGrp="1"/>
           </p:cNvSpPr>
@@ -673,7 +2805,7 @@
           <a:p>
             <a:fld id="{AC714F42-76C4-4006-BEB4-649C7A95483C}" type="datetimeFigureOut">
               <a:rPr lang="en-US" smtClean="0"/>
-              <a:t>4/28/2021</a:t>
+              <a:t>4/29/2021</a:t>
             </a:fld>
             <a:endParaRPr lang="en-US"/>
           </a:p>
@@ -681,13 +2813,7 @@
       </p:sp>
       <p:sp>
         <p:nvSpPr>
-          <p:cNvPr id="5" name="Footer Placeholder 4">
-            <a:extLst>
-              <a:ext uri="{FF2B5EF4-FFF2-40B4-BE49-F238E27FC236}">
-                <a16:creationId xmlns:a16="http://schemas.microsoft.com/office/drawing/2014/main" id="{43D466FC-981F-4684-B563-5DD2B097DA6D}"/>
-              </a:ext>
-            </a:extLst>
-          </p:cNvPr>
+          <p:cNvPr id="5" name="Footer Placeholder 4"/>
           <p:cNvSpPr>
             <a:spLocks noGrp="1"/>
           </p:cNvSpPr>
@@ -706,13 +2832,7 @@
       </p:sp>
       <p:sp>
         <p:nvSpPr>
-          <p:cNvPr id="6" name="Slide Number Placeholder 5">
-            <a:extLst>
-              <a:ext uri="{FF2B5EF4-FFF2-40B4-BE49-F238E27FC236}">
-                <a16:creationId xmlns:a16="http://schemas.microsoft.com/office/drawing/2014/main" id="{A35F6676-B3E3-490C-BE96-6330C2312450}"/>
-              </a:ext>
-            </a:extLst>
-          </p:cNvPr>
+          <p:cNvPr id="6" name="Slide Number Placeholder 5"/>
           <p:cNvSpPr>
             <a:spLocks noGrp="1"/>
           </p:cNvSpPr>
@@ -736,7 +2856,7 @@
     </p:spTree>
     <p:extLst>
       <p:ext uri="{BB962C8B-B14F-4D97-AF65-F5344CB8AC3E}">
-        <p14:creationId xmlns:p14="http://schemas.microsoft.com/office/powerpoint/2010/main" val="2602693724"/>
+        <p14:creationId xmlns:p14="http://schemas.microsoft.com/office/powerpoint/2010/main" val="400606623"/>
       </p:ext>
     </p:extLst>
   </p:cSld>
@@ -765,13 +2885,7 @@
       </p:grpSpPr>
       <p:sp>
         <p:nvSpPr>
-          <p:cNvPr id="2" name="Title 1">
-            <a:extLst>
-              <a:ext uri="{FF2B5EF4-FFF2-40B4-BE49-F238E27FC236}">
-                <a16:creationId xmlns:a16="http://schemas.microsoft.com/office/drawing/2014/main" id="{9A7D5BEC-F75F-48F6-A470-0455A8E3D712}"/>
-              </a:ext>
-            </a:extLst>
-          </p:cNvPr>
+          <p:cNvPr id="2" name="Title 1"/>
           <p:cNvSpPr>
             <a:spLocks noGrp="1"/>
           </p:cNvSpPr>
@@ -781,37 +2895,38 @@
         </p:nvSpPr>
         <p:spPr/>
         <p:txBody>
+          <a:bodyPr>
+            <a:normAutofit/>
+          </a:bodyPr>
+          <a:lstStyle>
+            <a:lvl1pPr>
+              <a:defRPr sz="3600"/>
+            </a:lvl1pPr>
+          </a:lstStyle>
+          <a:p>
+            <a:r>
+              <a:rPr lang="en-US"/>
+              <a:t>Click to edit Master title style</a:t>
+            </a:r>
+            <a:endParaRPr lang="en-US" dirty="0"/>
+          </a:p>
+        </p:txBody>
+      </p:sp>
+      <p:sp>
+        <p:nvSpPr>
+          <p:cNvPr id="3" name="Content Placeholder 2"/>
+          <p:cNvSpPr>
+            <a:spLocks noGrp="1"/>
+          </p:cNvSpPr>
+          <p:nvPr>
+            <p:ph idx="1"/>
+          </p:nvPr>
+        </p:nvSpPr>
+        <p:spPr/>
+        <p:txBody>
           <a:bodyPr/>
           <a:lstStyle/>
           <a:p>
-            <a:r>
-              <a:rPr lang="en-US"/>
-              <a:t>Click to edit Master title style</a:t>
-            </a:r>
-          </a:p>
-        </p:txBody>
-      </p:sp>
-      <p:sp>
-        <p:nvSpPr>
-          <p:cNvPr id="3" name="Content Placeholder 2">
-            <a:extLst>
-              <a:ext uri="{FF2B5EF4-FFF2-40B4-BE49-F238E27FC236}">
-                <a16:creationId xmlns:a16="http://schemas.microsoft.com/office/drawing/2014/main" id="{E0E3D583-0105-45D5-836E-CA0344425C52}"/>
-              </a:ext>
-            </a:extLst>
-          </p:cNvPr>
-          <p:cNvSpPr>
-            <a:spLocks noGrp="1"/>
-          </p:cNvSpPr>
-          <p:nvPr>
-            <p:ph idx="1"/>
-          </p:nvPr>
-        </p:nvSpPr>
-        <p:spPr/>
-        <p:txBody>
-          <a:bodyPr/>
-          <a:lstStyle/>
-          <a:p>
             <a:pPr lvl="0"/>
             <a:r>
               <a:rPr lang="en-US"/>
@@ -845,18 +2960,13 @@
               <a:rPr lang="en-US"/>
               <a:t>Fifth level</a:t>
             </a:r>
-          </a:p>
-        </p:txBody>
-      </p:sp>
-      <p:sp>
-        <p:nvSpPr>
-          <p:cNvPr id="4" name="Date Placeholder 3">
-            <a:extLst>
-              <a:ext uri="{FF2B5EF4-FFF2-40B4-BE49-F238E27FC236}">
-                <a16:creationId xmlns:a16="http://schemas.microsoft.com/office/drawing/2014/main" id="{A2475CC4-158C-4C4B-B98C-AC1CAA785619}"/>
-              </a:ext>
-            </a:extLst>
-          </p:cNvPr>
+            <a:endParaRPr lang="en-US" dirty="0"/>
+          </a:p>
+        </p:txBody>
+      </p:sp>
+      <p:sp>
+        <p:nvSpPr>
+          <p:cNvPr id="4" name="Date Placeholder 3"/>
           <p:cNvSpPr>
             <a:spLocks noGrp="1"/>
           </p:cNvSpPr>
@@ -871,7 +2981,7 @@
           <a:p>
             <a:fld id="{AC714F42-76C4-4006-BEB4-649C7A95483C}" type="datetimeFigureOut">
               <a:rPr lang="en-US" smtClean="0"/>
-              <a:t>4/28/2021</a:t>
+              <a:t>4/29/2021</a:t>
             </a:fld>
             <a:endParaRPr lang="en-US"/>
           </a:p>
@@ -879,13 +2989,7 @@
       </p:sp>
       <p:sp>
         <p:nvSpPr>
-          <p:cNvPr id="5" name="Footer Placeholder 4">
-            <a:extLst>
-              <a:ext uri="{FF2B5EF4-FFF2-40B4-BE49-F238E27FC236}">
-                <a16:creationId xmlns:a16="http://schemas.microsoft.com/office/drawing/2014/main" id="{73B2B9E0-9A4C-49AD-AFA7-D71FA4C00DCE}"/>
-              </a:ext>
-            </a:extLst>
-          </p:cNvPr>
+          <p:cNvPr id="5" name="Footer Placeholder 4"/>
           <p:cNvSpPr>
             <a:spLocks noGrp="1"/>
           </p:cNvSpPr>
@@ -904,13 +3008,7 @@
       </p:sp>
       <p:sp>
         <p:nvSpPr>
-          <p:cNvPr id="6" name="Slide Number Placeholder 5">
-            <a:extLst>
-              <a:ext uri="{FF2B5EF4-FFF2-40B4-BE49-F238E27FC236}">
-                <a16:creationId xmlns:a16="http://schemas.microsoft.com/office/drawing/2014/main" id="{59DC28E7-5459-4CC7-A37A-0F4D20FF62D4}"/>
-              </a:ext>
-            </a:extLst>
-          </p:cNvPr>
+          <p:cNvPr id="6" name="Slide Number Placeholder 5"/>
           <p:cNvSpPr>
             <a:spLocks noGrp="1"/>
           </p:cNvSpPr>
@@ -934,7 +3032,7 @@
     </p:spTree>
     <p:extLst>
       <p:ext uri="{BB962C8B-B14F-4D97-AF65-F5344CB8AC3E}">
-        <p14:creationId xmlns:p14="http://schemas.microsoft.com/office/powerpoint/2010/main" val="2324668715"/>
+        <p14:creationId xmlns:p14="http://schemas.microsoft.com/office/powerpoint/2010/main" val="1472607693"/>
       </p:ext>
     </p:extLst>
   </p:cSld>
@@ -963,13 +3061,7 @@
       </p:grpSpPr>
       <p:sp>
         <p:nvSpPr>
-          <p:cNvPr id="2" name="Title 1">
-            <a:extLst>
-              <a:ext uri="{FF2B5EF4-FFF2-40B4-BE49-F238E27FC236}">
-                <a16:creationId xmlns:a16="http://schemas.microsoft.com/office/drawing/2014/main" id="{C29B8570-F177-4148-B9A7-91E4F3A054A2}"/>
-              </a:ext>
-            </a:extLst>
-          </p:cNvPr>
+          <p:cNvPr id="2" name="Title 1"/>
           <p:cNvSpPr>
             <a:spLocks noGrp="1"/>
           </p:cNvSpPr>
@@ -979,15 +3071,15 @@
         </p:nvSpPr>
         <p:spPr>
           <a:xfrm>
-            <a:off x="831850" y="1709738"/>
-            <a:ext cx="10515600" cy="2852737"/>
+            <a:off x="677335" y="2700867"/>
+            <a:ext cx="8596668" cy="1826581"/>
           </a:xfrm>
         </p:spPr>
         <p:txBody>
           <a:bodyPr anchor="b"/>
           <a:lstStyle>
-            <a:lvl1pPr>
-              <a:defRPr sz="6000"/>
+            <a:lvl1pPr algn="l">
+              <a:defRPr sz="4000" b="0" cap="none"/>
             </a:lvl1pPr>
           </a:lstStyle>
           <a:p>
@@ -995,18 +3087,13 @@
               <a:rPr lang="en-US"/>
               <a:t>Click to edit Master title style</a:t>
             </a:r>
-          </a:p>
-        </p:txBody>
-      </p:sp>
-      <p:sp>
-        <p:nvSpPr>
-          <p:cNvPr id="3" name="Text Placeholder 2">
-            <a:extLst>
-              <a:ext uri="{FF2B5EF4-FFF2-40B4-BE49-F238E27FC236}">
-                <a16:creationId xmlns:a16="http://schemas.microsoft.com/office/drawing/2014/main" id="{3A2AF65E-1153-4E48-AE93-D478161BB8DF}"/>
-              </a:ext>
-            </a:extLst>
-          </p:cNvPr>
+            <a:endParaRPr lang="en-US" dirty="0"/>
+          </a:p>
+        </p:txBody>
+      </p:sp>
+      <p:sp>
+        <p:nvSpPr>
+          <p:cNvPr id="3" name="Text Placeholder 2"/>
           <p:cNvSpPr>
             <a:spLocks noGrp="1"/>
           </p:cNvSpPr>
@@ -1016,26 +3103,27 @@
         </p:nvSpPr>
         <p:spPr>
           <a:xfrm>
-            <a:off x="831850" y="4589463"/>
-            <a:ext cx="10515600" cy="1500187"/>
+            <a:off x="677335" y="4527448"/>
+            <a:ext cx="8596668" cy="860400"/>
           </a:xfrm>
         </p:spPr>
         <p:txBody>
-          <a:bodyPr/>
+          <a:bodyPr anchor="t"/>
           <a:lstStyle>
-            <a:lvl1pPr marL="0" indent="0">
-              <a:buNone/>
-              <a:defRPr sz="2400">
+            <a:lvl1pPr marL="0" indent="0" algn="l">
+              <a:buNone/>
+              <a:defRPr sz="2000">
                 <a:solidFill>
                   <a:schemeClr val="tx1">
-                    <a:tint val="75000"/>
+                    <a:lumMod val="50000"/>
+                    <a:lumOff val="50000"/>
                   </a:schemeClr>
                 </a:solidFill>
               </a:defRPr>
             </a:lvl1pPr>
             <a:lvl2pPr marL="457200" indent="0">
               <a:buNone/>
-              <a:defRPr sz="2000">
+              <a:defRPr sz="1800">
                 <a:solidFill>
                   <a:schemeClr val="tx1">
                     <a:tint val="75000"/>
@@ -1045,7 +3133,7 @@
             </a:lvl2pPr>
             <a:lvl3pPr marL="914400" indent="0">
               <a:buNone/>
-              <a:defRPr sz="1800">
+              <a:defRPr sz="1600">
                 <a:solidFill>
                   <a:schemeClr val="tx1">
                     <a:tint val="75000"/>
@@ -1055,7 +3143,7 @@
             </a:lvl3pPr>
             <a:lvl4pPr marL="1371600" indent="0">
               <a:buNone/>
-              <a:defRPr sz="1600">
+              <a:defRPr sz="1400">
                 <a:solidFill>
                   <a:schemeClr val="tx1">
                     <a:tint val="75000"/>
@@ -1065,7 +3153,7 @@
             </a:lvl4pPr>
             <a:lvl5pPr marL="1828800" indent="0">
               <a:buNone/>
-              <a:defRPr sz="1600">
+              <a:defRPr sz="1400">
                 <a:solidFill>
                   <a:schemeClr val="tx1">
                     <a:tint val="75000"/>
@@ -1075,7 +3163,7 @@
             </a:lvl5pPr>
             <a:lvl6pPr marL="2286000" indent="0">
               <a:buNone/>
-              <a:defRPr sz="1600">
+              <a:defRPr sz="1400">
                 <a:solidFill>
                   <a:schemeClr val="tx1">
                     <a:tint val="75000"/>
@@ -1085,7 +3173,7 @@
             </a:lvl6pPr>
             <a:lvl7pPr marL="2743200" indent="0">
               <a:buNone/>
-              <a:defRPr sz="1600">
+              <a:defRPr sz="1400">
                 <a:solidFill>
                   <a:schemeClr val="tx1">
                     <a:tint val="75000"/>
@@ -1095,7 +3183,7 @@
             </a:lvl7pPr>
             <a:lvl8pPr marL="3200400" indent="0">
               <a:buNone/>
-              <a:defRPr sz="1600">
+              <a:defRPr sz="1400">
                 <a:solidFill>
                   <a:schemeClr val="tx1">
                     <a:tint val="75000"/>
@@ -1105,7 +3193,7 @@
             </a:lvl8pPr>
             <a:lvl9pPr marL="3657600" indent="0">
               <a:buNone/>
-              <a:defRPr sz="1600">
+              <a:defRPr sz="1400">
                 <a:solidFill>
                   <a:schemeClr val="tx1">
                     <a:tint val="75000"/>
@@ -1125,13 +3213,7 @@
       </p:sp>
       <p:sp>
         <p:nvSpPr>
-          <p:cNvPr id="4" name="Date Placeholder 3">
-            <a:extLst>
-              <a:ext uri="{FF2B5EF4-FFF2-40B4-BE49-F238E27FC236}">
-                <a16:creationId xmlns:a16="http://schemas.microsoft.com/office/drawing/2014/main" id="{5ADF4778-6E60-4397-864F-7AA56F3AB206}"/>
-              </a:ext>
-            </a:extLst>
-          </p:cNvPr>
+          <p:cNvPr id="4" name="Date Placeholder 3"/>
           <p:cNvSpPr>
             <a:spLocks noGrp="1"/>
           </p:cNvSpPr>
@@ -1146,7 +3228,7 @@
           <a:p>
             <a:fld id="{AC714F42-76C4-4006-BEB4-649C7A95483C}" type="datetimeFigureOut">
               <a:rPr lang="en-US" smtClean="0"/>
-              <a:t>4/28/2021</a:t>
+              <a:t>4/29/2021</a:t>
             </a:fld>
             <a:endParaRPr lang="en-US"/>
           </a:p>
@@ -1154,13 +3236,7 @@
       </p:sp>
       <p:sp>
         <p:nvSpPr>
-          <p:cNvPr id="5" name="Footer Placeholder 4">
-            <a:extLst>
-              <a:ext uri="{FF2B5EF4-FFF2-40B4-BE49-F238E27FC236}">
-                <a16:creationId xmlns:a16="http://schemas.microsoft.com/office/drawing/2014/main" id="{F8CE3CBC-6846-4AED-B70C-0BA61AC12FF1}"/>
-              </a:ext>
-            </a:extLst>
-          </p:cNvPr>
+          <p:cNvPr id="5" name="Footer Placeholder 4"/>
           <p:cNvSpPr>
             <a:spLocks noGrp="1"/>
           </p:cNvSpPr>
@@ -1179,13 +3255,7 @@
       </p:sp>
       <p:sp>
         <p:nvSpPr>
-          <p:cNvPr id="6" name="Slide Number Placeholder 5">
-            <a:extLst>
-              <a:ext uri="{FF2B5EF4-FFF2-40B4-BE49-F238E27FC236}">
-                <a16:creationId xmlns:a16="http://schemas.microsoft.com/office/drawing/2014/main" id="{174049DD-2AC8-4636-8F20-26139DF4EAD8}"/>
-              </a:ext>
-            </a:extLst>
-          </p:cNvPr>
+          <p:cNvPr id="6" name="Slide Number Placeholder 5"/>
           <p:cNvSpPr>
             <a:spLocks noGrp="1"/>
           </p:cNvSpPr>
@@ -1209,7 +3279,7 @@
     </p:spTree>
     <p:extLst>
       <p:ext uri="{BB962C8B-B14F-4D97-AF65-F5344CB8AC3E}">
-        <p14:creationId xmlns:p14="http://schemas.microsoft.com/office/powerpoint/2010/main" val="916555306"/>
+        <p14:creationId xmlns:p14="http://schemas.microsoft.com/office/powerpoint/2010/main" val="2701125199"/>
       </p:ext>
     </p:extLst>
   </p:cSld>
@@ -1238,13 +3308,7 @@
       </p:grpSpPr>
       <p:sp>
         <p:nvSpPr>
-          <p:cNvPr id="2" name="Title 1">
-            <a:extLst>
-              <a:ext uri="{FF2B5EF4-FFF2-40B4-BE49-F238E27FC236}">
-                <a16:creationId xmlns:a16="http://schemas.microsoft.com/office/drawing/2014/main" id="{2794213F-3B80-4E5C-B698-4223A1874C5D}"/>
-              </a:ext>
-            </a:extLst>
-          </p:cNvPr>
+          <p:cNvPr id="2" name="Title 1"/>
           <p:cNvSpPr>
             <a:spLocks noGrp="1"/>
           </p:cNvSpPr>
@@ -1261,18 +3325,13 @@
               <a:rPr lang="en-US"/>
               <a:t>Click to edit Master title style</a:t>
             </a:r>
-          </a:p>
-        </p:txBody>
-      </p:sp>
-      <p:sp>
-        <p:nvSpPr>
-          <p:cNvPr id="3" name="Content Placeholder 2">
-            <a:extLst>
-              <a:ext uri="{FF2B5EF4-FFF2-40B4-BE49-F238E27FC236}">
-                <a16:creationId xmlns:a16="http://schemas.microsoft.com/office/drawing/2014/main" id="{761FC84F-3951-4518-9C9B-9048C297C5CB}"/>
-              </a:ext>
-            </a:extLst>
-          </p:cNvPr>
+            <a:endParaRPr lang="en-US" dirty="0"/>
+          </a:p>
+        </p:txBody>
+      </p:sp>
+      <p:sp>
+        <p:nvSpPr>
+          <p:cNvPr id="3" name="Content Placeholder 2"/>
           <p:cNvSpPr>
             <a:spLocks noGrp="1"/>
           </p:cNvSpPr>
@@ -1282,8 +3341,8 @@
         </p:nvSpPr>
         <p:spPr>
           <a:xfrm>
-            <a:off x="838200" y="1825625"/>
-            <a:ext cx="5181600" cy="4351338"/>
+            <a:off x="677334" y="2160589"/>
+            <a:ext cx="4184035" cy="3880772"/>
           </a:xfrm>
         </p:spPr>
         <p:txBody>
@@ -1323,18 +3382,13 @@
               <a:rPr lang="en-US"/>
               <a:t>Fifth level</a:t>
             </a:r>
-          </a:p>
-        </p:txBody>
-      </p:sp>
-      <p:sp>
-        <p:nvSpPr>
-          <p:cNvPr id="4" name="Content Placeholder 3">
-            <a:extLst>
-              <a:ext uri="{FF2B5EF4-FFF2-40B4-BE49-F238E27FC236}">
-                <a16:creationId xmlns:a16="http://schemas.microsoft.com/office/drawing/2014/main" id="{41AED541-2788-403C-B63E-C40F797E4CE1}"/>
-              </a:ext>
-            </a:extLst>
-          </p:cNvPr>
+            <a:endParaRPr lang="en-US" dirty="0"/>
+          </a:p>
+        </p:txBody>
+      </p:sp>
+      <p:sp>
+        <p:nvSpPr>
+          <p:cNvPr id="4" name="Content Placeholder 3"/>
           <p:cNvSpPr>
             <a:spLocks noGrp="1"/>
           </p:cNvSpPr>
@@ -1344,8 +3398,8 @@
         </p:nvSpPr>
         <p:spPr>
           <a:xfrm>
-            <a:off x="6172200" y="1825625"/>
-            <a:ext cx="5181600" cy="4351338"/>
+            <a:off x="5089970" y="2160589"/>
+            <a:ext cx="4184034" cy="3880773"/>
           </a:xfrm>
         </p:spPr>
         <p:txBody>
@@ -1385,18 +3439,13 @@
               <a:rPr lang="en-US"/>
               <a:t>Fifth level</a:t>
             </a:r>
-          </a:p>
-        </p:txBody>
-      </p:sp>
-      <p:sp>
-        <p:nvSpPr>
-          <p:cNvPr id="5" name="Date Placeholder 4">
-            <a:extLst>
-              <a:ext uri="{FF2B5EF4-FFF2-40B4-BE49-F238E27FC236}">
-                <a16:creationId xmlns:a16="http://schemas.microsoft.com/office/drawing/2014/main" id="{64E5D4DA-DFA0-4B1E-9999-DB8E1AAE680D}"/>
-              </a:ext>
-            </a:extLst>
-          </p:cNvPr>
+            <a:endParaRPr lang="en-US" dirty="0"/>
+          </a:p>
+        </p:txBody>
+      </p:sp>
+      <p:sp>
+        <p:nvSpPr>
+          <p:cNvPr id="5" name="Date Placeholder 4"/>
           <p:cNvSpPr>
             <a:spLocks noGrp="1"/>
           </p:cNvSpPr>
@@ -1411,7 +3460,7 @@
           <a:p>
             <a:fld id="{AC714F42-76C4-4006-BEB4-649C7A95483C}" type="datetimeFigureOut">
               <a:rPr lang="en-US" smtClean="0"/>
-              <a:t>4/28/2021</a:t>
+              <a:t>4/29/2021</a:t>
             </a:fld>
             <a:endParaRPr lang="en-US"/>
           </a:p>
@@ -1419,13 +3468,7 @@
       </p:sp>
       <p:sp>
         <p:nvSpPr>
-          <p:cNvPr id="6" name="Footer Placeholder 5">
-            <a:extLst>
-              <a:ext uri="{FF2B5EF4-FFF2-40B4-BE49-F238E27FC236}">
-                <a16:creationId xmlns:a16="http://schemas.microsoft.com/office/drawing/2014/main" id="{F9FEDD23-145B-4CBE-8342-8E383B9A0300}"/>
-              </a:ext>
-            </a:extLst>
-          </p:cNvPr>
+          <p:cNvPr id="6" name="Footer Placeholder 5"/>
           <p:cNvSpPr>
             <a:spLocks noGrp="1"/>
           </p:cNvSpPr>
@@ -1444,13 +3487,7 @@
       </p:sp>
       <p:sp>
         <p:nvSpPr>
-          <p:cNvPr id="7" name="Slide Number Placeholder 6">
-            <a:extLst>
-              <a:ext uri="{FF2B5EF4-FFF2-40B4-BE49-F238E27FC236}">
-                <a16:creationId xmlns:a16="http://schemas.microsoft.com/office/drawing/2014/main" id="{887E7629-F918-4BD6-B8F0-AD758DFF8FE2}"/>
-              </a:ext>
-            </a:extLst>
-          </p:cNvPr>
+          <p:cNvPr id="7" name="Slide Number Placeholder 6"/>
           <p:cNvSpPr>
             <a:spLocks noGrp="1"/>
           </p:cNvSpPr>
@@ -1474,7 +3511,7 @@
     </p:spTree>
     <p:extLst>
       <p:ext uri="{BB962C8B-B14F-4D97-AF65-F5344CB8AC3E}">
-        <p14:creationId xmlns:p14="http://schemas.microsoft.com/office/powerpoint/2010/main" val="4080384885"/>
+        <p14:creationId xmlns:p14="http://schemas.microsoft.com/office/powerpoint/2010/main" val="216337504"/>
       </p:ext>
     </p:extLst>
   </p:cSld>
@@ -1503,65 +3540,55 @@
       </p:grpSpPr>
       <p:sp>
         <p:nvSpPr>
-          <p:cNvPr id="2" name="Title 1">
-            <a:extLst>
-              <a:ext uri="{FF2B5EF4-FFF2-40B4-BE49-F238E27FC236}">
-                <a16:creationId xmlns:a16="http://schemas.microsoft.com/office/drawing/2014/main" id="{250745B4-FBB0-4180-AAB5-052DCFB22A50}"/>
-              </a:ext>
-            </a:extLst>
-          </p:cNvPr>
+          <p:cNvPr id="2" name="Title 1"/>
           <p:cNvSpPr>
             <a:spLocks noGrp="1"/>
           </p:cNvSpPr>
           <p:nvPr>
             <p:ph type="title"/>
+          </p:nvPr>
+        </p:nvSpPr>
+        <p:spPr/>
+        <p:txBody>
+          <a:bodyPr/>
+          <a:lstStyle>
+            <a:lvl1pPr>
+              <a:defRPr/>
+            </a:lvl1pPr>
+          </a:lstStyle>
+          <a:p>
+            <a:r>
+              <a:rPr lang="en-US"/>
+              <a:t>Click to edit Master title style</a:t>
+            </a:r>
+            <a:endParaRPr lang="en-US" dirty="0"/>
+          </a:p>
+        </p:txBody>
+      </p:sp>
+      <p:sp>
+        <p:nvSpPr>
+          <p:cNvPr id="3" name="Text Placeholder 2"/>
+          <p:cNvSpPr>
+            <a:spLocks noGrp="1"/>
+          </p:cNvSpPr>
+          <p:nvPr>
+            <p:ph type="body" idx="1"/>
           </p:nvPr>
         </p:nvSpPr>
         <p:spPr>
           <a:xfrm>
-            <a:off x="839788" y="365125"/>
-            <a:ext cx="10515600" cy="1325563"/>
+            <a:off x="675745" y="2160983"/>
+            <a:ext cx="4185623" cy="576262"/>
           </a:xfrm>
         </p:spPr>
         <p:txBody>
-          <a:bodyPr/>
-          <a:lstStyle/>
-          <a:p>
-            <a:r>
-              <a:rPr lang="en-US"/>
-              <a:t>Click to edit Master title style</a:t>
-            </a:r>
-          </a:p>
-        </p:txBody>
-      </p:sp>
-      <p:sp>
-        <p:nvSpPr>
-          <p:cNvPr id="3" name="Text Placeholder 2">
-            <a:extLst>
-              <a:ext uri="{FF2B5EF4-FFF2-40B4-BE49-F238E27FC236}">
-                <a16:creationId xmlns:a16="http://schemas.microsoft.com/office/drawing/2014/main" id="{CC736B1E-E922-4C3E-AC05-2D5E86CC78A7}"/>
-              </a:ext>
-            </a:extLst>
-          </p:cNvPr>
-          <p:cNvSpPr>
-            <a:spLocks noGrp="1"/>
-          </p:cNvSpPr>
-          <p:nvPr>
-            <p:ph type="body" idx="1"/>
-          </p:nvPr>
-        </p:nvSpPr>
-        <p:spPr>
-          <a:xfrm>
-            <a:off x="839788" y="1681163"/>
-            <a:ext cx="5157787" cy="823912"/>
-          </a:xfrm>
-        </p:spPr>
-        <p:txBody>
-          <a:bodyPr anchor="b"/>
+          <a:bodyPr anchor="b">
+            <a:noAutofit/>
+          </a:bodyPr>
           <a:lstStyle>
             <a:lvl1pPr marL="0" indent="0">
               <a:buNone/>
-              <a:defRPr sz="2400" b="1"/>
+              <a:defRPr sz="2400" b="0"/>
             </a:lvl1pPr>
             <a:lvl2pPr marL="457200" indent="0">
               <a:buNone/>
@@ -1607,13 +3634,7 @@
       </p:sp>
       <p:sp>
         <p:nvSpPr>
-          <p:cNvPr id="4" name="Content Placeholder 3">
-            <a:extLst>
-              <a:ext uri="{FF2B5EF4-FFF2-40B4-BE49-F238E27FC236}">
-                <a16:creationId xmlns:a16="http://schemas.microsoft.com/office/drawing/2014/main" id="{669AC09C-2CDE-49D2-AB63-2F6D445C95DA}"/>
-              </a:ext>
-            </a:extLst>
-          </p:cNvPr>
+          <p:cNvPr id="4" name="Content Placeholder 3"/>
           <p:cNvSpPr>
             <a:spLocks noGrp="1"/>
           </p:cNvSpPr>
@@ -1623,12 +3644,14 @@
         </p:nvSpPr>
         <p:spPr>
           <a:xfrm>
-            <a:off x="839788" y="2505075"/>
-            <a:ext cx="5157787" cy="3684588"/>
+            <a:off x="675745" y="2737245"/>
+            <a:ext cx="4185623" cy="3304117"/>
           </a:xfrm>
         </p:spPr>
         <p:txBody>
-          <a:bodyPr/>
+          <a:bodyPr>
+            <a:normAutofit/>
+          </a:bodyPr>
           <a:lstStyle/>
           <a:p>
             <a:pPr lvl="0"/>
@@ -1664,18 +3687,13 @@
               <a:rPr lang="en-US"/>
               <a:t>Fifth level</a:t>
             </a:r>
-          </a:p>
-        </p:txBody>
-      </p:sp>
-      <p:sp>
-        <p:nvSpPr>
-          <p:cNvPr id="5" name="Text Placeholder 4">
-            <a:extLst>
-              <a:ext uri="{FF2B5EF4-FFF2-40B4-BE49-F238E27FC236}">
-                <a16:creationId xmlns:a16="http://schemas.microsoft.com/office/drawing/2014/main" id="{679CAB5F-E6B5-4FF1-9413-16F1CC2A3D72}"/>
-              </a:ext>
-            </a:extLst>
-          </p:cNvPr>
+            <a:endParaRPr lang="en-US" dirty="0"/>
+          </a:p>
+        </p:txBody>
+      </p:sp>
+      <p:sp>
+        <p:nvSpPr>
+          <p:cNvPr id="5" name="Text Placeholder 4"/>
           <p:cNvSpPr>
             <a:spLocks noGrp="1"/>
           </p:cNvSpPr>
@@ -1685,16 +3703,18 @@
         </p:nvSpPr>
         <p:spPr>
           <a:xfrm>
-            <a:off x="6172200" y="1681163"/>
-            <a:ext cx="5183188" cy="823912"/>
+            <a:off x="5088383" y="2160983"/>
+            <a:ext cx="4185618" cy="576262"/>
           </a:xfrm>
         </p:spPr>
         <p:txBody>
-          <a:bodyPr anchor="b"/>
+          <a:bodyPr anchor="b">
+            <a:noAutofit/>
+          </a:bodyPr>
           <a:lstStyle>
             <a:lvl1pPr marL="0" indent="0">
               <a:buNone/>
-              <a:defRPr sz="2400" b="1"/>
+              <a:defRPr sz="2400" b="0"/>
             </a:lvl1pPr>
             <a:lvl2pPr marL="457200" indent="0">
               <a:buNone/>
@@ -1740,13 +3760,7 @@
       </p:sp>
       <p:sp>
         <p:nvSpPr>
-          <p:cNvPr id="6" name="Content Placeholder 5">
-            <a:extLst>
-              <a:ext uri="{FF2B5EF4-FFF2-40B4-BE49-F238E27FC236}">
-                <a16:creationId xmlns:a16="http://schemas.microsoft.com/office/drawing/2014/main" id="{279775AA-AECF-4A5D-B607-BD495EBFD9BA}"/>
-              </a:ext>
-            </a:extLst>
-          </p:cNvPr>
+          <p:cNvPr id="6" name="Content Placeholder 5"/>
           <p:cNvSpPr>
             <a:spLocks noGrp="1"/>
           </p:cNvSpPr>
@@ -1756,12 +3770,14 @@
         </p:nvSpPr>
         <p:spPr>
           <a:xfrm>
-            <a:off x="6172200" y="2505075"/>
-            <a:ext cx="5183188" cy="3684588"/>
+            <a:off x="5088384" y="2737245"/>
+            <a:ext cx="4185617" cy="3304117"/>
           </a:xfrm>
         </p:spPr>
         <p:txBody>
-          <a:bodyPr/>
+          <a:bodyPr>
+            <a:normAutofit/>
+          </a:bodyPr>
           <a:lstStyle/>
           <a:p>
             <a:pPr lvl="0"/>
@@ -1797,18 +3813,13 @@
               <a:rPr lang="en-US"/>
               <a:t>Fifth level</a:t>
             </a:r>
-          </a:p>
-        </p:txBody>
-      </p:sp>
-      <p:sp>
-        <p:nvSpPr>
-          <p:cNvPr id="7" name="Date Placeholder 6">
-            <a:extLst>
-              <a:ext uri="{FF2B5EF4-FFF2-40B4-BE49-F238E27FC236}">
-                <a16:creationId xmlns:a16="http://schemas.microsoft.com/office/drawing/2014/main" id="{BDE1D994-B546-4F82-8525-AA3082EE1553}"/>
-              </a:ext>
-            </a:extLst>
-          </p:cNvPr>
+            <a:endParaRPr lang="en-US" dirty="0"/>
+          </a:p>
+        </p:txBody>
+      </p:sp>
+      <p:sp>
+        <p:nvSpPr>
+          <p:cNvPr id="7" name="Date Placeholder 6"/>
           <p:cNvSpPr>
             <a:spLocks noGrp="1"/>
           </p:cNvSpPr>
@@ -1823,7 +3834,7 @@
           <a:p>
             <a:fld id="{AC714F42-76C4-4006-BEB4-649C7A95483C}" type="datetimeFigureOut">
               <a:rPr lang="en-US" smtClean="0"/>
-              <a:t>4/28/2021</a:t>
+              <a:t>4/29/2021</a:t>
             </a:fld>
             <a:endParaRPr lang="en-US"/>
           </a:p>
@@ -1831,13 +3842,7 @@
       </p:sp>
       <p:sp>
         <p:nvSpPr>
-          <p:cNvPr id="8" name="Footer Placeholder 7">
-            <a:extLst>
-              <a:ext uri="{FF2B5EF4-FFF2-40B4-BE49-F238E27FC236}">
-                <a16:creationId xmlns:a16="http://schemas.microsoft.com/office/drawing/2014/main" id="{0C8E488C-471D-4CDB-B820-FB170D12F951}"/>
-              </a:ext>
-            </a:extLst>
-          </p:cNvPr>
+          <p:cNvPr id="8" name="Footer Placeholder 7"/>
           <p:cNvSpPr>
             <a:spLocks noGrp="1"/>
           </p:cNvSpPr>
@@ -1856,13 +3861,7 @@
       </p:sp>
       <p:sp>
         <p:nvSpPr>
-          <p:cNvPr id="9" name="Slide Number Placeholder 8">
-            <a:extLst>
-              <a:ext uri="{FF2B5EF4-FFF2-40B4-BE49-F238E27FC236}">
-                <a16:creationId xmlns:a16="http://schemas.microsoft.com/office/drawing/2014/main" id="{5EF5CB2E-B983-44A0-986E-E78D73F91C29}"/>
-              </a:ext>
-            </a:extLst>
-          </p:cNvPr>
+          <p:cNvPr id="9" name="Slide Number Placeholder 8"/>
           <p:cNvSpPr>
             <a:spLocks noGrp="1"/>
           </p:cNvSpPr>
@@ -1886,7 +3885,7 @@
     </p:spTree>
     <p:extLst>
       <p:ext uri="{BB962C8B-B14F-4D97-AF65-F5344CB8AC3E}">
-        <p14:creationId xmlns:p14="http://schemas.microsoft.com/office/powerpoint/2010/main" val="205710387"/>
+        <p14:creationId xmlns:p14="http://schemas.microsoft.com/office/powerpoint/2010/main" val="3275599047"/>
       </p:ext>
     </p:extLst>
   </p:cSld>
@@ -1915,13 +3914,7 @@
       </p:grpSpPr>
       <p:sp>
         <p:nvSpPr>
-          <p:cNvPr id="2" name="Title 1">
-            <a:extLst>
-              <a:ext uri="{FF2B5EF4-FFF2-40B4-BE49-F238E27FC236}">
-                <a16:creationId xmlns:a16="http://schemas.microsoft.com/office/drawing/2014/main" id="{B7213C87-98DB-4E88-A227-3083E410FCA8}"/>
-              </a:ext>
-            </a:extLst>
-          </p:cNvPr>
+          <p:cNvPr id="2" name="Title 1"/>
           <p:cNvSpPr>
             <a:spLocks noGrp="1"/>
           </p:cNvSpPr>
@@ -1929,7 +3922,12 @@
             <p:ph type="title"/>
           </p:nvPr>
         </p:nvSpPr>
-        <p:spPr/>
+        <p:spPr>
+          <a:xfrm>
+            <a:off x="677334" y="609600"/>
+            <a:ext cx="8596668" cy="1320800"/>
+          </a:xfrm>
+        </p:spPr>
         <p:txBody>
           <a:bodyPr/>
           <a:lstStyle/>
@@ -1938,18 +3936,13 @@
               <a:rPr lang="en-US"/>
               <a:t>Click to edit Master title style</a:t>
             </a:r>
-          </a:p>
-        </p:txBody>
-      </p:sp>
-      <p:sp>
-        <p:nvSpPr>
-          <p:cNvPr id="3" name="Date Placeholder 2">
-            <a:extLst>
-              <a:ext uri="{FF2B5EF4-FFF2-40B4-BE49-F238E27FC236}">
-                <a16:creationId xmlns:a16="http://schemas.microsoft.com/office/drawing/2014/main" id="{16F58F0E-0955-481B-AC92-0757633B11E8}"/>
-              </a:ext>
-            </a:extLst>
-          </p:cNvPr>
+            <a:endParaRPr lang="en-US" dirty="0"/>
+          </a:p>
+        </p:txBody>
+      </p:sp>
+      <p:sp>
+        <p:nvSpPr>
+          <p:cNvPr id="3" name="Date Placeholder 2"/>
           <p:cNvSpPr>
             <a:spLocks noGrp="1"/>
           </p:cNvSpPr>
@@ -1964,7 +3957,7 @@
           <a:p>
             <a:fld id="{AC714F42-76C4-4006-BEB4-649C7A95483C}" type="datetimeFigureOut">
               <a:rPr lang="en-US" smtClean="0"/>
-              <a:t>4/28/2021</a:t>
+              <a:t>4/29/2021</a:t>
             </a:fld>
             <a:endParaRPr lang="en-US"/>
           </a:p>
@@ -1972,13 +3965,7 @@
       </p:sp>
       <p:sp>
         <p:nvSpPr>
-          <p:cNvPr id="4" name="Footer Placeholder 3">
-            <a:extLst>
-              <a:ext uri="{FF2B5EF4-FFF2-40B4-BE49-F238E27FC236}">
-                <a16:creationId xmlns:a16="http://schemas.microsoft.com/office/drawing/2014/main" id="{7E7D6FA4-E35A-4BB7-A2B5-696C732BB0AD}"/>
-              </a:ext>
-            </a:extLst>
-          </p:cNvPr>
+          <p:cNvPr id="4" name="Footer Placeholder 3"/>
           <p:cNvSpPr>
             <a:spLocks noGrp="1"/>
           </p:cNvSpPr>
@@ -1997,13 +3984,7 @@
       </p:sp>
       <p:sp>
         <p:nvSpPr>
-          <p:cNvPr id="5" name="Slide Number Placeholder 4">
-            <a:extLst>
-              <a:ext uri="{FF2B5EF4-FFF2-40B4-BE49-F238E27FC236}">
-                <a16:creationId xmlns:a16="http://schemas.microsoft.com/office/drawing/2014/main" id="{1DBB0878-E4E6-4F8D-89AB-9272EB12786A}"/>
-              </a:ext>
-            </a:extLst>
-          </p:cNvPr>
+          <p:cNvPr id="5" name="Slide Number Placeholder 4"/>
           <p:cNvSpPr>
             <a:spLocks noGrp="1"/>
           </p:cNvSpPr>
@@ -2027,7 +4008,7 @@
     </p:spTree>
     <p:extLst>
       <p:ext uri="{BB962C8B-B14F-4D97-AF65-F5344CB8AC3E}">
-        <p14:creationId xmlns:p14="http://schemas.microsoft.com/office/powerpoint/2010/main" val="3488188079"/>
+        <p14:creationId xmlns:p14="http://schemas.microsoft.com/office/powerpoint/2010/main" val="1317548610"/>
       </p:ext>
     </p:extLst>
   </p:cSld>
@@ -2056,13 +4037,7 @@
       </p:grpSpPr>
       <p:sp>
         <p:nvSpPr>
-          <p:cNvPr id="2" name="Date Placeholder 1">
-            <a:extLst>
-              <a:ext uri="{FF2B5EF4-FFF2-40B4-BE49-F238E27FC236}">
-                <a16:creationId xmlns:a16="http://schemas.microsoft.com/office/drawing/2014/main" id="{847921BD-9EBD-41BE-9F1B-FF0218367332}"/>
-              </a:ext>
-            </a:extLst>
-          </p:cNvPr>
+          <p:cNvPr id="2" name="Date Placeholder 1"/>
           <p:cNvSpPr>
             <a:spLocks noGrp="1"/>
           </p:cNvSpPr>
@@ -2077,7 +4052,7 @@
           <a:p>
             <a:fld id="{AC714F42-76C4-4006-BEB4-649C7A95483C}" type="datetimeFigureOut">
               <a:rPr lang="en-US" smtClean="0"/>
-              <a:t>4/28/2021</a:t>
+              <a:t>4/29/2021</a:t>
             </a:fld>
             <a:endParaRPr lang="en-US"/>
           </a:p>
@@ -2085,13 +4060,7 @@
       </p:sp>
       <p:sp>
         <p:nvSpPr>
-          <p:cNvPr id="3" name="Footer Placeholder 2">
-            <a:extLst>
-              <a:ext uri="{FF2B5EF4-FFF2-40B4-BE49-F238E27FC236}">
-                <a16:creationId xmlns:a16="http://schemas.microsoft.com/office/drawing/2014/main" id="{22BD00C4-5442-4D63-B182-D9E9EA7F3154}"/>
-              </a:ext>
-            </a:extLst>
-          </p:cNvPr>
+          <p:cNvPr id="3" name="Footer Placeholder 2"/>
           <p:cNvSpPr>
             <a:spLocks noGrp="1"/>
           </p:cNvSpPr>
@@ -2110,13 +4079,7 @@
       </p:sp>
       <p:sp>
         <p:nvSpPr>
-          <p:cNvPr id="4" name="Slide Number Placeholder 3">
-            <a:extLst>
-              <a:ext uri="{FF2B5EF4-FFF2-40B4-BE49-F238E27FC236}">
-                <a16:creationId xmlns:a16="http://schemas.microsoft.com/office/drawing/2014/main" id="{EA8C88CB-4A68-4613-BB45-0DAE9114FC70}"/>
-              </a:ext>
-            </a:extLst>
-          </p:cNvPr>
+          <p:cNvPr id="4" name="Slide Number Placeholder 3"/>
           <p:cNvSpPr>
             <a:spLocks noGrp="1"/>
           </p:cNvSpPr>
@@ -2140,7 +4103,7 @@
     </p:spTree>
     <p:extLst>
       <p:ext uri="{BB962C8B-B14F-4D97-AF65-F5344CB8AC3E}">
-        <p14:creationId xmlns:p14="http://schemas.microsoft.com/office/powerpoint/2010/main" val="1494422809"/>
+        <p14:creationId xmlns:p14="http://schemas.microsoft.com/office/powerpoint/2010/main" val="144384147"/>
       </p:ext>
     </p:extLst>
   </p:cSld>
@@ -2169,13 +4132,7 @@
       </p:grpSpPr>
       <p:sp>
         <p:nvSpPr>
-          <p:cNvPr id="2" name="Title 1">
-            <a:extLst>
-              <a:ext uri="{FF2B5EF4-FFF2-40B4-BE49-F238E27FC236}">
-                <a16:creationId xmlns:a16="http://schemas.microsoft.com/office/drawing/2014/main" id="{AC2E71CB-CA28-4DF0-A8CA-ACA3B0BB2343}"/>
-              </a:ext>
-            </a:extLst>
-          </p:cNvPr>
+          <p:cNvPr id="2" name="Title 1"/>
           <p:cNvSpPr>
             <a:spLocks noGrp="1"/>
           </p:cNvSpPr>
@@ -2185,15 +4142,17 @@
         </p:nvSpPr>
         <p:spPr>
           <a:xfrm>
-            <a:off x="839788" y="457200"/>
-            <a:ext cx="3932237" cy="1600200"/>
+            <a:off x="677334" y="1498604"/>
+            <a:ext cx="3854528" cy="1278466"/>
           </a:xfrm>
         </p:spPr>
         <p:txBody>
-          <a:bodyPr anchor="b"/>
+          <a:bodyPr anchor="b">
+            <a:normAutofit/>
+          </a:bodyPr>
           <a:lstStyle>
             <a:lvl1pPr>
-              <a:defRPr sz="3200"/>
+              <a:defRPr sz="2000"/>
             </a:lvl1pPr>
           </a:lstStyle>
           <a:p>
@@ -2201,18 +4160,13 @@
               <a:rPr lang="en-US"/>
               <a:t>Click to edit Master title style</a:t>
             </a:r>
-          </a:p>
-        </p:txBody>
-      </p:sp>
-      <p:sp>
-        <p:nvSpPr>
-          <p:cNvPr id="3" name="Content Placeholder 2">
-            <a:extLst>
-              <a:ext uri="{FF2B5EF4-FFF2-40B4-BE49-F238E27FC236}">
-                <a16:creationId xmlns:a16="http://schemas.microsoft.com/office/drawing/2014/main" id="{0C514271-38C5-4160-A68B-3195B77DE4C8}"/>
-              </a:ext>
-            </a:extLst>
-          </p:cNvPr>
+            <a:endParaRPr lang="en-US" dirty="0"/>
+          </a:p>
+        </p:txBody>
+      </p:sp>
+      <p:sp>
+        <p:nvSpPr>
+          <p:cNvPr id="3" name="Content Placeholder 2"/>
           <p:cNvSpPr>
             <a:spLocks noGrp="1"/>
           </p:cNvSpPr>
@@ -2222,41 +4176,15 @@
         </p:nvSpPr>
         <p:spPr>
           <a:xfrm>
-            <a:off x="5183188" y="987425"/>
-            <a:ext cx="6172200" cy="4873625"/>
+            <a:off x="4760461" y="514924"/>
+            <a:ext cx="4513541" cy="5526437"/>
           </a:xfrm>
         </p:spPr>
         <p:txBody>
-          <a:bodyPr/>
-          <a:lstStyle>
-            <a:lvl1pPr>
-              <a:defRPr sz="3200"/>
-            </a:lvl1pPr>
-            <a:lvl2pPr>
-              <a:defRPr sz="2800"/>
-            </a:lvl2pPr>
-            <a:lvl3pPr>
-              <a:defRPr sz="2400"/>
-            </a:lvl3pPr>
-            <a:lvl4pPr>
-              <a:defRPr sz="2000"/>
-            </a:lvl4pPr>
-            <a:lvl5pPr>
-              <a:defRPr sz="2000"/>
-            </a:lvl5pPr>
-            <a:lvl6pPr>
-              <a:defRPr sz="2000"/>
-            </a:lvl6pPr>
-            <a:lvl7pPr>
-              <a:defRPr sz="2000"/>
-            </a:lvl7pPr>
-            <a:lvl8pPr>
-              <a:defRPr sz="2000"/>
-            </a:lvl8pPr>
-            <a:lvl9pPr>
-              <a:defRPr sz="2000"/>
-            </a:lvl9pPr>
-          </a:lstStyle>
+          <a:bodyPr>
+            <a:normAutofit/>
+          </a:bodyPr>
+          <a:lstStyle/>
           <a:p>
             <a:pPr lvl="0"/>
             <a:r>
@@ -2291,18 +4219,13 @@
               <a:rPr lang="en-US"/>
               <a:t>Fifth level</a:t>
             </a:r>
-          </a:p>
-        </p:txBody>
-      </p:sp>
-      <p:sp>
-        <p:nvSpPr>
-          <p:cNvPr id="4" name="Text Placeholder 3">
-            <a:extLst>
-              <a:ext uri="{FF2B5EF4-FFF2-40B4-BE49-F238E27FC236}">
-                <a16:creationId xmlns:a16="http://schemas.microsoft.com/office/drawing/2014/main" id="{BDED5400-C39E-4737-97AF-0263C5A5BF72}"/>
-              </a:ext>
-            </a:extLst>
-          </p:cNvPr>
+            <a:endParaRPr lang="en-US" dirty="0"/>
+          </a:p>
+        </p:txBody>
+      </p:sp>
+      <p:sp>
+        <p:nvSpPr>
+          <p:cNvPr id="4" name="Text Placeholder 3"/>
           <p:cNvSpPr>
             <a:spLocks noGrp="1"/>
           </p:cNvSpPr>
@@ -2312,46 +4235,48 @@
         </p:nvSpPr>
         <p:spPr>
           <a:xfrm>
-            <a:off x="839788" y="2057400"/>
-            <a:ext cx="3932237" cy="3811588"/>
+            <a:off x="677334" y="2777069"/>
+            <a:ext cx="3854528" cy="2584449"/>
           </a:xfrm>
         </p:spPr>
         <p:txBody>
-          <a:bodyPr/>
+          <a:bodyPr>
+            <a:normAutofit/>
+          </a:bodyPr>
           <a:lstStyle>
             <a:lvl1pPr marL="0" indent="0">
               <a:buNone/>
-              <a:defRPr sz="1600"/>
+              <a:defRPr sz="1400"/>
             </a:lvl1pPr>
-            <a:lvl2pPr marL="457200" indent="0">
+            <a:lvl2pPr marL="457063" indent="0">
               <a:buNone/>
               <a:defRPr sz="1400"/>
             </a:lvl2pPr>
-            <a:lvl3pPr marL="914400" indent="0">
+            <a:lvl3pPr marL="914126" indent="0">
               <a:buNone/>
               <a:defRPr sz="1200"/>
             </a:lvl3pPr>
-            <a:lvl4pPr marL="1371600" indent="0">
+            <a:lvl4pPr marL="1371189" indent="0">
               <a:buNone/>
               <a:defRPr sz="1000"/>
             </a:lvl4pPr>
-            <a:lvl5pPr marL="1828800" indent="0">
+            <a:lvl5pPr marL="1828251" indent="0">
               <a:buNone/>
               <a:defRPr sz="1000"/>
             </a:lvl5pPr>
-            <a:lvl6pPr marL="2286000" indent="0">
+            <a:lvl6pPr marL="2285314" indent="0">
               <a:buNone/>
               <a:defRPr sz="1000"/>
             </a:lvl6pPr>
-            <a:lvl7pPr marL="2743200" indent="0">
+            <a:lvl7pPr marL="2742377" indent="0">
               <a:buNone/>
               <a:defRPr sz="1000"/>
             </a:lvl7pPr>
-            <a:lvl8pPr marL="3200400" indent="0">
+            <a:lvl8pPr marL="3199440" indent="0">
               <a:buNone/>
               <a:defRPr sz="1000"/>
             </a:lvl8pPr>
-            <a:lvl9pPr marL="3657600" indent="0">
+            <a:lvl9pPr marL="3656503" indent="0">
               <a:buNone/>
               <a:defRPr sz="1000"/>
             </a:lvl9pPr>
@@ -2367,13 +4292,7 @@
       </p:sp>
       <p:sp>
         <p:nvSpPr>
-          <p:cNvPr id="5" name="Date Placeholder 4">
-            <a:extLst>
-              <a:ext uri="{FF2B5EF4-FFF2-40B4-BE49-F238E27FC236}">
-                <a16:creationId xmlns:a16="http://schemas.microsoft.com/office/drawing/2014/main" id="{5CC831C0-C2C3-4A0E-BFE4-3F79003188A2}"/>
-              </a:ext>
-            </a:extLst>
-          </p:cNvPr>
+          <p:cNvPr id="5" name="Date Placeholder 4"/>
           <p:cNvSpPr>
             <a:spLocks noGrp="1"/>
           </p:cNvSpPr>
@@ -2388,7 +4307,7 @@
           <a:p>
             <a:fld id="{AC714F42-76C4-4006-BEB4-649C7A95483C}" type="datetimeFigureOut">
               <a:rPr lang="en-US" smtClean="0"/>
-              <a:t>4/28/2021</a:t>
+              <a:t>4/29/2021</a:t>
             </a:fld>
             <a:endParaRPr lang="en-US"/>
           </a:p>
@@ -2396,13 +4315,7 @@
       </p:sp>
       <p:sp>
         <p:nvSpPr>
-          <p:cNvPr id="6" name="Footer Placeholder 5">
-            <a:extLst>
-              <a:ext uri="{FF2B5EF4-FFF2-40B4-BE49-F238E27FC236}">
-                <a16:creationId xmlns:a16="http://schemas.microsoft.com/office/drawing/2014/main" id="{42D39DAB-0FE7-4FFA-8E3A-56EC4BAABE11}"/>
-              </a:ext>
-            </a:extLst>
-          </p:cNvPr>
+          <p:cNvPr id="6" name="Footer Placeholder 5"/>
           <p:cNvSpPr>
             <a:spLocks noGrp="1"/>
           </p:cNvSpPr>
@@ -2421,13 +4334,7 @@
       </p:sp>
       <p:sp>
         <p:nvSpPr>
-          <p:cNvPr id="7" name="Slide Number Placeholder 6">
-            <a:extLst>
-              <a:ext uri="{FF2B5EF4-FFF2-40B4-BE49-F238E27FC236}">
-                <a16:creationId xmlns:a16="http://schemas.microsoft.com/office/drawing/2014/main" id="{C3075B56-34B0-4125-9E82-D22E8091C639}"/>
-              </a:ext>
-            </a:extLst>
-          </p:cNvPr>
+          <p:cNvPr id="7" name="Slide Number Placeholder 6"/>
           <p:cNvSpPr>
             <a:spLocks noGrp="1"/>
           </p:cNvSpPr>
@@ -2451,7 +4358,7 @@
     </p:spTree>
     <p:extLst>
       <p:ext uri="{BB962C8B-B14F-4D97-AF65-F5344CB8AC3E}">
-        <p14:creationId xmlns:p14="http://schemas.microsoft.com/office/powerpoint/2010/main" val="805549977"/>
+        <p14:creationId xmlns:p14="http://schemas.microsoft.com/office/powerpoint/2010/main" val="1770617450"/>
       </p:ext>
     </p:extLst>
   </p:cSld>
@@ -2480,13 +4387,7 @@
       </p:grpSpPr>
       <p:sp>
         <p:nvSpPr>
-          <p:cNvPr id="2" name="Title 1">
-            <a:extLst>
-              <a:ext uri="{FF2B5EF4-FFF2-40B4-BE49-F238E27FC236}">
-                <a16:creationId xmlns:a16="http://schemas.microsoft.com/office/drawing/2014/main" id="{5D432A98-B2C7-4C60-8F77-77C7DEAFB598}"/>
-              </a:ext>
-            </a:extLst>
-          </p:cNvPr>
+          <p:cNvPr id="2" name="Title 1"/>
           <p:cNvSpPr>
             <a:spLocks noGrp="1"/>
           </p:cNvSpPr>
@@ -2496,15 +4397,17 @@
         </p:nvSpPr>
         <p:spPr>
           <a:xfrm>
-            <a:off x="839788" y="457200"/>
-            <a:ext cx="3932237" cy="1600200"/>
+            <a:off x="677334" y="4800600"/>
+            <a:ext cx="8596667" cy="566738"/>
           </a:xfrm>
         </p:spPr>
         <p:txBody>
-          <a:bodyPr anchor="b"/>
+          <a:bodyPr anchor="b">
+            <a:normAutofit/>
+          </a:bodyPr>
           <a:lstStyle>
-            <a:lvl1pPr>
-              <a:defRPr sz="3200"/>
+            <a:lvl1pPr algn="l">
+              <a:defRPr sz="2400" b="0"/>
             </a:lvl1pPr>
           </a:lstStyle>
           <a:p>
@@ -2512,20 +4415,15 @@
               <a:rPr lang="en-US"/>
               <a:t>Click to edit Master title style</a:t>
             </a:r>
-          </a:p>
-        </p:txBody>
-      </p:sp>
-      <p:sp>
-        <p:nvSpPr>
-          <p:cNvPr id="3" name="Picture Placeholder 2">
-            <a:extLst>
-              <a:ext uri="{FF2B5EF4-FFF2-40B4-BE49-F238E27FC236}">
-                <a16:creationId xmlns:a16="http://schemas.microsoft.com/office/drawing/2014/main" id="{E081D7AC-61B5-4063-93BA-9F3629D314A9}"/>
-              </a:ext>
-            </a:extLst>
-          </p:cNvPr>
-          <p:cNvSpPr>
-            <a:spLocks noGrp="1"/>
+            <a:endParaRPr lang="en-US" dirty="0"/>
+          </a:p>
+        </p:txBody>
+      </p:sp>
+      <p:sp>
+        <p:nvSpPr>
+          <p:cNvPr id="3" name="Picture Placeholder 2"/>
+          <p:cNvSpPr>
+            <a:spLocks noGrp="1" noChangeAspect="1"/>
           </p:cNvSpPr>
           <p:nvPr>
             <p:ph type="pic" idx="1"/>
@@ -2533,118 +4431,120 @@
         </p:nvSpPr>
         <p:spPr>
           <a:xfrm>
-            <a:off x="5183188" y="987425"/>
-            <a:ext cx="6172200" cy="4873625"/>
+            <a:off x="677334" y="609600"/>
+            <a:ext cx="8596668" cy="3845718"/>
           </a:xfrm>
         </p:spPr>
         <p:txBody>
-          <a:bodyPr/>
+          <a:bodyPr anchor="t">
+            <a:normAutofit/>
+          </a:bodyPr>
           <a:lstStyle>
-            <a:lvl1pPr marL="0" indent="0">
-              <a:buNone/>
-              <a:defRPr sz="3200"/>
-            </a:lvl1pPr>
-            <a:lvl2pPr marL="457200" indent="0">
-              <a:buNone/>
-              <a:defRPr sz="2800"/>
-            </a:lvl2pPr>
-            <a:lvl3pPr marL="914400" indent="0">
-              <a:buNone/>
-              <a:defRPr sz="2400"/>
-            </a:lvl3pPr>
-            <a:lvl4pPr marL="1371600" indent="0">
-              <a:buNone/>
-              <a:defRPr sz="2000"/>
-            </a:lvl4pPr>
-            <a:lvl5pPr marL="1828800" indent="0">
-              <a:buNone/>
-              <a:defRPr sz="2000"/>
-            </a:lvl5pPr>
-            <a:lvl6pPr marL="2286000" indent="0">
-              <a:buNone/>
-              <a:defRPr sz="2000"/>
-            </a:lvl6pPr>
-            <a:lvl7pPr marL="2743200" indent="0">
-              <a:buNone/>
-              <a:defRPr sz="2000"/>
-            </a:lvl7pPr>
-            <a:lvl8pPr marL="3200400" indent="0">
-              <a:buNone/>
-              <a:defRPr sz="2000"/>
-            </a:lvl8pPr>
-            <a:lvl9pPr marL="3657600" indent="0">
-              <a:buNone/>
-              <a:defRPr sz="2000"/>
-            </a:lvl9pPr>
-          </a:lstStyle>
-          <a:p>
-            <a:endParaRPr lang="en-US"/>
-          </a:p>
-        </p:txBody>
-      </p:sp>
-      <p:sp>
-        <p:nvSpPr>
-          <p:cNvPr id="4" name="Text Placeholder 3">
-            <a:extLst>
-              <a:ext uri="{FF2B5EF4-FFF2-40B4-BE49-F238E27FC236}">
-                <a16:creationId xmlns:a16="http://schemas.microsoft.com/office/drawing/2014/main" id="{2C398F40-B056-43C2-85D6-6992C40D6C3A}"/>
-              </a:ext>
-            </a:extLst>
-          </p:cNvPr>
-          <p:cNvSpPr>
-            <a:spLocks noGrp="1"/>
-          </p:cNvSpPr>
-          <p:nvPr>
-            <p:ph type="body" sz="half" idx="2"/>
-          </p:nvPr>
-        </p:nvSpPr>
-        <p:spPr>
-          <a:xfrm>
-            <a:off x="839788" y="2057400"/>
-            <a:ext cx="3932237" cy="3811588"/>
-          </a:xfrm>
-        </p:spPr>
-        <p:txBody>
-          <a:bodyPr/>
-          <a:lstStyle>
-            <a:lvl1pPr marL="0" indent="0">
+            <a:lvl1pPr marL="0" indent="0" algn="ctr">
               <a:buNone/>
               <a:defRPr sz="1600"/>
             </a:lvl1pPr>
             <a:lvl2pPr marL="457200" indent="0">
               <a:buNone/>
-              <a:defRPr sz="1400"/>
+              <a:defRPr sz="1600"/>
             </a:lvl2pPr>
             <a:lvl3pPr marL="914400" indent="0">
               <a:buNone/>
-              <a:defRPr sz="1200"/>
+              <a:defRPr sz="1600"/>
             </a:lvl3pPr>
             <a:lvl4pPr marL="1371600" indent="0">
               <a:buNone/>
-              <a:defRPr sz="1000"/>
+              <a:defRPr sz="1600"/>
             </a:lvl4pPr>
             <a:lvl5pPr marL="1828800" indent="0">
               <a:buNone/>
-              <a:defRPr sz="1000"/>
+              <a:defRPr sz="1600"/>
             </a:lvl5pPr>
             <a:lvl6pPr marL="2286000" indent="0">
               <a:buNone/>
-              <a:defRPr sz="1000"/>
+              <a:defRPr sz="1600"/>
             </a:lvl6pPr>
             <a:lvl7pPr marL="2743200" indent="0">
               <a:buNone/>
-              <a:defRPr sz="1000"/>
+              <a:defRPr sz="1600"/>
             </a:lvl7pPr>
             <a:lvl8pPr marL="3200400" indent="0">
               <a:buNone/>
-              <a:defRPr sz="1000"/>
+              <a:defRPr sz="1600"/>
             </a:lvl8pPr>
             <a:lvl9pPr marL="3657600" indent="0">
               <a:buNone/>
-              <a:defRPr sz="1000"/>
+              <a:defRPr sz="1600"/>
             </a:lvl9pPr>
           </a:lstStyle>
           <a:p>
+            <a:r>
+              <a:rPr lang="en-US"/>
+              <a:t>Click icon to add picture</a:t>
+            </a:r>
+            <a:endParaRPr lang="en-US" dirty="0"/>
+          </a:p>
+        </p:txBody>
+      </p:sp>
+      <p:sp>
+        <p:nvSpPr>
+          <p:cNvPr id="4" name="Text Placeholder 3"/>
+          <p:cNvSpPr>
+            <a:spLocks noGrp="1"/>
+          </p:cNvSpPr>
+          <p:nvPr>
+            <p:ph type="body" sz="half" idx="2"/>
+          </p:nvPr>
+        </p:nvSpPr>
+        <p:spPr>
+          <a:xfrm>
+            <a:off x="677334" y="5367338"/>
+            <a:ext cx="8596667" cy="674024"/>
+          </a:xfrm>
+        </p:spPr>
+        <p:txBody>
+          <a:bodyPr>
+            <a:normAutofit/>
+          </a:bodyPr>
+          <a:lstStyle>
+            <a:lvl1pPr marL="0" indent="0">
+              <a:buNone/>
+              <a:defRPr sz="1200"/>
+            </a:lvl1pPr>
+            <a:lvl2pPr marL="457200" indent="0">
+              <a:buNone/>
+              <a:defRPr sz="1200"/>
+            </a:lvl2pPr>
+            <a:lvl3pPr marL="914400" indent="0">
+              <a:buNone/>
+              <a:defRPr sz="1000"/>
+            </a:lvl3pPr>
+            <a:lvl4pPr marL="1371600" indent="0">
+              <a:buNone/>
+              <a:defRPr sz="900"/>
+            </a:lvl4pPr>
+            <a:lvl5pPr marL="1828800" indent="0">
+              <a:buNone/>
+              <a:defRPr sz="900"/>
+            </a:lvl5pPr>
+            <a:lvl6pPr marL="2286000" indent="0">
+              <a:buNone/>
+              <a:defRPr sz="900"/>
+            </a:lvl6pPr>
+            <a:lvl7pPr marL="2743200" indent="0">
+              <a:buNone/>
+              <a:defRPr sz="900"/>
+            </a:lvl7pPr>
+            <a:lvl8pPr marL="3200400" indent="0">
+              <a:buNone/>
+              <a:defRPr sz="900"/>
+            </a:lvl8pPr>
+            <a:lvl9pPr marL="3657600" indent="0">
+              <a:buNone/>
+              <a:defRPr sz="900"/>
+            </a:lvl9pPr>
+          </a:lstStyle>
+          <a:p>
             <a:pPr lvl="0"/>
             <a:r>
               <a:rPr lang="en-US"/>
@@ -2655,13 +4555,7 @@
       </p:sp>
       <p:sp>
         <p:nvSpPr>
-          <p:cNvPr id="5" name="Date Placeholder 4">
-            <a:extLst>
-              <a:ext uri="{FF2B5EF4-FFF2-40B4-BE49-F238E27FC236}">
-                <a16:creationId xmlns:a16="http://schemas.microsoft.com/office/drawing/2014/main" id="{ED673990-D47B-4B47-8385-E20373668AFE}"/>
-              </a:ext>
-            </a:extLst>
-          </p:cNvPr>
+          <p:cNvPr id="5" name="Date Placeholder 4"/>
           <p:cNvSpPr>
             <a:spLocks noGrp="1"/>
           </p:cNvSpPr>
@@ -2676,7 +4570,7 @@
           <a:p>
             <a:fld id="{AC714F42-76C4-4006-BEB4-649C7A95483C}" type="datetimeFigureOut">
               <a:rPr lang="en-US" smtClean="0"/>
-              <a:t>4/28/2021</a:t>
+              <a:t>4/29/2021</a:t>
             </a:fld>
             <a:endParaRPr lang="en-US"/>
           </a:p>
@@ -2684,13 +4578,7 @@
       </p:sp>
       <p:sp>
         <p:nvSpPr>
-          <p:cNvPr id="6" name="Footer Placeholder 5">
-            <a:extLst>
-              <a:ext uri="{FF2B5EF4-FFF2-40B4-BE49-F238E27FC236}">
-                <a16:creationId xmlns:a16="http://schemas.microsoft.com/office/drawing/2014/main" id="{B2E1FB2E-160A-449F-BE4D-59C6D464A6A1}"/>
-              </a:ext>
-            </a:extLst>
-          </p:cNvPr>
+          <p:cNvPr id="6" name="Footer Placeholder 5"/>
           <p:cNvSpPr>
             <a:spLocks noGrp="1"/>
           </p:cNvSpPr>
@@ -2709,13 +4597,7 @@
       </p:sp>
       <p:sp>
         <p:nvSpPr>
-          <p:cNvPr id="7" name="Slide Number Placeholder 6">
-            <a:extLst>
-              <a:ext uri="{FF2B5EF4-FFF2-40B4-BE49-F238E27FC236}">
-                <a16:creationId xmlns:a16="http://schemas.microsoft.com/office/drawing/2014/main" id="{96A331A5-9728-4FD7-A714-BB9D9B8734DC}"/>
-              </a:ext>
-            </a:extLst>
-          </p:cNvPr>
+          <p:cNvPr id="7" name="Slide Number Placeholder 6"/>
           <p:cNvSpPr>
             <a:spLocks noGrp="1"/>
           </p:cNvSpPr>
@@ -2739,7 +4621,7 @@
     </p:spTree>
     <p:extLst>
       <p:ext uri="{BB962C8B-B14F-4D97-AF65-F5344CB8AC3E}">
-        <p14:creationId xmlns:p14="http://schemas.microsoft.com/office/powerpoint/2010/main" val="658380952"/>
+        <p14:creationId xmlns:p14="http://schemas.microsoft.com/office/powerpoint/2010/main" val="3171806379"/>
       </p:ext>
     </p:extLst>
   </p:cSld>
@@ -2771,15 +4653,539 @@
           <a:chExt cx="0" cy="0"/>
         </a:xfrm>
       </p:grpSpPr>
-      <p:sp>
-        <p:nvSpPr>
-          <p:cNvPr id="2" name="Title Placeholder 1">
-            <a:extLst>
-              <a:ext uri="{FF2B5EF4-FFF2-40B4-BE49-F238E27FC236}">
-                <a16:creationId xmlns:a16="http://schemas.microsoft.com/office/drawing/2014/main" id="{6072C715-2A9D-4988-933E-C09A60842C79}"/>
-              </a:ext>
-            </a:extLst>
-          </p:cNvPr>
+      <p:grpSp>
+        <p:nvGrpSpPr>
+          <p:cNvPr id="7" name="Group 6"/>
+          <p:cNvGrpSpPr/>
+          <p:nvPr/>
+        </p:nvGrpSpPr>
+        <p:grpSpPr>
+          <a:xfrm>
+            <a:off x="0" y="-8467"/>
+            <a:ext cx="12192000" cy="6866467"/>
+            <a:chOff x="0" y="-8467"/>
+            <a:chExt cx="12192000" cy="6866467"/>
+          </a:xfrm>
+        </p:grpSpPr>
+        <p:cxnSp>
+          <p:nvCxnSpPr>
+            <p:cNvPr id="20" name="Straight Connector 19"/>
+            <p:cNvCxnSpPr/>
+            <p:nvPr/>
+          </p:nvCxnSpPr>
+          <p:spPr>
+            <a:xfrm>
+              <a:off x="9371012" y="0"/>
+              <a:ext cx="1219200" cy="6858000"/>
+            </a:xfrm>
+            <a:prstGeom prst="line">
+              <a:avLst/>
+            </a:prstGeom>
+            <a:ln w="9525">
+              <a:solidFill>
+                <a:schemeClr val="bg1">
+                  <a:lumMod val="75000"/>
+                </a:schemeClr>
+              </a:solidFill>
+            </a:ln>
+          </p:spPr>
+          <p:style>
+            <a:lnRef idx="2">
+              <a:schemeClr val="accent1"/>
+            </a:lnRef>
+            <a:fillRef idx="0">
+              <a:schemeClr val="accent1"/>
+            </a:fillRef>
+            <a:effectRef idx="1">
+              <a:schemeClr val="accent1"/>
+            </a:effectRef>
+            <a:fontRef idx="minor">
+              <a:schemeClr val="tx1"/>
+            </a:fontRef>
+          </p:style>
+        </p:cxnSp>
+        <p:cxnSp>
+          <p:nvCxnSpPr>
+            <p:cNvPr id="21" name="Straight Connector 20"/>
+            <p:cNvCxnSpPr/>
+            <p:nvPr/>
+          </p:nvCxnSpPr>
+          <p:spPr>
+            <a:xfrm flipH="1">
+              <a:off x="7425267" y="3681413"/>
+              <a:ext cx="4763558" cy="3176587"/>
+            </a:xfrm>
+            <a:prstGeom prst="line">
+              <a:avLst/>
+            </a:prstGeom>
+            <a:ln w="9525">
+              <a:solidFill>
+                <a:schemeClr val="bg1">
+                  <a:lumMod val="85000"/>
+                </a:schemeClr>
+              </a:solidFill>
+            </a:ln>
+          </p:spPr>
+          <p:style>
+            <a:lnRef idx="2">
+              <a:schemeClr val="accent1"/>
+            </a:lnRef>
+            <a:fillRef idx="0">
+              <a:schemeClr val="accent1"/>
+            </a:fillRef>
+            <a:effectRef idx="1">
+              <a:schemeClr val="accent1"/>
+            </a:effectRef>
+            <a:fontRef idx="minor">
+              <a:schemeClr val="tx1"/>
+            </a:fontRef>
+          </p:style>
+        </p:cxnSp>
+        <p:sp>
+          <p:nvSpPr>
+            <p:cNvPr id="22" name="Rectangle 23"/>
+            <p:cNvSpPr/>
+            <p:nvPr/>
+          </p:nvSpPr>
+          <p:spPr>
+            <a:xfrm>
+              <a:off x="9181476" y="-8467"/>
+              <a:ext cx="3007349" cy="6866467"/>
+            </a:xfrm>
+            <a:custGeom>
+              <a:avLst/>
+              <a:gdLst/>
+              <a:ahLst/>
+              <a:cxnLst/>
+              <a:rect l="l" t="t" r="r" b="b"/>
+              <a:pathLst>
+                <a:path w="3007349" h="6866467">
+                  <a:moveTo>
+                    <a:pt x="2045532" y="0"/>
+                  </a:moveTo>
+                  <a:lnTo>
+                    <a:pt x="3007349" y="0"/>
+                  </a:lnTo>
+                  <a:lnTo>
+                    <a:pt x="3007349" y="6866467"/>
+                  </a:lnTo>
+                  <a:lnTo>
+                    <a:pt x="0" y="6866467"/>
+                  </a:lnTo>
+                  <a:lnTo>
+                    <a:pt x="2045532" y="0"/>
+                  </a:lnTo>
+                  <a:close/>
+                </a:path>
+              </a:pathLst>
+            </a:custGeom>
+            <a:solidFill>
+              <a:schemeClr val="accent1">
+                <a:alpha val="30000"/>
+              </a:schemeClr>
+            </a:solidFill>
+            <a:ln>
+              <a:noFill/>
+            </a:ln>
+            <a:effectLst/>
+          </p:spPr>
+          <p:style>
+            <a:lnRef idx="1">
+              <a:schemeClr val="accent1"/>
+            </a:lnRef>
+            <a:fillRef idx="3">
+              <a:schemeClr val="accent1"/>
+            </a:fillRef>
+            <a:effectRef idx="2">
+              <a:schemeClr val="accent1"/>
+            </a:effectRef>
+            <a:fontRef idx="minor">
+              <a:schemeClr val="lt1"/>
+            </a:fontRef>
+          </p:style>
+        </p:sp>
+        <p:sp>
+          <p:nvSpPr>
+            <p:cNvPr id="23" name="Rectangle 25"/>
+            <p:cNvSpPr/>
+            <p:nvPr/>
+          </p:nvSpPr>
+          <p:spPr>
+            <a:xfrm>
+              <a:off x="9603442" y="-8467"/>
+              <a:ext cx="2588558" cy="6866467"/>
+            </a:xfrm>
+            <a:custGeom>
+              <a:avLst/>
+              <a:gdLst/>
+              <a:ahLst/>
+              <a:cxnLst/>
+              <a:rect l="l" t="t" r="r" b="b"/>
+              <a:pathLst>
+                <a:path w="2573311" h="6866467">
+                  <a:moveTo>
+                    <a:pt x="0" y="0"/>
+                  </a:moveTo>
+                  <a:lnTo>
+                    <a:pt x="2573311" y="0"/>
+                  </a:lnTo>
+                  <a:lnTo>
+                    <a:pt x="2573311" y="6866467"/>
+                  </a:lnTo>
+                  <a:lnTo>
+                    <a:pt x="1202336" y="6866467"/>
+                  </a:lnTo>
+                  <a:lnTo>
+                    <a:pt x="0" y="0"/>
+                  </a:lnTo>
+                  <a:close/>
+                </a:path>
+              </a:pathLst>
+            </a:custGeom>
+            <a:solidFill>
+              <a:schemeClr val="accent1">
+                <a:alpha val="20000"/>
+              </a:schemeClr>
+            </a:solidFill>
+            <a:ln>
+              <a:noFill/>
+            </a:ln>
+            <a:effectLst/>
+          </p:spPr>
+          <p:style>
+            <a:lnRef idx="1">
+              <a:schemeClr val="accent1"/>
+            </a:lnRef>
+            <a:fillRef idx="3">
+              <a:schemeClr val="accent1"/>
+            </a:fillRef>
+            <a:effectRef idx="2">
+              <a:schemeClr val="accent1"/>
+            </a:effectRef>
+            <a:fontRef idx="minor">
+              <a:schemeClr val="lt1"/>
+            </a:fontRef>
+          </p:style>
+        </p:sp>
+        <p:sp>
+          <p:nvSpPr>
+            <p:cNvPr id="24" name="Isosceles Triangle 23"/>
+            <p:cNvSpPr/>
+            <p:nvPr/>
+          </p:nvSpPr>
+          <p:spPr>
+            <a:xfrm>
+              <a:off x="8932333" y="3048000"/>
+              <a:ext cx="3259667" cy="3810000"/>
+            </a:xfrm>
+            <a:prstGeom prst="triangle">
+              <a:avLst>
+                <a:gd name="adj" fmla="val 100000"/>
+              </a:avLst>
+            </a:prstGeom>
+            <a:solidFill>
+              <a:schemeClr val="accent2">
+                <a:alpha val="72000"/>
+              </a:schemeClr>
+            </a:solidFill>
+            <a:ln>
+              <a:noFill/>
+            </a:ln>
+            <a:effectLst/>
+          </p:spPr>
+          <p:style>
+            <a:lnRef idx="1">
+              <a:schemeClr val="accent1"/>
+            </a:lnRef>
+            <a:fillRef idx="3">
+              <a:schemeClr val="accent1"/>
+            </a:fillRef>
+            <a:effectRef idx="2">
+              <a:schemeClr val="accent1"/>
+            </a:effectRef>
+            <a:fontRef idx="minor">
+              <a:schemeClr val="lt1"/>
+            </a:fontRef>
+          </p:style>
+        </p:sp>
+        <p:sp>
+          <p:nvSpPr>
+            <p:cNvPr id="25" name="Rectangle 27"/>
+            <p:cNvSpPr/>
+            <p:nvPr/>
+          </p:nvSpPr>
+          <p:spPr>
+            <a:xfrm>
+              <a:off x="9334500" y="-8467"/>
+              <a:ext cx="2854326" cy="6866467"/>
+            </a:xfrm>
+            <a:custGeom>
+              <a:avLst/>
+              <a:gdLst/>
+              <a:ahLst/>
+              <a:cxnLst/>
+              <a:rect l="l" t="t" r="r" b="b"/>
+              <a:pathLst>
+                <a:path w="2858013" h="6866467">
+                  <a:moveTo>
+                    <a:pt x="0" y="0"/>
+                  </a:moveTo>
+                  <a:lnTo>
+                    <a:pt x="2858013" y="0"/>
+                  </a:lnTo>
+                  <a:lnTo>
+                    <a:pt x="2858013" y="6866467"/>
+                  </a:lnTo>
+                  <a:lnTo>
+                    <a:pt x="2473942" y="6866467"/>
+                  </a:lnTo>
+                  <a:lnTo>
+                    <a:pt x="0" y="0"/>
+                  </a:lnTo>
+                  <a:close/>
+                </a:path>
+              </a:pathLst>
+            </a:custGeom>
+            <a:solidFill>
+              <a:schemeClr val="accent2">
+                <a:lumMod val="75000"/>
+                <a:alpha val="70000"/>
+              </a:schemeClr>
+            </a:solidFill>
+            <a:ln>
+              <a:noFill/>
+            </a:ln>
+            <a:effectLst/>
+          </p:spPr>
+          <p:style>
+            <a:lnRef idx="1">
+              <a:schemeClr val="accent1"/>
+            </a:lnRef>
+            <a:fillRef idx="3">
+              <a:schemeClr val="accent1"/>
+            </a:fillRef>
+            <a:effectRef idx="2">
+              <a:schemeClr val="accent1"/>
+            </a:effectRef>
+            <a:fontRef idx="minor">
+              <a:schemeClr val="lt1"/>
+            </a:fontRef>
+          </p:style>
+        </p:sp>
+        <p:sp>
+          <p:nvSpPr>
+            <p:cNvPr id="26" name="Rectangle 28"/>
+            <p:cNvSpPr/>
+            <p:nvPr/>
+          </p:nvSpPr>
+          <p:spPr>
+            <a:xfrm>
+              <a:off x="10898730" y="-8467"/>
+              <a:ext cx="1290094" cy="6866467"/>
+            </a:xfrm>
+            <a:custGeom>
+              <a:avLst/>
+              <a:gdLst/>
+              <a:ahLst/>
+              <a:cxnLst/>
+              <a:rect l="l" t="t" r="r" b="b"/>
+              <a:pathLst>
+                <a:path w="1290094" h="6858000">
+                  <a:moveTo>
+                    <a:pt x="1019735" y="0"/>
+                  </a:moveTo>
+                  <a:lnTo>
+                    <a:pt x="1290094" y="0"/>
+                  </a:lnTo>
+                  <a:lnTo>
+                    <a:pt x="1290094" y="6858000"/>
+                  </a:lnTo>
+                  <a:lnTo>
+                    <a:pt x="0" y="6858000"/>
+                  </a:lnTo>
+                  <a:lnTo>
+                    <a:pt x="1019735" y="0"/>
+                  </a:lnTo>
+                  <a:close/>
+                </a:path>
+              </a:pathLst>
+            </a:custGeom>
+            <a:solidFill>
+              <a:schemeClr val="accent1">
+                <a:lumMod val="60000"/>
+                <a:lumOff val="40000"/>
+                <a:alpha val="70000"/>
+              </a:schemeClr>
+            </a:solidFill>
+            <a:ln>
+              <a:noFill/>
+            </a:ln>
+            <a:effectLst/>
+          </p:spPr>
+          <p:style>
+            <a:lnRef idx="1">
+              <a:schemeClr val="accent1"/>
+            </a:lnRef>
+            <a:fillRef idx="3">
+              <a:schemeClr val="accent1"/>
+            </a:fillRef>
+            <a:effectRef idx="2">
+              <a:schemeClr val="accent1"/>
+            </a:effectRef>
+            <a:fontRef idx="minor">
+              <a:schemeClr val="lt1"/>
+            </a:fontRef>
+          </p:style>
+        </p:sp>
+        <p:sp>
+          <p:nvSpPr>
+            <p:cNvPr id="27" name="Rectangle 29"/>
+            <p:cNvSpPr/>
+            <p:nvPr/>
+          </p:nvSpPr>
+          <p:spPr>
+            <a:xfrm>
+              <a:off x="10938999" y="-8467"/>
+              <a:ext cx="1249825" cy="6866467"/>
+            </a:xfrm>
+            <a:custGeom>
+              <a:avLst/>
+              <a:gdLst/>
+              <a:ahLst/>
+              <a:cxnLst/>
+              <a:rect l="l" t="t" r="r" b="b"/>
+              <a:pathLst>
+                <a:path w="1249825" h="6858000">
+                  <a:moveTo>
+                    <a:pt x="0" y="0"/>
+                  </a:moveTo>
+                  <a:lnTo>
+                    <a:pt x="1249825" y="0"/>
+                  </a:lnTo>
+                  <a:lnTo>
+                    <a:pt x="1249825" y="6858000"/>
+                  </a:lnTo>
+                  <a:lnTo>
+                    <a:pt x="1109382" y="6858000"/>
+                  </a:lnTo>
+                  <a:lnTo>
+                    <a:pt x="0" y="0"/>
+                  </a:lnTo>
+                  <a:close/>
+                </a:path>
+              </a:pathLst>
+            </a:custGeom>
+            <a:solidFill>
+              <a:schemeClr val="accent1">
+                <a:alpha val="65000"/>
+              </a:schemeClr>
+            </a:solidFill>
+            <a:ln>
+              <a:noFill/>
+            </a:ln>
+            <a:effectLst/>
+          </p:spPr>
+          <p:style>
+            <a:lnRef idx="1">
+              <a:schemeClr val="accent1"/>
+            </a:lnRef>
+            <a:fillRef idx="3">
+              <a:schemeClr val="accent1"/>
+            </a:fillRef>
+            <a:effectRef idx="2">
+              <a:schemeClr val="accent1"/>
+            </a:effectRef>
+            <a:fontRef idx="minor">
+              <a:schemeClr val="lt1"/>
+            </a:fontRef>
+          </p:style>
+        </p:sp>
+        <p:sp>
+          <p:nvSpPr>
+            <p:cNvPr id="28" name="Isosceles Triangle 27"/>
+            <p:cNvSpPr/>
+            <p:nvPr/>
+          </p:nvSpPr>
+          <p:spPr>
+            <a:xfrm>
+              <a:off x="10371666" y="3589867"/>
+              <a:ext cx="1817159" cy="3268133"/>
+            </a:xfrm>
+            <a:prstGeom prst="triangle">
+              <a:avLst>
+                <a:gd name="adj" fmla="val 100000"/>
+              </a:avLst>
+            </a:prstGeom>
+            <a:solidFill>
+              <a:schemeClr val="accent1">
+                <a:alpha val="80000"/>
+              </a:schemeClr>
+            </a:solidFill>
+            <a:ln>
+              <a:noFill/>
+            </a:ln>
+            <a:effectLst/>
+          </p:spPr>
+          <p:style>
+            <a:lnRef idx="1">
+              <a:schemeClr val="accent1"/>
+            </a:lnRef>
+            <a:fillRef idx="3">
+              <a:schemeClr val="accent1"/>
+            </a:fillRef>
+            <a:effectRef idx="2">
+              <a:schemeClr val="accent1"/>
+            </a:effectRef>
+            <a:fontRef idx="minor">
+              <a:schemeClr val="lt1"/>
+            </a:fontRef>
+          </p:style>
+        </p:sp>
+        <p:sp>
+          <p:nvSpPr>
+            <p:cNvPr id="29" name="Isosceles Triangle 28"/>
+            <p:cNvSpPr/>
+            <p:nvPr/>
+          </p:nvSpPr>
+          <p:spPr>
+            <a:xfrm>
+              <a:off x="0" y="4013200"/>
+              <a:ext cx="448733" cy="2844800"/>
+            </a:xfrm>
+            <a:prstGeom prst="triangle">
+              <a:avLst>
+                <a:gd name="adj" fmla="val 0"/>
+              </a:avLst>
+            </a:prstGeom>
+            <a:solidFill>
+              <a:schemeClr val="accent1">
+                <a:alpha val="85000"/>
+              </a:schemeClr>
+            </a:solidFill>
+            <a:ln>
+              <a:noFill/>
+            </a:ln>
+            <a:effectLst/>
+          </p:spPr>
+          <p:style>
+            <a:lnRef idx="1">
+              <a:schemeClr val="accent1"/>
+            </a:lnRef>
+            <a:fillRef idx="3">
+              <a:schemeClr val="accent1"/>
+            </a:fillRef>
+            <a:effectRef idx="2">
+              <a:schemeClr val="accent1"/>
+            </a:effectRef>
+            <a:fontRef idx="minor">
+              <a:schemeClr val="lt1"/>
+            </a:fontRef>
+          </p:style>
+        </p:sp>
+      </p:grpSp>
+      <p:sp>
+        <p:nvSpPr>
+          <p:cNvPr id="2" name="Title Placeholder 1"/>
           <p:cNvSpPr>
             <a:spLocks noGrp="1"/>
           </p:cNvSpPr>
@@ -2789,15 +5195,15 @@
         </p:nvSpPr>
         <p:spPr>
           <a:xfrm>
-            <a:off x="838200" y="365125"/>
-            <a:ext cx="10515600" cy="1325563"/>
+            <a:off x="677334" y="609600"/>
+            <a:ext cx="8596668" cy="1320800"/>
           </a:xfrm>
           <a:prstGeom prst="rect">
             <a:avLst/>
           </a:prstGeom>
         </p:spPr>
         <p:txBody>
-          <a:bodyPr vert="horz" lIns="91440" tIns="45720" rIns="91440" bIns="45720" rtlCol="0" anchor="ctr">
+          <a:bodyPr vert="horz" lIns="91440" tIns="45720" rIns="91440" bIns="45720" rtlCol="0" anchor="t">
             <a:normAutofit/>
           </a:bodyPr>
           <a:lstStyle/>
@@ -2806,18 +5212,13 @@
               <a:rPr lang="en-US"/>
               <a:t>Click to edit Master title style</a:t>
             </a:r>
-          </a:p>
-        </p:txBody>
-      </p:sp>
-      <p:sp>
-        <p:nvSpPr>
-          <p:cNvPr id="3" name="Text Placeholder 2">
-            <a:extLst>
-              <a:ext uri="{FF2B5EF4-FFF2-40B4-BE49-F238E27FC236}">
-                <a16:creationId xmlns:a16="http://schemas.microsoft.com/office/drawing/2014/main" id="{541C74FD-F2CC-43A5-AB13-026C62FBB48A}"/>
-              </a:ext>
-            </a:extLst>
-          </p:cNvPr>
+            <a:endParaRPr lang="en-US" dirty="0"/>
+          </a:p>
+        </p:txBody>
+      </p:sp>
+      <p:sp>
+        <p:nvSpPr>
+          <p:cNvPr id="3" name="Text Placeholder 2"/>
           <p:cNvSpPr>
             <a:spLocks noGrp="1"/>
           </p:cNvSpPr>
@@ -2827,8 +5228,8 @@
         </p:nvSpPr>
         <p:spPr>
           <a:xfrm>
-            <a:off x="838200" y="1825625"/>
-            <a:ext cx="10515600" cy="4351338"/>
+            <a:off x="677334" y="2160589"/>
+            <a:ext cx="8596668" cy="3880773"/>
           </a:xfrm>
           <a:prstGeom prst="rect">
             <a:avLst/>
@@ -2873,18 +5274,13 @@
               <a:rPr lang="en-US"/>
               <a:t>Fifth level</a:t>
             </a:r>
-          </a:p>
-        </p:txBody>
-      </p:sp>
-      <p:sp>
-        <p:nvSpPr>
-          <p:cNvPr id="4" name="Date Placeholder 3">
-            <a:extLst>
-              <a:ext uri="{FF2B5EF4-FFF2-40B4-BE49-F238E27FC236}">
-                <a16:creationId xmlns:a16="http://schemas.microsoft.com/office/drawing/2014/main" id="{3CF19975-3509-4A88-88A2-F187D5667324}"/>
-              </a:ext>
-            </a:extLst>
-          </p:cNvPr>
+            <a:endParaRPr lang="en-US" dirty="0"/>
+          </a:p>
+        </p:txBody>
+      </p:sp>
+      <p:sp>
+        <p:nvSpPr>
+          <p:cNvPr id="4" name="Date Placeholder 3"/>
           <p:cNvSpPr>
             <a:spLocks noGrp="1"/>
           </p:cNvSpPr>
@@ -2894,8 +5290,8 @@
         </p:nvSpPr>
         <p:spPr>
           <a:xfrm>
-            <a:off x="838200" y="6356350"/>
-            <a:ext cx="2743200" cy="365125"/>
+            <a:off x="7205133" y="6041362"/>
+            <a:ext cx="911939" cy="365125"/>
           </a:xfrm>
           <a:prstGeom prst="rect">
             <a:avLst/>
@@ -2904,8 +5300,8 @@
         <p:txBody>
           <a:bodyPr vert="horz" lIns="91440" tIns="45720" rIns="91440" bIns="45720" rtlCol="0" anchor="ctr"/>
           <a:lstStyle>
-            <a:lvl1pPr algn="l">
-              <a:defRPr sz="1200">
+            <a:lvl1pPr algn="r">
+              <a:defRPr sz="900">
                 <a:solidFill>
                   <a:schemeClr val="tx1">
                     <a:tint val="75000"/>
@@ -2917,7 +5313,7 @@
           <a:p>
             <a:fld id="{AC714F42-76C4-4006-BEB4-649C7A95483C}" type="datetimeFigureOut">
               <a:rPr lang="en-US" smtClean="0"/>
-              <a:t>4/28/2021</a:t>
+              <a:t>4/29/2021</a:t>
             </a:fld>
             <a:endParaRPr lang="en-US"/>
           </a:p>
@@ -2925,13 +5321,7 @@
       </p:sp>
       <p:sp>
         <p:nvSpPr>
-          <p:cNvPr id="5" name="Footer Placeholder 4">
-            <a:extLst>
-              <a:ext uri="{FF2B5EF4-FFF2-40B4-BE49-F238E27FC236}">
-                <a16:creationId xmlns:a16="http://schemas.microsoft.com/office/drawing/2014/main" id="{174B5E48-CA3E-489B-A99F-2BAAC230C0C1}"/>
-              </a:ext>
-            </a:extLst>
-          </p:cNvPr>
+          <p:cNvPr id="5" name="Footer Placeholder 4"/>
           <p:cNvSpPr>
             <a:spLocks noGrp="1"/>
           </p:cNvSpPr>
@@ -2941,8 +5331,8 @@
         </p:nvSpPr>
         <p:spPr>
           <a:xfrm>
-            <a:off x="4038600" y="6356350"/>
-            <a:ext cx="4114800" cy="365125"/>
+            <a:off x="677334" y="6041362"/>
+            <a:ext cx="6297612" cy="365125"/>
           </a:xfrm>
           <a:prstGeom prst="rect">
             <a:avLst/>
@@ -2951,8 +5341,8 @@
         <p:txBody>
           <a:bodyPr vert="horz" lIns="91440" tIns="45720" rIns="91440" bIns="45720" rtlCol="0" anchor="ctr"/>
           <a:lstStyle>
-            <a:lvl1pPr algn="ctr">
-              <a:defRPr sz="1200">
+            <a:lvl1pPr algn="l">
+              <a:defRPr sz="900">
                 <a:solidFill>
                   <a:schemeClr val="tx1">
                     <a:tint val="75000"/>
@@ -2968,13 +5358,7 @@
       </p:sp>
       <p:sp>
         <p:nvSpPr>
-          <p:cNvPr id="6" name="Slide Number Placeholder 5">
-            <a:extLst>
-              <a:ext uri="{FF2B5EF4-FFF2-40B4-BE49-F238E27FC236}">
-                <a16:creationId xmlns:a16="http://schemas.microsoft.com/office/drawing/2014/main" id="{3B3B34A2-4A3B-48C9-AD13-873AA80F2275}"/>
-              </a:ext>
-            </a:extLst>
-          </p:cNvPr>
+          <p:cNvPr id="6" name="Slide Number Placeholder 5"/>
           <p:cNvSpPr>
             <a:spLocks noGrp="1"/>
           </p:cNvSpPr>
@@ -2984,8 +5368,8 @@
         </p:nvSpPr>
         <p:spPr>
           <a:xfrm>
-            <a:off x="8610600" y="6356350"/>
-            <a:ext cx="2743200" cy="365125"/>
+            <a:off x="8590663" y="6041362"/>
+            <a:ext cx="683339" cy="365125"/>
           </a:xfrm>
           <a:prstGeom prst="rect">
             <a:avLst/>
@@ -2995,11 +5379,9 @@
           <a:bodyPr vert="horz" lIns="91440" tIns="45720" rIns="91440" bIns="45720" rtlCol="0" anchor="ctr"/>
           <a:lstStyle>
             <a:lvl1pPr algn="r">
-              <a:defRPr sz="1200">
+              <a:defRPr sz="900">
                 <a:solidFill>
-                  <a:schemeClr val="tx1">
-                    <a:tint val="75000"/>
-                  </a:schemeClr>
+                  <a:schemeClr val="accent1"/>
                 </a:solidFill>
               </a:defRPr>
             </a:lvl1pPr>
@@ -3016,201 +5398,322 @@
     </p:spTree>
     <p:extLst>
       <p:ext uri="{BB962C8B-B14F-4D97-AF65-F5344CB8AC3E}">
-        <p14:creationId xmlns:p14="http://schemas.microsoft.com/office/powerpoint/2010/main" val="2907568931"/>
+        <p14:creationId xmlns:p14="http://schemas.microsoft.com/office/powerpoint/2010/main" val="2187834772"/>
       </p:ext>
     </p:extLst>
   </p:cSld>
   <p:clrMap bg1="lt1" tx1="dk1" bg2="lt2" tx2="dk2" accent1="accent1" accent2="accent2" accent3="accent3" accent4="accent4" accent5="accent5" accent6="accent6" hlink="hlink" folHlink="folHlink"/>
   <p:sldLayoutIdLst>
-    <p:sldLayoutId id="2147483649" r:id="rId1"/>
-    <p:sldLayoutId id="2147483650" r:id="rId2"/>
-    <p:sldLayoutId id="2147483651" r:id="rId3"/>
-    <p:sldLayoutId id="2147483652" r:id="rId4"/>
-    <p:sldLayoutId id="2147483653" r:id="rId5"/>
-    <p:sldLayoutId id="2147483654" r:id="rId6"/>
-    <p:sldLayoutId id="2147483655" r:id="rId7"/>
-    <p:sldLayoutId id="2147483656" r:id="rId8"/>
-    <p:sldLayoutId id="2147483657" r:id="rId9"/>
-    <p:sldLayoutId id="2147483658" r:id="rId10"/>
-    <p:sldLayoutId id="2147483659" r:id="rId11"/>
+    <p:sldLayoutId id="2147483661" r:id="rId1"/>
+    <p:sldLayoutId id="2147483662" r:id="rId2"/>
+    <p:sldLayoutId id="2147483663" r:id="rId3"/>
+    <p:sldLayoutId id="2147483664" r:id="rId4"/>
+    <p:sldLayoutId id="2147483665" r:id="rId5"/>
+    <p:sldLayoutId id="2147483666" r:id="rId6"/>
+    <p:sldLayoutId id="2147483667" r:id="rId7"/>
+    <p:sldLayoutId id="2147483668" r:id="rId8"/>
+    <p:sldLayoutId id="2147483669" r:id="rId9"/>
+    <p:sldLayoutId id="2147483670" r:id="rId10"/>
+    <p:sldLayoutId id="2147483671" r:id="rId11"/>
+    <p:sldLayoutId id="2147483672" r:id="rId12"/>
+    <p:sldLayoutId id="2147483673" r:id="rId13"/>
+    <p:sldLayoutId id="2147483674" r:id="rId14"/>
+    <p:sldLayoutId id="2147483675" r:id="rId15"/>
+    <p:sldLayoutId id="2147483676" r:id="rId16"/>
   </p:sldLayoutIdLst>
   <p:txStyles>
     <p:titleStyle>
-      <a:lvl1pPr algn="l" defTabSz="914400" rtl="0" eaLnBrk="1" latinLnBrk="0" hangingPunct="1">
-        <a:lnSpc>
-          <a:spcPct val="90000"/>
-        </a:lnSpc>
+      <a:lvl1pPr algn="l" defTabSz="457200" rtl="0" eaLnBrk="1" latinLnBrk="0" hangingPunct="1">
         <a:spcBef>
           <a:spcPct val="0"/>
         </a:spcBef>
         <a:buNone/>
-        <a:defRPr sz="4400" kern="1200">
+        <a:defRPr sz="3600" kern="1200">
           <a:solidFill>
-            <a:schemeClr val="tx1"/>
+            <a:schemeClr val="accent1"/>
           </a:solidFill>
           <a:latin typeface="+mj-lt"/>
           <a:ea typeface="+mj-ea"/>
           <a:cs typeface="+mj-cs"/>
         </a:defRPr>
       </a:lvl1pPr>
+      <a:lvl2pPr eaLnBrk="1" hangingPunct="1">
+        <a:defRPr>
+          <a:solidFill>
+            <a:schemeClr val="tx2"/>
+          </a:solidFill>
+        </a:defRPr>
+      </a:lvl2pPr>
+      <a:lvl3pPr eaLnBrk="1" hangingPunct="1">
+        <a:defRPr>
+          <a:solidFill>
+            <a:schemeClr val="tx2"/>
+          </a:solidFill>
+        </a:defRPr>
+      </a:lvl3pPr>
+      <a:lvl4pPr eaLnBrk="1" hangingPunct="1">
+        <a:defRPr>
+          <a:solidFill>
+            <a:schemeClr val="tx2"/>
+          </a:solidFill>
+        </a:defRPr>
+      </a:lvl4pPr>
+      <a:lvl5pPr eaLnBrk="1" hangingPunct="1">
+        <a:defRPr>
+          <a:solidFill>
+            <a:schemeClr val="tx2"/>
+          </a:solidFill>
+        </a:defRPr>
+      </a:lvl5pPr>
+      <a:lvl6pPr eaLnBrk="1" hangingPunct="1">
+        <a:defRPr>
+          <a:solidFill>
+            <a:schemeClr val="tx2"/>
+          </a:solidFill>
+        </a:defRPr>
+      </a:lvl6pPr>
+      <a:lvl7pPr eaLnBrk="1" hangingPunct="1">
+        <a:defRPr>
+          <a:solidFill>
+            <a:schemeClr val="tx2"/>
+          </a:solidFill>
+        </a:defRPr>
+      </a:lvl7pPr>
+      <a:lvl8pPr eaLnBrk="1" hangingPunct="1">
+        <a:defRPr>
+          <a:solidFill>
+            <a:schemeClr val="tx2"/>
+          </a:solidFill>
+        </a:defRPr>
+      </a:lvl8pPr>
+      <a:lvl9pPr eaLnBrk="1" hangingPunct="1">
+        <a:defRPr>
+          <a:solidFill>
+            <a:schemeClr val="tx2"/>
+          </a:solidFill>
+        </a:defRPr>
+      </a:lvl9pPr>
     </p:titleStyle>
     <p:bodyStyle>
-      <a:lvl1pPr marL="228600" indent="-228600" algn="l" defTabSz="914400" rtl="0" eaLnBrk="1" latinLnBrk="0" hangingPunct="1">
-        <a:lnSpc>
-          <a:spcPct val="90000"/>
-        </a:lnSpc>
+      <a:lvl1pPr marL="342900" indent="-342900" algn="l" defTabSz="457200" rtl="0" eaLnBrk="1" latinLnBrk="0" hangingPunct="1">
         <a:spcBef>
           <a:spcPts val="1000"/>
         </a:spcBef>
-        <a:buFont typeface="Arial" panose="020B0604020202020204" pitchFamily="34" charset="0"/>
-        <a:buChar char="•"/>
-        <a:defRPr sz="2800" kern="1200">
+        <a:spcAft>
+          <a:spcPts val="0"/>
+        </a:spcAft>
+        <a:buClr>
+          <a:schemeClr val="accent1"/>
+        </a:buClr>
+        <a:buSzPct val="80000"/>
+        <a:buFont typeface="Wingdings 3" charset="2"/>
+        <a:buChar char=""/>
+        <a:defRPr sz="1800" kern="1200">
           <a:solidFill>
-            <a:schemeClr val="tx1"/>
+            <a:schemeClr val="tx1">
+              <a:lumMod val="75000"/>
+              <a:lumOff val="25000"/>
+            </a:schemeClr>
           </a:solidFill>
           <a:latin typeface="+mn-lt"/>
           <a:ea typeface="+mn-ea"/>
           <a:cs typeface="+mn-cs"/>
         </a:defRPr>
       </a:lvl1pPr>
-      <a:lvl2pPr marL="685800" indent="-228600" algn="l" defTabSz="914400" rtl="0" eaLnBrk="1" latinLnBrk="0" hangingPunct="1">
-        <a:lnSpc>
-          <a:spcPct val="90000"/>
-        </a:lnSpc>
+      <a:lvl2pPr marL="742950" indent="-285750" algn="l" defTabSz="457200" rtl="0" eaLnBrk="1" latinLnBrk="0" hangingPunct="1">
         <a:spcBef>
-          <a:spcPts val="500"/>
+          <a:spcPts val="1000"/>
         </a:spcBef>
-        <a:buFont typeface="Arial" panose="020B0604020202020204" pitchFamily="34" charset="0"/>
-        <a:buChar char="•"/>
-        <a:defRPr sz="2400" kern="1200">
+        <a:spcAft>
+          <a:spcPts val="0"/>
+        </a:spcAft>
+        <a:buClr>
+          <a:schemeClr val="accent1"/>
+        </a:buClr>
+        <a:buSzPct val="80000"/>
+        <a:buFont typeface="Wingdings 3" charset="2"/>
+        <a:buChar char=""/>
+        <a:defRPr sz="1600" kern="1200">
           <a:solidFill>
-            <a:schemeClr val="tx1"/>
+            <a:schemeClr val="tx1">
+              <a:lumMod val="75000"/>
+              <a:lumOff val="25000"/>
+            </a:schemeClr>
           </a:solidFill>
           <a:latin typeface="+mn-lt"/>
           <a:ea typeface="+mn-ea"/>
           <a:cs typeface="+mn-cs"/>
         </a:defRPr>
       </a:lvl2pPr>
-      <a:lvl3pPr marL="1143000" indent="-228600" algn="l" defTabSz="914400" rtl="0" eaLnBrk="1" latinLnBrk="0" hangingPunct="1">
-        <a:lnSpc>
-          <a:spcPct val="90000"/>
-        </a:lnSpc>
+      <a:lvl3pPr marL="1143000" indent="-228600" algn="l" defTabSz="457200" rtl="0" eaLnBrk="1" latinLnBrk="0" hangingPunct="1">
         <a:spcBef>
-          <a:spcPts val="500"/>
+          <a:spcPts val="1000"/>
         </a:spcBef>
-        <a:buFont typeface="Arial" panose="020B0604020202020204" pitchFamily="34" charset="0"/>
-        <a:buChar char="•"/>
-        <a:defRPr sz="2000" kern="1200">
+        <a:spcAft>
+          <a:spcPts val="0"/>
+        </a:spcAft>
+        <a:buClr>
+          <a:schemeClr val="accent1"/>
+        </a:buClr>
+        <a:buSzPct val="80000"/>
+        <a:buFont typeface="Wingdings 3" charset="2"/>
+        <a:buChar char=""/>
+        <a:defRPr sz="1400" kern="1200">
           <a:solidFill>
-            <a:schemeClr val="tx1"/>
+            <a:schemeClr val="tx1">
+              <a:lumMod val="75000"/>
+              <a:lumOff val="25000"/>
+            </a:schemeClr>
           </a:solidFill>
           <a:latin typeface="+mn-lt"/>
           <a:ea typeface="+mn-ea"/>
           <a:cs typeface="+mn-cs"/>
         </a:defRPr>
       </a:lvl3pPr>
-      <a:lvl4pPr marL="1600200" indent="-228600" algn="l" defTabSz="914400" rtl="0" eaLnBrk="1" latinLnBrk="0" hangingPunct="1">
-        <a:lnSpc>
-          <a:spcPct val="90000"/>
-        </a:lnSpc>
+      <a:lvl4pPr marL="1600200" indent="-228600" algn="l" defTabSz="457200" rtl="0" eaLnBrk="1" latinLnBrk="0" hangingPunct="1">
         <a:spcBef>
-          <a:spcPts val="500"/>
+          <a:spcPts val="1000"/>
         </a:spcBef>
-        <a:buFont typeface="Arial" panose="020B0604020202020204" pitchFamily="34" charset="0"/>
-        <a:buChar char="•"/>
-        <a:defRPr sz="1800" kern="1200">
+        <a:spcAft>
+          <a:spcPts val="0"/>
+        </a:spcAft>
+        <a:buClr>
+          <a:schemeClr val="accent1"/>
+        </a:buClr>
+        <a:buSzPct val="80000"/>
+        <a:buFont typeface="Wingdings 3" charset="2"/>
+        <a:buChar char=""/>
+        <a:defRPr sz="1200" kern="1200">
           <a:solidFill>
-            <a:schemeClr val="tx1"/>
+            <a:schemeClr val="tx1">
+              <a:lumMod val="75000"/>
+              <a:lumOff val="25000"/>
+            </a:schemeClr>
           </a:solidFill>
           <a:latin typeface="+mn-lt"/>
           <a:ea typeface="+mn-ea"/>
           <a:cs typeface="+mn-cs"/>
         </a:defRPr>
       </a:lvl4pPr>
-      <a:lvl5pPr marL="2057400" indent="-228600" algn="l" defTabSz="914400" rtl="0" eaLnBrk="1" latinLnBrk="0" hangingPunct="1">
-        <a:lnSpc>
-          <a:spcPct val="90000"/>
-        </a:lnSpc>
+      <a:lvl5pPr marL="2057400" indent="-228600" algn="l" defTabSz="457200" rtl="0" eaLnBrk="1" latinLnBrk="0" hangingPunct="1">
         <a:spcBef>
-          <a:spcPts val="500"/>
+          <a:spcPts val="1000"/>
         </a:spcBef>
-        <a:buFont typeface="Arial" panose="020B0604020202020204" pitchFamily="34" charset="0"/>
-        <a:buChar char="•"/>
-        <a:defRPr sz="1800" kern="1200">
+        <a:spcAft>
+          <a:spcPts val="0"/>
+        </a:spcAft>
+        <a:buClr>
+          <a:schemeClr val="accent1"/>
+        </a:buClr>
+        <a:buSzPct val="80000"/>
+        <a:buFont typeface="Wingdings 3" charset="2"/>
+        <a:buChar char=""/>
+        <a:defRPr sz="1200" kern="1200">
           <a:solidFill>
-            <a:schemeClr val="tx1"/>
+            <a:schemeClr val="tx1">
+              <a:lumMod val="75000"/>
+              <a:lumOff val="25000"/>
+            </a:schemeClr>
           </a:solidFill>
           <a:latin typeface="+mn-lt"/>
           <a:ea typeface="+mn-ea"/>
           <a:cs typeface="+mn-cs"/>
         </a:defRPr>
       </a:lvl5pPr>
-      <a:lvl6pPr marL="2514600" indent="-228600" algn="l" defTabSz="914400" rtl="0" eaLnBrk="1" latinLnBrk="0" hangingPunct="1">
-        <a:lnSpc>
-          <a:spcPct val="90000"/>
-        </a:lnSpc>
+      <a:lvl6pPr marL="2514600" indent="-228600" algn="l" defTabSz="457200" rtl="0" eaLnBrk="1" latinLnBrk="0" hangingPunct="1">
         <a:spcBef>
-          <a:spcPts val="500"/>
+          <a:spcPts val="1000"/>
         </a:spcBef>
-        <a:buFont typeface="Arial" panose="020B0604020202020204" pitchFamily="34" charset="0"/>
-        <a:buChar char="•"/>
-        <a:defRPr sz="1800" kern="1200">
+        <a:spcAft>
+          <a:spcPts val="0"/>
+        </a:spcAft>
+        <a:buClr>
+          <a:schemeClr val="accent1"/>
+        </a:buClr>
+        <a:buSzPct val="80000"/>
+        <a:buFont typeface="Wingdings 3" charset="2"/>
+        <a:buChar char=""/>
+        <a:defRPr sz="1200" kern="1200">
           <a:solidFill>
-            <a:schemeClr val="tx1"/>
+            <a:schemeClr val="tx1">
+              <a:lumMod val="75000"/>
+              <a:lumOff val="25000"/>
+            </a:schemeClr>
           </a:solidFill>
           <a:latin typeface="+mn-lt"/>
           <a:ea typeface="+mn-ea"/>
           <a:cs typeface="+mn-cs"/>
         </a:defRPr>
       </a:lvl6pPr>
-      <a:lvl7pPr marL="2971800" indent="-228600" algn="l" defTabSz="914400" rtl="0" eaLnBrk="1" latinLnBrk="0" hangingPunct="1">
-        <a:lnSpc>
-          <a:spcPct val="90000"/>
-        </a:lnSpc>
+      <a:lvl7pPr marL="2971800" indent="-228600" algn="l" defTabSz="457200" rtl="0" eaLnBrk="1" latinLnBrk="0" hangingPunct="1">
         <a:spcBef>
-          <a:spcPts val="500"/>
+          <a:spcPts val="1000"/>
         </a:spcBef>
-        <a:buFont typeface="Arial" panose="020B0604020202020204" pitchFamily="34" charset="0"/>
-        <a:buChar char="•"/>
-        <a:defRPr sz="1800" kern="1200">
+        <a:spcAft>
+          <a:spcPts val="0"/>
+        </a:spcAft>
+        <a:buClr>
+          <a:schemeClr val="accent1"/>
+        </a:buClr>
+        <a:buSzPct val="80000"/>
+        <a:buFont typeface="Wingdings 3" charset="2"/>
+        <a:buChar char=""/>
+        <a:defRPr sz="1200" kern="1200">
           <a:solidFill>
-            <a:schemeClr val="tx1"/>
+            <a:schemeClr val="tx1">
+              <a:lumMod val="75000"/>
+              <a:lumOff val="25000"/>
+            </a:schemeClr>
           </a:solidFill>
           <a:latin typeface="+mn-lt"/>
           <a:ea typeface="+mn-ea"/>
           <a:cs typeface="+mn-cs"/>
         </a:defRPr>
       </a:lvl7pPr>
-      <a:lvl8pPr marL="3429000" indent="-228600" algn="l" defTabSz="914400" rtl="0" eaLnBrk="1" latinLnBrk="0" hangingPunct="1">
-        <a:lnSpc>
-          <a:spcPct val="90000"/>
-        </a:lnSpc>
+      <a:lvl8pPr marL="3429000" indent="-228600" algn="l" defTabSz="457200" rtl="0" eaLnBrk="1" latinLnBrk="0" hangingPunct="1">
         <a:spcBef>
-          <a:spcPts val="500"/>
+          <a:spcPts val="1000"/>
         </a:spcBef>
-        <a:buFont typeface="Arial" panose="020B0604020202020204" pitchFamily="34" charset="0"/>
-        <a:buChar char="•"/>
-        <a:defRPr sz="1800" kern="1200">
+        <a:spcAft>
+          <a:spcPts val="0"/>
+        </a:spcAft>
+        <a:buClr>
+          <a:schemeClr val="accent1"/>
+        </a:buClr>
+        <a:buSzPct val="80000"/>
+        <a:buFont typeface="Wingdings 3" charset="2"/>
+        <a:buChar char=""/>
+        <a:defRPr sz="1200" kern="1200">
           <a:solidFill>
-            <a:schemeClr val="tx1"/>
+            <a:schemeClr val="tx1">
+              <a:lumMod val="75000"/>
+              <a:lumOff val="25000"/>
+            </a:schemeClr>
           </a:solidFill>
           <a:latin typeface="+mn-lt"/>
           <a:ea typeface="+mn-ea"/>
           <a:cs typeface="+mn-cs"/>
         </a:defRPr>
       </a:lvl8pPr>
-      <a:lvl9pPr marL="3886200" indent="-228600" algn="l" defTabSz="914400" rtl="0" eaLnBrk="1" latinLnBrk="0" hangingPunct="1">
-        <a:lnSpc>
-          <a:spcPct val="90000"/>
-        </a:lnSpc>
+      <a:lvl9pPr marL="3886200" indent="-228600" algn="l" defTabSz="457200" rtl="0" eaLnBrk="1" latinLnBrk="0" hangingPunct="1">
         <a:spcBef>
-          <a:spcPts val="500"/>
+          <a:spcPts val="1000"/>
         </a:spcBef>
-        <a:buFont typeface="Arial" panose="020B0604020202020204" pitchFamily="34" charset="0"/>
-        <a:buChar char="•"/>
-        <a:defRPr sz="1800" kern="1200">
+        <a:spcAft>
+          <a:spcPts val="0"/>
+        </a:spcAft>
+        <a:buClr>
+          <a:schemeClr val="accent1"/>
+        </a:buClr>
+        <a:buSzPct val="80000"/>
+        <a:buFont typeface="Wingdings 3" charset="2"/>
+        <a:buChar char=""/>
+        <a:defRPr sz="1200" kern="1200">
           <a:solidFill>
-            <a:schemeClr val="tx1"/>
+            <a:schemeClr val="tx1">
+              <a:lumMod val="75000"/>
+              <a:lumOff val="25000"/>
+            </a:schemeClr>
           </a:solidFill>
           <a:latin typeface="+mn-lt"/>
           <a:ea typeface="+mn-ea"/>
@@ -3222,7 +5725,7 @@
       <a:defPPr>
         <a:defRPr lang="en-US"/>
       </a:defPPr>
-      <a:lvl1pPr marL="0" algn="l" defTabSz="914400" rtl="0" eaLnBrk="1" latinLnBrk="0" hangingPunct="1">
+      <a:lvl1pPr marL="0" algn="l" defTabSz="457200" rtl="0" eaLnBrk="1" latinLnBrk="0" hangingPunct="1">
         <a:defRPr sz="1800" kern="1200">
           <a:solidFill>
             <a:schemeClr val="tx1"/>
@@ -3232,7 +5735,7 @@
           <a:cs typeface="+mn-cs"/>
         </a:defRPr>
       </a:lvl1pPr>
-      <a:lvl2pPr marL="457200" algn="l" defTabSz="914400" rtl="0" eaLnBrk="1" latinLnBrk="0" hangingPunct="1">
+      <a:lvl2pPr marL="457200" algn="l" defTabSz="457200" rtl="0" eaLnBrk="1" latinLnBrk="0" hangingPunct="1">
         <a:defRPr sz="1800" kern="1200">
           <a:solidFill>
             <a:schemeClr val="tx1"/>
@@ -3242,7 +5745,7 @@
           <a:cs typeface="+mn-cs"/>
         </a:defRPr>
       </a:lvl2pPr>
-      <a:lvl3pPr marL="914400" algn="l" defTabSz="914400" rtl="0" eaLnBrk="1" latinLnBrk="0" hangingPunct="1">
+      <a:lvl3pPr marL="914400" algn="l" defTabSz="457200" rtl="0" eaLnBrk="1" latinLnBrk="0" hangingPunct="1">
         <a:defRPr sz="1800" kern="1200">
           <a:solidFill>
             <a:schemeClr val="tx1"/>
@@ -3252,7 +5755,7 @@
           <a:cs typeface="+mn-cs"/>
         </a:defRPr>
       </a:lvl3pPr>
-      <a:lvl4pPr marL="1371600" algn="l" defTabSz="914400" rtl="0" eaLnBrk="1" latinLnBrk="0" hangingPunct="1">
+      <a:lvl4pPr marL="1371600" algn="l" defTabSz="457200" rtl="0" eaLnBrk="1" latinLnBrk="0" hangingPunct="1">
         <a:defRPr sz="1800" kern="1200">
           <a:solidFill>
             <a:schemeClr val="tx1"/>
@@ -3262,7 +5765,7 @@
           <a:cs typeface="+mn-cs"/>
         </a:defRPr>
       </a:lvl4pPr>
-      <a:lvl5pPr marL="1828800" algn="l" defTabSz="914400" rtl="0" eaLnBrk="1" latinLnBrk="0" hangingPunct="1">
+      <a:lvl5pPr marL="1828800" algn="l" defTabSz="457200" rtl="0" eaLnBrk="1" latinLnBrk="0" hangingPunct="1">
         <a:defRPr sz="1800" kern="1200">
           <a:solidFill>
             <a:schemeClr val="tx1"/>
@@ -3272,7 +5775,7 @@
           <a:cs typeface="+mn-cs"/>
         </a:defRPr>
       </a:lvl5pPr>
-      <a:lvl6pPr marL="2286000" algn="l" defTabSz="914400" rtl="0" eaLnBrk="1" latinLnBrk="0" hangingPunct="1">
+      <a:lvl6pPr marL="2286000" algn="l" defTabSz="457200" rtl="0" eaLnBrk="1" latinLnBrk="0" hangingPunct="1">
         <a:defRPr sz="1800" kern="1200">
           <a:solidFill>
             <a:schemeClr val="tx1"/>
@@ -3282,7 +5785,7 @@
           <a:cs typeface="+mn-cs"/>
         </a:defRPr>
       </a:lvl6pPr>
-      <a:lvl7pPr marL="2743200" algn="l" defTabSz="914400" rtl="0" eaLnBrk="1" latinLnBrk="0" hangingPunct="1">
+      <a:lvl7pPr marL="2743200" algn="l" defTabSz="457200" rtl="0" eaLnBrk="1" latinLnBrk="0" hangingPunct="1">
         <a:defRPr sz="1800" kern="1200">
           <a:solidFill>
             <a:schemeClr val="tx1"/>
@@ -3292,7 +5795,7 @@
           <a:cs typeface="+mn-cs"/>
         </a:defRPr>
       </a:lvl7pPr>
-      <a:lvl8pPr marL="3200400" algn="l" defTabSz="914400" rtl="0" eaLnBrk="1" latinLnBrk="0" hangingPunct="1">
+      <a:lvl8pPr marL="3200400" algn="l" defTabSz="457200" rtl="0" eaLnBrk="1" latinLnBrk="0" hangingPunct="1">
         <a:defRPr sz="1800" kern="1200">
           <a:solidFill>
             <a:schemeClr val="tx1"/>
@@ -3302,7 +5805,7 @@
           <a:cs typeface="+mn-cs"/>
         </a:defRPr>
       </a:lvl8pPr>
-      <a:lvl9pPr marL="3657600" algn="l" defTabSz="914400" rtl="0" eaLnBrk="1" latinLnBrk="0" hangingPunct="1">
+      <a:lvl9pPr marL="3657600" algn="l" defTabSz="457200" rtl="0" eaLnBrk="1" latinLnBrk="0" hangingPunct="1">
         <a:defRPr sz="1800" kern="1200">
           <a:solidFill>
             <a:schemeClr val="tx1"/>
@@ -3320,6 +5823,14 @@
 <file path=ppt/slides/slide1.xml><?xml version="1.0" encoding="utf-8"?>
 <p:sld xmlns:a="http://schemas.openxmlformats.org/drawingml/2006/main" xmlns:r="http://schemas.openxmlformats.org/officeDocument/2006/relationships" xmlns:p="http://schemas.openxmlformats.org/presentationml/2006/main">
   <p:cSld>
+    <p:bg>
+      <p:bgPr>
+        <a:solidFill>
+          <a:schemeClr val="bg1"/>
+        </a:solidFill>
+        <a:effectLst/>
+      </p:bgPr>
+    </p:bg>
     <p:spTree>
       <p:nvGrpSpPr>
         <p:cNvPr id="1" name=""/>
@@ -3350,14 +5861,22 @@
             <p:ph type="ctrTitle"/>
           </p:nvPr>
         </p:nvSpPr>
-        <p:spPr/>
-        <p:txBody>
-          <a:bodyPr/>
-          <a:lstStyle/>
-          <a:p>
+        <p:spPr>
+          <a:xfrm>
+            <a:off x="4974337" y="1265314"/>
+            <a:ext cx="4299666" cy="3249131"/>
+          </a:xfrm>
+        </p:spPr>
+        <p:txBody>
+          <a:bodyPr>
+            <a:normAutofit/>
+          </a:bodyPr>
+          <a:lstStyle/>
+          <a:p>
+            <a:pPr algn="l"/>
             <a:r>
               <a:rPr lang="en-US" dirty="0"/>
-              <a:t>Meal Plan Manager</a:t>
+              <a:t>Meal Planner</a:t>
             </a:r>
           </a:p>
         </p:txBody>
@@ -3378,18 +5897,124 @@
             <p:ph type="subTitle" idx="1"/>
           </p:nvPr>
         </p:nvSpPr>
-        <p:spPr/>
-        <p:txBody>
-          <a:bodyPr/>
-          <a:lstStyle/>
-          <a:p>
+        <p:spPr>
+          <a:xfrm>
+            <a:off x="4974336" y="4514446"/>
+            <a:ext cx="4299666" cy="871042"/>
+          </a:xfrm>
+        </p:spPr>
+        <p:txBody>
+          <a:bodyPr>
+            <a:normAutofit/>
+          </a:bodyPr>
+          <a:lstStyle/>
+          <a:p>
+            <a:pPr algn="l"/>
             <a:r>
               <a:rPr lang="en-US" dirty="0"/>
               <a:t>By Jessica, Jack, Matthew</a:t>
             </a:r>
-          </a:p>
-        </p:txBody>
-      </p:sp>
+            <a:endParaRPr lang="en-US"/>
+          </a:p>
+        </p:txBody>
+      </p:sp>
+      <p:sp>
+        <p:nvSpPr>
+          <p:cNvPr id="10" name="Isosceles Triangle 9">
+            <a:extLst>
+              <a:ext uri="{FF2B5EF4-FFF2-40B4-BE49-F238E27FC236}">
+                <a16:creationId xmlns:a16="http://schemas.microsoft.com/office/drawing/2014/main" id="{5A7802B6-FF37-40CF-A7E2-6F2A0D9A91EF}"/>
+              </a:ext>
+              <a:ext uri="{C183D7F6-B498-43B3-948B-1728B52AA6E4}">
+                <adec:decorative xmlns:adec="http://schemas.microsoft.com/office/drawing/2017/decorative" val="1"/>
+              </a:ext>
+            </a:extLst>
+          </p:cNvPr>
+          <p:cNvSpPr>
+            <a:spLocks noGrp="1" noRot="1" noChangeAspect="1" noMove="1" noResize="1" noEditPoints="1" noAdjustHandles="1" noChangeArrowheads="1" noChangeShapeType="1" noTextEdit="1"/>
+          </p:cNvSpPr>
+          <p:nvPr>
+            <p:extLst>
+              <p:ext uri="{386F3935-93C4-4BCD-93E2-E3B085C9AB24}">
+                <p16:designElem xmlns:p16="http://schemas.microsoft.com/office/powerpoint/2015/main" val="1"/>
+              </p:ext>
+            </p:extLst>
+          </p:nvPr>
+        </p:nvSpPr>
+        <p:spPr>
+          <a:xfrm rot="10800000">
+            <a:off x="3174" y="12700"/>
+            <a:ext cx="842596" cy="5666154"/>
+          </a:xfrm>
+          <a:prstGeom prst="triangle">
+            <a:avLst>
+              <a:gd name="adj" fmla="val 100000"/>
+            </a:avLst>
+          </a:prstGeom>
+          <a:solidFill>
+            <a:schemeClr val="accent1">
+              <a:alpha val="85000"/>
+            </a:schemeClr>
+          </a:solidFill>
+          <a:ln>
+            <a:noFill/>
+          </a:ln>
+          <a:effectLst/>
+        </p:spPr>
+        <p:style>
+          <a:lnRef idx="1">
+            <a:schemeClr val="accent1"/>
+          </a:lnRef>
+          <a:fillRef idx="3">
+            <a:schemeClr val="accent1"/>
+          </a:fillRef>
+          <a:effectRef idx="2">
+            <a:schemeClr val="accent1"/>
+          </a:effectRef>
+          <a:fontRef idx="minor">
+            <a:schemeClr val="lt1"/>
+          </a:fontRef>
+        </p:style>
+      </p:sp>
+      <p:pic>
+        <p:nvPicPr>
+          <p:cNvPr id="7" name="Graphic 6" descr="Fork and knife">
+            <a:extLst>
+              <a:ext uri="{FF2B5EF4-FFF2-40B4-BE49-F238E27FC236}">
+                <a16:creationId xmlns:a16="http://schemas.microsoft.com/office/drawing/2014/main" id="{0A81410B-9B00-4104-A289-2BC9AB76A743}"/>
+              </a:ext>
+            </a:extLst>
+          </p:cNvPr>
+          <p:cNvPicPr>
+            <a:picLocks noChangeAspect="1"/>
+          </p:cNvPicPr>
+          <p:nvPr/>
+        </p:nvPicPr>
+        <p:blipFill>
+          <a:blip r:embed="rId2">
+            <a:extLst>
+              <a:ext uri="{28A0092B-C50C-407E-A947-70E740481C1C}">
+                <a14:useLocalDpi xmlns:a14="http://schemas.microsoft.com/office/drawing/2010/main" val="0"/>
+              </a:ext>
+              <a:ext uri="{96DAC541-7B7A-43D3-8B79-37D633B846F1}">
+                <asvg:svgBlip xmlns:asvg="http://schemas.microsoft.com/office/drawing/2016/SVG/main" r:embed="rId3"/>
+              </a:ext>
+            </a:extLst>
+          </a:blip>
+          <a:stretch>
+            <a:fillRect/>
+          </a:stretch>
+        </p:blipFill>
+        <p:spPr>
+          <a:xfrm>
+            <a:off x="888604" y="1550139"/>
+            <a:ext cx="3765692" cy="3765692"/>
+          </a:xfrm>
+          <a:prstGeom prst="rect">
+            <a:avLst/>
+          </a:prstGeom>
+        </p:spPr>
+      </p:pic>
     </p:spTree>
     <p:extLst>
       <p:ext uri="{BB962C8B-B14F-4D97-AF65-F5344CB8AC3E}">
@@ -3466,15 +6091,17 @@
         </p:nvSpPr>
         <p:spPr/>
         <p:txBody>
-          <a:bodyPr/>
+          <a:bodyPr>
+            <a:normAutofit/>
+          </a:bodyPr>
           <a:lstStyle/>
           <a:p>
             <a:pPr marL="0" indent="0">
               <a:buNone/>
             </a:pPr>
             <a:r>
-              <a:rPr lang="en-US" dirty="0"/>
-              <a:t>The Meal Plan Manager reduces the work and stress of finding ideas for meals and creating shopping lists.  Automates and enhances the accuracy of creating a shopping list with the ingredients needed for a meal.</a:t>
+              <a:rPr lang="en-US" sz="2400" dirty="0"/>
+              <a:t>The Meal Planner reduces the work and stress of finding ideas for meals and creating shopping lists.  Automates and enhances the accuracy of creating a shopping list with the ingredients needed for a meal.</a:t>
             </a:r>
           </a:p>
           <a:p>
@@ -3482,7 +6109,7 @@
               <a:buNone/>
             </a:pPr>
             <a:r>
-              <a:rPr lang="en-US" dirty="0"/>
+              <a:rPr lang="en-US" sz="2400" dirty="0"/>
               <a:t>Manages a collection of recipes including instructions, ingredients and category.  Keep track of items in the user's fridge.  Manages the daily meal plans for each week.  Generates a shopping list with ingredients in a meal plan that are not in the user’s fridge.</a:t>
             </a:r>
           </a:p>
@@ -3577,8 +6204,8 @@
         </p:blipFill>
         <p:spPr bwMode="auto">
           <a:xfrm>
-            <a:off x="2857500" y="1690688"/>
-            <a:ext cx="5924550" cy="4210124"/>
+            <a:off x="1589103" y="1597981"/>
+            <a:ext cx="6624776" cy="4382730"/>
           </a:xfrm>
           <a:prstGeom prst="rect">
             <a:avLst/>
@@ -3665,116 +6292,118 @@
         </p:nvSpPr>
         <p:spPr/>
         <p:txBody>
-          <a:bodyPr/>
-          <a:lstStyle/>
-          <a:p>
-            <a:r>
-              <a:rPr lang="en-US" dirty="0"/>
+          <a:bodyPr>
+            <a:normAutofit/>
+          </a:bodyPr>
+          <a:lstStyle/>
+          <a:p>
+            <a:r>
+              <a:rPr lang="en-US" sz="2400" dirty="0"/>
               <a:t>recipe(ID, name, instructions, category)</a:t>
             </a:r>
           </a:p>
           <a:p>
             <a:r>
-              <a:rPr lang="en-US" dirty="0" err="1"/>
+              <a:rPr lang="en-US" sz="2400" dirty="0" err="1"/>
               <a:t>mealPlan</a:t>
             </a:r>
             <a:r>
-              <a:rPr lang="en-US" dirty="0"/>
+              <a:rPr lang="en-US" sz="2400" dirty="0"/>
               <a:t>(ID, type, date)</a:t>
             </a:r>
           </a:p>
           <a:p>
             <a:r>
-              <a:rPr lang="en-US" dirty="0"/>
+              <a:rPr lang="en-US" sz="2400" dirty="0"/>
               <a:t>fridge(ID)</a:t>
             </a:r>
           </a:p>
           <a:p>
             <a:r>
-              <a:rPr lang="en-US" dirty="0"/>
+              <a:rPr lang="en-US" sz="2400" dirty="0"/>
               <a:t>food(ID, name, group, calories, sugar, protein, sodium, fat, cholesterol, carbs)</a:t>
             </a:r>
           </a:p>
           <a:p>
             <a:r>
-              <a:rPr lang="en-US" dirty="0" err="1"/>
+              <a:rPr lang="en-US" sz="2400" dirty="0" err="1"/>
               <a:t>recipeMealPlan</a:t>
             </a:r>
             <a:r>
-              <a:rPr lang="en-US" dirty="0"/>
+              <a:rPr lang="en-US" sz="2400" dirty="0"/>
               <a:t>(</a:t>
             </a:r>
             <a:r>
-              <a:rPr lang="en-US" dirty="0" err="1"/>
+              <a:rPr lang="en-US" sz="2400" dirty="0" err="1"/>
               <a:t>recipeID</a:t>
             </a:r>
             <a:r>
-              <a:rPr lang="en-US" dirty="0"/>
+              <a:rPr lang="en-US" sz="2400" dirty="0"/>
               <a:t>, </a:t>
             </a:r>
             <a:r>
-              <a:rPr lang="en-US" dirty="0" err="1"/>
+              <a:rPr lang="en-US" sz="2400" dirty="0" err="1"/>
               <a:t>mealPlanID</a:t>
             </a:r>
             <a:r>
-              <a:rPr lang="en-US" dirty="0"/>
+              <a:rPr lang="en-US" sz="2400" dirty="0"/>
               <a:t>)</a:t>
             </a:r>
           </a:p>
           <a:p>
             <a:r>
-              <a:rPr lang="en-US" dirty="0" err="1"/>
+              <a:rPr lang="en-US" sz="2400" dirty="0" err="1"/>
               <a:t>fridgeFood</a:t>
             </a:r>
             <a:r>
-              <a:rPr lang="en-US" dirty="0"/>
+              <a:rPr lang="en-US" sz="2400" dirty="0"/>
               <a:t>(</a:t>
             </a:r>
             <a:r>
-              <a:rPr lang="en-US" dirty="0" err="1"/>
+              <a:rPr lang="en-US" sz="2400" dirty="0" err="1"/>
               <a:t>fridgeID</a:t>
             </a:r>
             <a:r>
-              <a:rPr lang="en-US" dirty="0"/>
+              <a:rPr lang="en-US" sz="2400" dirty="0"/>
               <a:t>, </a:t>
             </a:r>
             <a:r>
-              <a:rPr lang="en-US" dirty="0" err="1"/>
+              <a:rPr lang="en-US" sz="2400" dirty="0" err="1"/>
               <a:t>foodID</a:t>
             </a:r>
             <a:r>
-              <a:rPr lang="en-US" dirty="0"/>
+              <a:rPr lang="en-US" sz="2400" dirty="0"/>
               <a:t>, quantity)</a:t>
             </a:r>
           </a:p>
           <a:p>
             <a:r>
-              <a:rPr lang="en-US" dirty="0" err="1"/>
+              <a:rPr lang="en-US" sz="2400" dirty="0" err="1"/>
               <a:t>recipeFood</a:t>
             </a:r>
             <a:r>
-              <a:rPr lang="en-US" dirty="0"/>
+              <a:rPr lang="en-US" sz="2400" dirty="0"/>
               <a:t>(</a:t>
             </a:r>
             <a:r>
-              <a:rPr lang="en-US" dirty="0" err="1"/>
+              <a:rPr lang="en-US" sz="2400" dirty="0" err="1"/>
               <a:t>recipeID</a:t>
             </a:r>
             <a:r>
-              <a:rPr lang="en-US" dirty="0"/>
+              <a:rPr lang="en-US" sz="2400" dirty="0"/>
               <a:t>, </a:t>
             </a:r>
             <a:r>
-              <a:rPr lang="en-US" dirty="0" err="1"/>
+              <a:rPr lang="en-US" sz="2400" dirty="0" err="1"/>
               <a:t>foodID</a:t>
             </a:r>
             <a:r>
-              <a:rPr lang="en-US" dirty="0"/>
+              <a:rPr lang="en-US" sz="2400" dirty="0"/>
               <a:t>, quantity)</a:t>
             </a:r>
           </a:p>
           <a:p>
-            <a:endParaRPr lang="en-US" dirty="0"/>
+            <a:endParaRPr lang="en-US" sz="2400" dirty="0"/>
           </a:p>
         </p:txBody>
       </p:sp>
@@ -3858,91 +6487,91 @@
           <a:lstStyle/>
           <a:p>
             <a:r>
-              <a:rPr lang="en-US" dirty="0"/>
+              <a:rPr lang="en-US" sz="2400" dirty="0"/>
               <a:t>recipe: ID -&gt; name, instructions, category</a:t>
             </a:r>
           </a:p>
           <a:p>
             <a:r>
-              <a:rPr lang="en-US" dirty="0" err="1"/>
+              <a:rPr lang="en-US" sz="2400" dirty="0" err="1"/>
               <a:t>mealPlan</a:t>
             </a:r>
             <a:r>
-              <a:rPr lang="en-US" dirty="0"/>
+              <a:rPr lang="en-US" sz="2400" dirty="0"/>
               <a:t>: ID -&gt; (type, date), (date, type) -&gt; ID</a:t>
             </a:r>
           </a:p>
           <a:p>
             <a:r>
-              <a:rPr lang="en-US" dirty="0"/>
+              <a:rPr lang="en-US" sz="2400" dirty="0"/>
               <a:t>fridge: N/A</a:t>
             </a:r>
           </a:p>
           <a:p>
             <a:r>
-              <a:rPr lang="en-US" dirty="0"/>
+              <a:rPr lang="en-US" sz="2400" dirty="0"/>
               <a:t>food: ID -&gt; name, group, calories, sugar, protein, sodium, fat, cholesterol, carbs</a:t>
             </a:r>
           </a:p>
           <a:p>
             <a:r>
-              <a:rPr lang="en-US" dirty="0" err="1"/>
+              <a:rPr lang="en-US" sz="2400" dirty="0" err="1"/>
               <a:t>recipeMealPlan</a:t>
             </a:r>
             <a:r>
-              <a:rPr lang="en-US" dirty="0"/>
+              <a:rPr lang="en-US" sz="2400" dirty="0"/>
               <a:t>: N/A</a:t>
             </a:r>
           </a:p>
           <a:p>
             <a:r>
-              <a:rPr lang="en-US" dirty="0" err="1"/>
+              <a:rPr lang="en-US" sz="2400" dirty="0" err="1"/>
               <a:t>fridgeFood</a:t>
             </a:r>
             <a:r>
-              <a:rPr lang="en-US" dirty="0"/>
+              <a:rPr lang="en-US" sz="2400" dirty="0"/>
               <a:t>: </a:t>
             </a:r>
             <a:r>
-              <a:rPr lang="en-US" dirty="0" err="1"/>
+              <a:rPr lang="en-US" sz="2400" dirty="0" err="1"/>
               <a:t>fridgeID</a:t>
             </a:r>
             <a:r>
-              <a:rPr lang="en-US" dirty="0"/>
+              <a:rPr lang="en-US" sz="2400" dirty="0"/>
               <a:t>, </a:t>
             </a:r>
             <a:r>
-              <a:rPr lang="en-US" dirty="0" err="1"/>
+              <a:rPr lang="en-US" sz="2400" dirty="0" err="1"/>
               <a:t>foodID</a:t>
             </a:r>
             <a:r>
-              <a:rPr lang="en-US" dirty="0"/>
+              <a:rPr lang="en-US" sz="2400" dirty="0"/>
               <a:t> -&gt; quantity</a:t>
             </a:r>
           </a:p>
           <a:p>
             <a:r>
-              <a:rPr lang="en-US" dirty="0" err="1"/>
+              <a:rPr lang="en-US" sz="2400" dirty="0" err="1"/>
               <a:t>recipeFood</a:t>
             </a:r>
             <a:r>
-              <a:rPr lang="en-US" dirty="0"/>
+              <a:rPr lang="en-US" sz="2400" dirty="0"/>
               <a:t>: </a:t>
             </a:r>
             <a:r>
-              <a:rPr lang="en-US" dirty="0" err="1"/>
+              <a:rPr lang="en-US" sz="2400" dirty="0" err="1"/>
               <a:t>recipeID</a:t>
             </a:r>
             <a:r>
-              <a:rPr lang="en-US" dirty="0"/>
+              <a:rPr lang="en-US" sz="2400" dirty="0"/>
               <a:t>, </a:t>
             </a:r>
             <a:r>
-              <a:rPr lang="en-US" dirty="0" err="1"/>
+              <a:rPr lang="en-US" sz="2400" dirty="0" err="1"/>
               <a:t>foodID</a:t>
             </a:r>
             <a:r>
-              <a:rPr lang="en-US" dirty="0"/>
+              <a:rPr lang="en-US" sz="2400" dirty="0"/>
               <a:t> -&gt; quantity</a:t>
             </a:r>
           </a:p>
@@ -4027,8 +6656,8 @@
         </p:nvSpPr>
         <p:spPr>
           <a:xfrm>
-            <a:off x="838200" y="1825625"/>
-            <a:ext cx="5749031" cy="4351338"/>
+            <a:off x="838201" y="1825625"/>
+            <a:ext cx="4879018" cy="4351338"/>
           </a:xfrm>
         </p:spPr>
         <p:txBody>
@@ -4036,7 +6665,7 @@
           <a:lstStyle/>
           <a:p>
             <a:r>
-              <a:rPr lang="en-US" dirty="0"/>
+              <a:rPr lang="en-US" sz="2400" dirty="0"/>
               <a:t>Model-View-Controller architecture:</a:t>
             </a:r>
           </a:p>
@@ -4045,14 +6674,9 @@
               <a:buNone/>
             </a:pPr>
             <a:r>
-              <a:rPr lang="en-US" dirty="0"/>
-              <a:t>Used model-view-controller to increase scalability of </a:t>
-            </a:r>
-            <a:r>
-              <a:rPr lang="en-US"/>
-              <a:t>the program.</a:t>
-            </a:r>
-            <a:endParaRPr lang="en-US" dirty="0"/>
+              <a:rPr lang="en-US" sz="2400" dirty="0"/>
+              <a:t>Used model-view-controller to increase scalability of the program.</a:t>
+            </a:r>
           </a:p>
           <a:p>
             <a:pPr marL="0" indent="0">
@@ -4090,8 +6714,8 @@
         </p:blipFill>
         <p:spPr>
           <a:xfrm>
-            <a:off x="6587231" y="365125"/>
-            <a:ext cx="5419725" cy="5734050"/>
+            <a:off x="5353236" y="1157545"/>
+            <a:ext cx="4500978" cy="4762019"/>
           </a:xfrm>
           <a:prstGeom prst="rect">
             <a:avLst/>
@@ -4178,7 +6802,7 @@
           <a:lstStyle/>
           <a:p>
             <a:r>
-              <a:rPr lang="en-US" dirty="0"/>
+              <a:rPr lang="en-US" sz="2400" dirty="0"/>
               <a:t>Data source-delegate design pattern:</a:t>
             </a:r>
           </a:p>
@@ -4187,7 +6811,7 @@
               <a:buNone/>
             </a:pPr>
             <a:r>
-              <a:rPr lang="en-US" dirty="0"/>
+              <a:rPr lang="en-US" sz="2400" dirty="0"/>
               <a:t>Used delegate and data source to communicate between the views and the view controllers.</a:t>
             </a:r>
           </a:p>
@@ -4237,7 +6861,7 @@
           <p:cNvPr id="2" name="Title 1">
             <a:extLst>
               <a:ext uri="{FF2B5EF4-FFF2-40B4-BE49-F238E27FC236}">
-                <a16:creationId xmlns:a16="http://schemas.microsoft.com/office/drawing/2014/main" id="{905A8ABC-312D-4B28-A875-82C8204C18F2}"/>
+                <a16:creationId xmlns:a16="http://schemas.microsoft.com/office/drawing/2014/main" id="{3D2CF386-0EC4-4E46-A5CE-4585BCFC2765}"/>
               </a:ext>
             </a:extLst>
           </p:cNvPr>
@@ -4265,7 +6889,7 @@
           <p:cNvPr id="3" name="Content Placeholder 2">
             <a:extLst>
               <a:ext uri="{FF2B5EF4-FFF2-40B4-BE49-F238E27FC236}">
-                <a16:creationId xmlns:a16="http://schemas.microsoft.com/office/drawing/2014/main" id="{58921CC0-8951-4195-AAF9-F90169DD2D49}"/>
+                <a16:creationId xmlns:a16="http://schemas.microsoft.com/office/drawing/2014/main" id="{412FE1B5-7515-4A0D-B4C6-45B0B39D966D}"/>
               </a:ext>
             </a:extLst>
           </p:cNvPr>
@@ -4276,19 +6900,41 @@
             <p:ph idx="1"/>
           </p:nvPr>
         </p:nvSpPr>
-        <p:spPr/>
-        <p:txBody>
-          <a:bodyPr/>
-          <a:lstStyle/>
-          <a:p>
-            <a:endParaRPr lang="en-US" dirty="0"/>
+        <p:spPr>
+          <a:xfrm>
+            <a:off x="677334" y="1930400"/>
+            <a:ext cx="8596668" cy="4110962"/>
+          </a:xfrm>
+        </p:spPr>
+        <p:txBody>
+          <a:bodyPr>
+            <a:normAutofit/>
+          </a:bodyPr>
+          <a:lstStyle/>
+          <a:p>
+            <a:r>
+              <a:rPr lang="en-US" sz="2400" dirty="0"/>
+              <a:t>Binding the model to the data shown on the view</a:t>
+            </a:r>
+          </a:p>
+          <a:p>
+            <a:r>
+              <a:rPr lang="en-US" sz="2400" dirty="0"/>
+              <a:t>Adjusting layout between Mac and Windows</a:t>
+            </a:r>
+          </a:p>
+          <a:p>
+            <a:r>
+              <a:rPr lang="en-US" sz="2400" dirty="0"/>
+              <a:t>Centering views in panels</a:t>
+            </a:r>
           </a:p>
         </p:txBody>
       </p:sp>
     </p:spTree>
     <p:extLst>
       <p:ext uri="{BB962C8B-B14F-4D97-AF65-F5344CB8AC3E}">
-        <p14:creationId xmlns:p14="http://schemas.microsoft.com/office/powerpoint/2010/main" val="2935656960"/>
+        <p14:creationId xmlns:p14="http://schemas.microsoft.com/office/powerpoint/2010/main" val="2459114588"/>
       </p:ext>
     </p:extLst>
   </p:cSld>
@@ -4320,7 +6966,7 @@
           <p:cNvPr id="2" name="Title 1">
             <a:extLst>
               <a:ext uri="{FF2B5EF4-FFF2-40B4-BE49-F238E27FC236}">
-                <a16:creationId xmlns:a16="http://schemas.microsoft.com/office/drawing/2014/main" id="{358CD85A-185F-41F3-86B7-A8AB6DEEC081}"/>
+                <a16:creationId xmlns:a16="http://schemas.microsoft.com/office/drawing/2014/main" id="{B4B1FC73-D96B-4200-9CE9-081891863BE1}"/>
               </a:ext>
             </a:extLst>
           </p:cNvPr>
@@ -4348,7 +6994,7 @@
           <p:cNvPr id="3" name="Content Placeholder 2">
             <a:extLst>
               <a:ext uri="{FF2B5EF4-FFF2-40B4-BE49-F238E27FC236}">
-                <a16:creationId xmlns:a16="http://schemas.microsoft.com/office/drawing/2014/main" id="{5DCB7134-F211-415B-9930-C7E6AE67E99F}"/>
+                <a16:creationId xmlns:a16="http://schemas.microsoft.com/office/drawing/2014/main" id="{0BEC5DBC-4648-4EF3-BF70-203B71FF4D8F}"/>
               </a:ext>
             </a:extLst>
           </p:cNvPr>
@@ -4361,17 +7007,46 @@
         </p:nvSpPr>
         <p:spPr/>
         <p:txBody>
-          <a:bodyPr/>
-          <a:lstStyle/>
-          <a:p>
-            <a:endParaRPr lang="en-US" dirty="0"/>
+          <a:bodyPr>
+            <a:normAutofit/>
+          </a:bodyPr>
+          <a:lstStyle/>
+          <a:p>
+            <a:r>
+              <a:rPr lang="en-US" sz="2400" dirty="0"/>
+              <a:t>Creating effective model-view-controller architecture.</a:t>
+            </a:r>
+          </a:p>
+          <a:p>
+            <a:r>
+              <a:rPr lang="en-US" sz="2400" dirty="0"/>
+              <a:t>How to use </a:t>
+            </a:r>
+            <a:r>
+              <a:rPr lang="en-US" sz="2400" dirty="0" err="1"/>
+              <a:t>Netbeans</a:t>
+            </a:r>
+            <a:r>
+              <a:rPr lang="en-US" sz="2400" dirty="0"/>
+              <a:t> form editor</a:t>
+            </a:r>
+          </a:p>
+          <a:p>
+            <a:r>
+              <a:rPr lang="en-US" sz="2400"/>
+              <a:t>Properly making </a:t>
+            </a:r>
+            <a:r>
+              <a:rPr lang="en-US" sz="2400" dirty="0"/>
+              <a:t>interfaces</a:t>
+            </a:r>
           </a:p>
         </p:txBody>
       </p:sp>
     </p:spTree>
     <p:extLst>
       <p:ext uri="{BB962C8B-B14F-4D97-AF65-F5344CB8AC3E}">
-        <p14:creationId xmlns:p14="http://schemas.microsoft.com/office/powerpoint/2010/main" val="3924711264"/>
+        <p14:creationId xmlns:p14="http://schemas.microsoft.com/office/powerpoint/2010/main" val="2042528706"/>
       </p:ext>
     </p:extLst>
   </p:cSld>
@@ -4382,9 +7057,9 @@
 </file>
 
 <file path=ppt/theme/theme1.xml><?xml version="1.0" encoding="utf-8"?>
-<a:theme xmlns:a="http://schemas.openxmlformats.org/drawingml/2006/main" name="Office Theme">
+<a:theme xmlns:a="http://schemas.openxmlformats.org/drawingml/2006/main" name="Facet">
   <a:themeElements>
-    <a:clrScheme name="Office">
+    <a:clrScheme name="Facet">
       <a:dk1>
         <a:sysClr val="windowText" lastClr="000000"/>
       </a:dk1>
@@ -4392,52 +7067,52 @@
         <a:sysClr val="window" lastClr="FFFFFF"/>
       </a:lt1>
       <a:dk2>
-        <a:srgbClr val="44546A"/>
+        <a:srgbClr val="2C3C43"/>
       </a:dk2>
       <a:lt2>
-        <a:srgbClr val="E7E6E6"/>
+        <a:srgbClr val="EBEBEB"/>
       </a:lt2>
       <a:accent1>
-        <a:srgbClr val="4472C4"/>
+        <a:srgbClr val="90C226"/>
       </a:accent1>
       <a:accent2>
-        <a:srgbClr val="ED7D31"/>
+        <a:srgbClr val="54A021"/>
       </a:accent2>
       <a:accent3>
-        <a:srgbClr val="A5A5A5"/>
+        <a:srgbClr val="E6B91E"/>
       </a:accent3>
       <a:accent4>
-        <a:srgbClr val="FFC000"/>
+        <a:srgbClr val="E76618"/>
       </a:accent4>
       <a:accent5>
-        <a:srgbClr val="5B9BD5"/>
+        <a:srgbClr val="C42F1A"/>
       </a:accent5>
       <a:accent6>
-        <a:srgbClr val="70AD47"/>
+        <a:srgbClr val="918655"/>
       </a:accent6>
       <a:hlink>
-        <a:srgbClr val="0563C1"/>
+        <a:srgbClr val="99CA3C"/>
       </a:hlink>
       <a:folHlink>
-        <a:srgbClr val="954F72"/>
+        <a:srgbClr val="B9D181"/>
       </a:folHlink>
     </a:clrScheme>
-    <a:fontScheme name="Office">
+    <a:fontScheme name="Facet">
       <a:majorFont>
-        <a:latin typeface="Calibri Light" panose="020F0302020204030204"/>
+        <a:latin typeface="Trebuchet MS" panose="020B0603020202020204"/>
         <a:ea typeface=""/>
         <a:cs typeface=""/>
-        <a:font script="Jpan" typeface="游ゴシック Light"/>
+        <a:font script="Jpan" typeface="メイリオ"/>
         <a:font script="Hang" typeface="맑은 고딕"/>
-        <a:font script="Hans" typeface="等线 Light"/>
-        <a:font script="Hant" typeface="新細明體"/>
-        <a:font script="Arab" typeface="Times New Roman"/>
-        <a:font script="Hebr" typeface="Times New Roman"/>
-        <a:font script="Thai" typeface="Angsana New"/>
+        <a:font script="Hans" typeface="方正姚体"/>
+        <a:font script="Hant" typeface="微軟正黑體"/>
+        <a:font script="Arab" typeface="Tahoma"/>
+        <a:font script="Hebr" typeface="Arial"/>
+        <a:font script="Thai" typeface="Cordia New"/>
         <a:font script="Ethi" typeface="Nyala"/>
         <a:font script="Beng" typeface="Vrinda"/>
         <a:font script="Gujr" typeface="Shruti"/>
-        <a:font script="Khmr" typeface="MoolBoran"/>
+        <a:font script="Khmr" typeface="DaunPenh"/>
         <a:font script="Knda" typeface="Tunga"/>
         <a:font script="Guru" typeface="Raavi"/>
         <a:font script="Cans" typeface="Euphemia"/>
@@ -4454,38 +7129,21 @@
         <a:font script="Laoo" typeface="DokChampa"/>
         <a:font script="Sinh" typeface="Iskoola Pota"/>
         <a:font script="Mong" typeface="Mongolian Baiti"/>
-        <a:font script="Viet" typeface="Times New Roman"/>
+        <a:font script="Viet" typeface="Tahoma"/>
         <a:font script="Uigh" typeface="Microsoft Uighur"/>
         <a:font script="Geor" typeface="Sylfaen"/>
-        <a:font script="Armn" typeface="Arial"/>
-        <a:font script="Bugi" typeface="Leelawadee UI"/>
-        <a:font script="Bopo" typeface="Microsoft JhengHei"/>
-        <a:font script="Java" typeface="Javanese Text"/>
-        <a:font script="Lisu" typeface="Segoe UI"/>
-        <a:font script="Mymr" typeface="Myanmar Text"/>
-        <a:font script="Nkoo" typeface="Ebrima"/>
-        <a:font script="Olck" typeface="Nirmala UI"/>
-        <a:font script="Osma" typeface="Ebrima"/>
-        <a:font script="Phag" typeface="Phagspa"/>
-        <a:font script="Syrn" typeface="Estrangelo Edessa"/>
-        <a:font script="Syrj" typeface="Estrangelo Edessa"/>
-        <a:font script="Syre" typeface="Estrangelo Edessa"/>
-        <a:font script="Sora" typeface="Nirmala UI"/>
-        <a:font script="Tale" typeface="Microsoft Tai Le"/>
-        <a:font script="Talu" typeface="Microsoft New Tai Lue"/>
-        <a:font script="Tfng" typeface="Ebrima"/>
       </a:majorFont>
       <a:minorFont>
-        <a:latin typeface="Calibri" panose="020F0502020204030204"/>
+        <a:latin typeface="Trebuchet MS" panose="020B0603020202020204"/>
         <a:ea typeface=""/>
         <a:cs typeface=""/>
-        <a:font script="Jpan" typeface="游ゴシック"/>
-        <a:font script="Hang" typeface="맑은 고딕"/>
-        <a:font script="Hans" typeface="等线"/>
-        <a:font script="Hant" typeface="新細明體"/>
-        <a:font script="Arab" typeface="Arial"/>
-        <a:font script="Hebr" typeface="Arial"/>
-        <a:font script="Thai" typeface="Cordia New"/>
+        <a:font script="Jpan" typeface="メイリオ"/>
+        <a:font script="Hang" typeface="HY그래픽M"/>
+        <a:font script="Hans" typeface="华文新魏"/>
+        <a:font script="Hant" typeface="微軟正黑體"/>
+        <a:font script="Arab" typeface="Tahoma"/>
+        <a:font script="Hebr" typeface="Gisha"/>
+        <a:font script="Thai" typeface="IrisUPC"/>
         <a:font script="Ethi" typeface="Nyala"/>
         <a:font script="Beng" typeface="Vrinda"/>
         <a:font script="Gujr" typeface="Shruti"/>
@@ -4509,26 +7167,9 @@
         <a:font script="Viet" typeface="Arial"/>
         <a:font script="Uigh" typeface="Microsoft Uighur"/>
         <a:font script="Geor" typeface="Sylfaen"/>
-        <a:font script="Armn" typeface="Arial"/>
-        <a:font script="Bugi" typeface="Leelawadee UI"/>
-        <a:font script="Bopo" typeface="Microsoft JhengHei"/>
-        <a:font script="Java" typeface="Javanese Text"/>
-        <a:font script="Lisu" typeface="Segoe UI"/>
-        <a:font script="Mymr" typeface="Myanmar Text"/>
-        <a:font script="Nkoo" typeface="Ebrima"/>
-        <a:font script="Olck" typeface="Nirmala UI"/>
-        <a:font script="Osma" typeface="Ebrima"/>
-        <a:font script="Phag" typeface="Phagspa"/>
-        <a:font script="Syrn" typeface="Estrangelo Edessa"/>
-        <a:font script="Syrj" typeface="Estrangelo Edessa"/>
-        <a:font script="Syre" typeface="Estrangelo Edessa"/>
-        <a:font script="Sora" typeface="Nirmala UI"/>
-        <a:font script="Tale" typeface="Microsoft Tai Le"/>
-        <a:font script="Talu" typeface="Microsoft New Tai Lue"/>
-        <a:font script="Tfng" typeface="Ebrima"/>
       </a:minorFont>
     </a:fontScheme>
-    <a:fmtScheme name="Office">
+    <a:fmtScheme name="Facet">
       <a:fillStyleLst>
         <a:solidFill>
           <a:schemeClr val="phClr"/>
@@ -4537,23 +7178,13 @@
           <a:gsLst>
             <a:gs pos="0">
               <a:schemeClr val="phClr">
+                <a:tint val="65000"/>
                 <a:lumMod val="110000"/>
-                <a:satMod val="105000"/>
-                <a:tint val="67000"/>
               </a:schemeClr>
             </a:gs>
-            <a:gs pos="50000">
+            <a:gs pos="88000">
               <a:schemeClr val="phClr">
-                <a:lumMod val="105000"/>
-                <a:satMod val="103000"/>
-                <a:tint val="73000"/>
-              </a:schemeClr>
-            </a:gs>
-            <a:gs pos="100000">
-              <a:schemeClr val="phClr">
-                <a:lumMod val="105000"/>
-                <a:satMod val="109000"/>
-                <a:tint val="81000"/>
+                <a:tint val="90000"/>
               </a:schemeClr>
             </a:gs>
           </a:gsLst>
@@ -4563,23 +7194,14 @@
           <a:gsLst>
             <a:gs pos="0">
               <a:schemeClr val="phClr">
-                <a:satMod val="103000"/>
-                <a:lumMod val="102000"/>
-                <a:tint val="94000"/>
+                <a:tint val="96000"/>
+                <a:lumMod val="100000"/>
               </a:schemeClr>
             </a:gs>
-            <a:gs pos="50000">
+            <a:gs pos="78000">
               <a:schemeClr val="phClr">
-                <a:satMod val="110000"/>
-                <a:lumMod val="100000"/>
-                <a:shade val="100000"/>
-              </a:schemeClr>
-            </a:gs>
-            <a:gs pos="100000">
-              <a:schemeClr val="phClr">
-                <a:lumMod val="99000"/>
-                <a:satMod val="120000"/>
-                <a:shade val="78000"/>
+                <a:shade val="94000"/>
+                <a:lumMod val="94000"/>
               </a:schemeClr>
             </a:gs>
           </a:gsLst>
@@ -4587,26 +7209,23 @@
         </a:gradFill>
       </a:fillStyleLst>
       <a:lnStyleLst>
-        <a:ln w="6350" cap="flat" cmpd="sng" algn="ctr">
+        <a:ln w="12700" cap="rnd" cmpd="sng" algn="ctr">
           <a:solidFill>
             <a:schemeClr val="phClr"/>
           </a:solidFill>
           <a:prstDash val="solid"/>
-          <a:miter lim="800000"/>
         </a:ln>
-        <a:ln w="12700" cap="flat" cmpd="sng" algn="ctr">
+        <a:ln w="19050" cap="rnd" cmpd="sng" algn="ctr">
           <a:solidFill>
             <a:schemeClr val="phClr"/>
           </a:solidFill>
           <a:prstDash val="solid"/>
-          <a:miter lim="800000"/>
         </a:ln>
-        <a:ln w="19050" cap="flat" cmpd="sng" algn="ctr">
+        <a:ln w="25400" cap="rnd" cmpd="sng" algn="ctr">
           <a:solidFill>
             <a:schemeClr val="phClr"/>
           </a:solidFill>
           <a:prstDash val="solid"/>
-          <a:miter lim="800000"/>
         </a:ln>
       </a:lnStyleLst>
       <a:effectStyleLst>
@@ -4614,54 +7233,72 @@
           <a:effectLst/>
         </a:effectStyle>
         <a:effectStyle>
-          <a:effectLst/>
+          <a:effectLst>
+            <a:outerShdw blurRad="38100" dist="25400" dir="5400000" rotWithShape="0">
+              <a:srgbClr val="000000">
+                <a:alpha val="35000"/>
+              </a:srgbClr>
+            </a:outerShdw>
+          </a:effectLst>
         </a:effectStyle>
         <a:effectStyle>
           <a:effectLst>
-            <a:outerShdw blurRad="57150" dist="19050" dir="5400000" algn="ctr" rotWithShape="0">
+            <a:outerShdw blurRad="50800" dist="38100" dir="5400000" rotWithShape="0">
               <a:srgbClr val="000000">
-                <a:alpha val="63000"/>
+                <a:alpha val="35000"/>
               </a:srgbClr>
             </a:outerShdw>
           </a:effectLst>
+          <a:scene3d>
+            <a:camera prst="orthographicFront">
+              <a:rot lat="0" lon="0" rev="0"/>
+            </a:camera>
+            <a:lightRig rig="threePt" dir="tl"/>
+          </a:scene3d>
+          <a:sp3d prstMaterial="plastic">
+            <a:bevelT w="0" h="0"/>
+          </a:sp3d>
         </a:effectStyle>
       </a:effectStyleLst>
       <a:bgFillStyleLst>
         <a:solidFill>
           <a:schemeClr val="phClr"/>
         </a:solidFill>
-        <a:solidFill>
-          <a:schemeClr val="phClr">
-            <a:tint val="95000"/>
-            <a:satMod val="170000"/>
-          </a:schemeClr>
-        </a:solidFill>
         <a:gradFill rotWithShape="1">
           <a:gsLst>
             <a:gs pos="0">
               <a:schemeClr val="phClr">
-                <a:tint val="93000"/>
-                <a:satMod val="150000"/>
-                <a:shade val="98000"/>
-                <a:lumMod val="102000"/>
+                <a:tint val="90000"/>
+                <a:lumMod val="104000"/>
               </a:schemeClr>
             </a:gs>
-            <a:gs pos="50000">
+            <a:gs pos="94000">
               <a:schemeClr val="phClr">
-                <a:tint val="98000"/>
-                <a:satMod val="130000"/>
-                <a:shade val="90000"/>
-                <a:lumMod val="103000"/>
+                <a:shade val="96000"/>
+                <a:lumMod val="82000"/>
+              </a:schemeClr>
+            </a:gs>
+          </a:gsLst>
+          <a:lin ang="5400000" scaled="0"/>
+        </a:gradFill>
+        <a:gradFill rotWithShape="1">
+          <a:gsLst>
+            <a:gs pos="0">
+              <a:schemeClr val="phClr">
+                <a:tint val="90000"/>
+                <a:lumMod val="110000"/>
               </a:schemeClr>
             </a:gs>
             <a:gs pos="100000">
               <a:schemeClr val="phClr">
-                <a:shade val="63000"/>
-                <a:satMod val="120000"/>
+                <a:shade val="94000"/>
+                <a:lumMod val="96000"/>
               </a:schemeClr>
             </a:gs>
           </a:gsLst>
-          <a:lin ang="5400000" scaled="0"/>
+          <a:path path="circle">
+            <a:fillToRect l="50000" t="50000" r="100000" b="100000"/>
+          </a:path>
         </a:gradFill>
       </a:bgFillStyleLst>
     </a:fmtScheme>
@@ -4670,7 +7307,7 @@
   <a:extraClrSchemeLst/>
   <a:extLst>
     <a:ext uri="{05A4C25C-085E-4340-85A3-A5531E510DB2}">
-      <thm15:themeFamily xmlns:thm15="http://schemas.microsoft.com/office/thememl/2012/main" name="Office Theme" id="{62F939B6-93AF-4DB8-9C6B-D6C7DFDC589F}" vid="{4A3C46E8-61CC-4603-A589-7422A47A8E4A}"/>
+      <thm15:themeFamily xmlns:thm15="http://schemas.microsoft.com/office/thememl/2012/main" name="Facet" id="{C0C680CD-088A-49FC-A102-D699147F32B2}" vid="{CFBC31BA-B70F-4F30-BCAA-4F3011E16C4D}"/>
     </a:ext>
   </a:extLst>
 </a:theme>
